--- a/学习笔记/Docker/AUFS.pptx
+++ b/学习笔记/Docker/AUFS.pptx
@@ -2,7 +2,7 @@
 <file path=ppt/presentation.xml><?xml version="1.0" encoding="utf-8"?>
 <p:presentation xmlns:a="http://schemas.openxmlformats.org/drawingml/2006/main" xmlns:r="http://schemas.openxmlformats.org/officeDocument/2006/relationships" xmlns:p="http://schemas.openxmlformats.org/presentationml/2006/main" saveSubsetFonts="1">
   <p:sldMasterIdLst>
-    <p:sldMasterId id="2147483648" r:id="rId1"/>
+    <p:sldMasterId id="2147483660" r:id="rId1"/>
   </p:sldMasterIdLst>
   <p:sldIdLst>
     <p:sldId id="256" r:id="rId2"/>
@@ -106,6 +106,11 @@
       </a:defRPr>
     </a:lvl9pPr>
   </p:defaultTextStyle>
+  <p:extLst>
+    <p:ext uri="{EFAFB233-063F-42B5-8137-9DF3F51BA10A}">
+      <p15:sldGuideLst xmlns:p15="http://schemas.microsoft.com/office/powerpoint/2012/main"/>
+    </p:ext>
+  </p:extLst>
 </p:presentation>
 </file>
 
@@ -128,13 +133,7 @@
       </p:grpSpPr>
       <p:sp>
         <p:nvSpPr>
-          <p:cNvPr id="2" name="标题 1">
-            <a:extLst>
-              <a:ext uri="{FF2B5EF4-FFF2-40B4-BE49-F238E27FC236}">
-                <a16:creationId xmlns:a16="http://schemas.microsoft.com/office/drawing/2014/main" id="{B485639E-E920-44B9-8027-A408072272A3}"/>
-              </a:ext>
-            </a:extLst>
-          </p:cNvPr>
+          <p:cNvPr id="2" name="标题 1"/>
           <p:cNvSpPr>
             <a:spLocks noGrp="1"/>
           </p:cNvSpPr>
@@ -144,104 +143,106 @@
         </p:nvSpPr>
         <p:spPr>
           <a:xfrm>
-            <a:off x="1524000" y="1122363"/>
-            <a:ext cx="9144000" cy="2387600"/>
+            <a:off x="0" y="2052266"/>
+            <a:ext cx="12192000" cy="1562846"/>
+          </a:xfrm>
+          <a:prstGeom prst="rect">
+            <a:avLst/>
+          </a:prstGeom>
+          <a:solidFill>
+            <a:srgbClr val="02409A"/>
+          </a:solidFill>
+          <a:ln>
+            <a:noFill/>
+          </a:ln>
+          <a:effectLst>
+            <a:outerShdw blurRad="44450" dist="27940" dir="5400000" algn="ctr">
+              <a:srgbClr val="000000">
+                <a:alpha val="32000"/>
+              </a:srgbClr>
+            </a:outerShdw>
+          </a:effectLst>
+        </p:spPr>
+        <p:txBody>
+          <a:bodyPr tIns="0" bIns="0" anchor="ctr"/>
+          <a:lstStyle>
+            <a:lvl1pPr>
+              <a:defRPr lang="zh-CN" altLang="en-US" sz="2400" b="1" dirty="0">
+                <a:solidFill>
+                  <a:prstClr val="white"/>
+                </a:solidFill>
+                <a:effectLst>
+                  <a:outerShdw blurRad="38100" dist="38100" dir="2700000" algn="tl">
+                    <a:srgbClr val="000000">
+                      <a:alpha val="43137"/>
+                    </a:srgbClr>
+                  </a:outerShdw>
+                </a:effectLst>
+                <a:latin typeface="微软雅黑" panose="020B0503020204020204" pitchFamily="34" charset="-122"/>
+                <a:ea typeface="微软雅黑" panose="020B0503020204020204" pitchFamily="34" charset="-122"/>
+                <a:cs typeface="+mn-cs"/>
+              </a:defRPr>
+            </a:lvl1pPr>
+          </a:lstStyle>
+          <a:p>
+            <a:pPr marL="0" lvl="0"/>
+            <a:r>
+              <a:rPr lang="zh-CN" altLang="en-US"/>
+              <a:t>单击此处编辑母版标题样式</a:t>
+            </a:r>
+            <a:endParaRPr lang="zh-CN" altLang="en-US" dirty="0"/>
+          </a:p>
+        </p:txBody>
+      </p:sp>
+      <p:sp>
+        <p:nvSpPr>
+          <p:cNvPr id="3" name="副标题 2"/>
+          <p:cNvSpPr>
+            <a:spLocks noGrp="1"/>
+          </p:cNvSpPr>
+          <p:nvPr>
+            <p:ph type="subTitle" idx="1"/>
+          </p:nvPr>
+        </p:nvSpPr>
+        <p:spPr>
+          <a:xfrm>
+            <a:off x="1828800" y="3886200"/>
+            <a:ext cx="8534400" cy="1752600"/>
           </a:xfrm>
         </p:spPr>
         <p:txBody>
-          <a:bodyPr anchor="b"/>
+          <a:bodyPr vert="horz" lIns="91440" tIns="45720" rIns="91440" bIns="45720" rtlCol="0">
+            <a:normAutofit lnSpcReduction="10000"/>
+          </a:bodyPr>
           <a:lstStyle>
             <a:lvl1pPr algn="ctr">
-              <a:defRPr sz="6000"/>
+              <a:defRPr lang="zh-CN" altLang="en-US" b="1" dirty="0">
+                <a:solidFill>
+                  <a:srgbClr val="0033CC"/>
+                </a:solidFill>
+                <a:latin typeface="楷体" panose="02010609060101010101" pitchFamily="49" charset="-122"/>
+                <a:ea typeface="楷体" panose="02010609060101010101" pitchFamily="49" charset="-122"/>
+              </a:defRPr>
             </a:lvl1pPr>
           </a:lstStyle>
           <a:p>
-            <a:r>
-              <a:rPr lang="zh-CN" altLang="en-US"/>
-              <a:t>单击此处编辑母版标题样式</a:t>
-            </a:r>
-          </a:p>
-        </p:txBody>
-      </p:sp>
-      <p:sp>
-        <p:nvSpPr>
-          <p:cNvPr id="3" name="副标题 2">
-            <a:extLst>
-              <a:ext uri="{FF2B5EF4-FFF2-40B4-BE49-F238E27FC236}">
-                <a16:creationId xmlns:a16="http://schemas.microsoft.com/office/drawing/2014/main" id="{7647B19B-85C8-494F-B77B-A46103F812C3}"/>
-              </a:ext>
-            </a:extLst>
-          </p:cNvPr>
-          <p:cNvSpPr>
-            <a:spLocks noGrp="1"/>
-          </p:cNvSpPr>
-          <p:nvPr>
-            <p:ph type="subTitle" idx="1"/>
-          </p:nvPr>
-        </p:nvSpPr>
-        <p:spPr>
-          <a:xfrm>
-            <a:off x="1524000" y="3602038"/>
-            <a:ext cx="9144000" cy="1655762"/>
-          </a:xfrm>
-        </p:spPr>
-        <p:txBody>
-          <a:bodyPr/>
-          <a:lstStyle>
-            <a:lvl1pPr marL="0" indent="0" algn="ctr">
+            <a:pPr marL="0" lvl="0" indent="0" algn="ctr">
+              <a:spcAft>
+                <a:spcPts val="2400"/>
+              </a:spcAft>
               <a:buNone/>
-              <a:defRPr sz="2400"/>
-            </a:lvl1pPr>
-            <a:lvl2pPr marL="457200" indent="0" algn="ctr">
-              <a:buNone/>
-              <a:defRPr sz="2000"/>
-            </a:lvl2pPr>
-            <a:lvl3pPr marL="914400" indent="0" algn="ctr">
-              <a:buNone/>
-              <a:defRPr sz="1800"/>
-            </a:lvl3pPr>
-            <a:lvl4pPr marL="1371600" indent="0" algn="ctr">
-              <a:buNone/>
-              <a:defRPr sz="1600"/>
-            </a:lvl4pPr>
-            <a:lvl5pPr marL="1828800" indent="0" algn="ctr">
-              <a:buNone/>
-              <a:defRPr sz="1600"/>
-            </a:lvl5pPr>
-            <a:lvl6pPr marL="2286000" indent="0" algn="ctr">
-              <a:buNone/>
-              <a:defRPr sz="1600"/>
-            </a:lvl6pPr>
-            <a:lvl7pPr marL="2743200" indent="0" algn="ctr">
-              <a:buNone/>
-              <a:defRPr sz="1600"/>
-            </a:lvl7pPr>
-            <a:lvl8pPr marL="3200400" indent="0" algn="ctr">
-              <a:buNone/>
-              <a:defRPr sz="1600"/>
-            </a:lvl8pPr>
-            <a:lvl9pPr marL="3657600" indent="0" algn="ctr">
-              <a:buNone/>
-              <a:defRPr sz="1600"/>
-            </a:lvl9pPr>
-          </a:lstStyle>
-          <a:p>
+            </a:pPr>
             <a:r>
               <a:rPr lang="zh-CN" altLang="en-US"/>
               <a:t>单击此处编辑母版副标题样式</a:t>
             </a:r>
-          </a:p>
-        </p:txBody>
-      </p:sp>
-      <p:sp>
-        <p:nvSpPr>
-          <p:cNvPr id="4" name="日期占位符 3">
-            <a:extLst>
-              <a:ext uri="{FF2B5EF4-FFF2-40B4-BE49-F238E27FC236}">
-                <a16:creationId xmlns:a16="http://schemas.microsoft.com/office/drawing/2014/main" id="{843BD802-A3C7-4467-BFC1-28D19AE539B3}"/>
-              </a:ext>
-            </a:extLst>
-          </p:cNvPr>
+            <a:endParaRPr lang="zh-CN" altLang="en-US" dirty="0"/>
+          </a:p>
+        </p:txBody>
+      </p:sp>
+      <p:sp>
+        <p:nvSpPr>
+          <p:cNvPr id="4" name="日期占位符 3"/>
           <p:cNvSpPr>
             <a:spLocks noGrp="1"/>
           </p:cNvSpPr>
@@ -256,7 +257,7 @@
           <a:p>
             <a:fld id="{631EAFFE-823F-4DDC-BE73-DF0D66C78ADF}" type="datetimeFigureOut">
               <a:rPr lang="zh-CN" altLang="en-US" smtClean="0"/>
-              <a:t>2020/6/20</a:t>
+              <a:t>2020/7/11</a:t>
             </a:fld>
             <a:endParaRPr lang="zh-CN" altLang="en-US"/>
           </a:p>
@@ -264,13 +265,7 @@
       </p:sp>
       <p:sp>
         <p:nvSpPr>
-          <p:cNvPr id="5" name="页脚占位符 4">
-            <a:extLst>
-              <a:ext uri="{FF2B5EF4-FFF2-40B4-BE49-F238E27FC236}">
-                <a16:creationId xmlns:a16="http://schemas.microsoft.com/office/drawing/2014/main" id="{639B1C81-9AFD-4DDD-8FA7-DD0A3ABE0626}"/>
-              </a:ext>
-            </a:extLst>
-          </p:cNvPr>
+          <p:cNvPr id="5" name="页脚占位符 4"/>
           <p:cNvSpPr>
             <a:spLocks noGrp="1"/>
           </p:cNvSpPr>
@@ -289,13 +284,7 @@
       </p:sp>
       <p:sp>
         <p:nvSpPr>
-          <p:cNvPr id="6" name="灯片编号占位符 5">
-            <a:extLst>
-              <a:ext uri="{FF2B5EF4-FFF2-40B4-BE49-F238E27FC236}">
-                <a16:creationId xmlns:a16="http://schemas.microsoft.com/office/drawing/2014/main" id="{22938ED2-4E60-4BF4-BE59-544A8EA12782}"/>
-              </a:ext>
-            </a:extLst>
-          </p:cNvPr>
+          <p:cNvPr id="6" name="灯片编号占位符 5"/>
           <p:cNvSpPr>
             <a:spLocks noGrp="1"/>
           </p:cNvSpPr>
@@ -316,10 +305,70 @@
           </a:p>
         </p:txBody>
       </p:sp>
+      <p:pic>
+        <p:nvPicPr>
+          <p:cNvPr id="8" name="Picture 5">
+            <a:extLst>
+              <a:ext uri="{FF2B5EF4-FFF2-40B4-BE49-F238E27FC236}">
+                <a16:creationId xmlns:a16="http://schemas.microsoft.com/office/drawing/2014/main" id="{5C661FD0-60DD-459F-B399-FEA4B9CFB7A6}"/>
+              </a:ext>
+            </a:extLst>
+          </p:cNvPr>
+          <p:cNvPicPr>
+            <a:picLocks noChangeAspect="1" noChangeArrowheads="1"/>
+          </p:cNvPicPr>
+          <p:nvPr/>
+        </p:nvPicPr>
+        <p:blipFill>
+          <a:blip r:embed="rId2" cstate="print">
+            <a:extLst>
+              <a:ext uri="{28A0092B-C50C-407E-A947-70E740481C1C}">
+                <a14:useLocalDpi xmlns:a14="http://schemas.microsoft.com/office/drawing/2010/main" val="0"/>
+              </a:ext>
+            </a:extLst>
+          </a:blip>
+          <a:srcRect/>
+          <a:stretch>
+            <a:fillRect/>
+          </a:stretch>
+        </p:blipFill>
+        <p:spPr bwMode="auto">
+          <a:xfrm>
+            <a:off x="180306" y="355983"/>
+            <a:ext cx="2303462" cy="766762"/>
+          </a:xfrm>
+          <a:prstGeom prst="rect">
+            <a:avLst/>
+          </a:prstGeom>
+          <a:noFill/>
+          <a:ln>
+            <a:noFill/>
+          </a:ln>
+          <a:extLst>
+            <a:ext uri="{909E8E84-426E-40DD-AFC4-6F175D3DCCD1}">
+              <a14:hiddenFill xmlns:a14="http://schemas.microsoft.com/office/drawing/2010/main">
+                <a:solidFill>
+                  <a:srgbClr val="FFFFFF"/>
+                </a:solidFill>
+              </a14:hiddenFill>
+            </a:ext>
+            <a:ext uri="{91240B29-F687-4F45-9708-019B960494DF}">
+              <a14:hiddenLine xmlns:a14="http://schemas.microsoft.com/office/drawing/2010/main" w="9525">
+                <a:solidFill>
+                  <a:srgbClr val="000000"/>
+                </a:solidFill>
+                <a:miter lim="800000"/>
+                <a:headEnd/>
+                <a:tailEnd/>
+              </a14:hiddenLine>
+            </a:ext>
+          </a:extLst>
+        </p:spPr>
+      </p:pic>
     </p:spTree>
     <p:extLst>
       <p:ext uri="{BB962C8B-B14F-4D97-AF65-F5344CB8AC3E}">
-        <p14:creationId xmlns:p14="http://schemas.microsoft.com/office/powerpoint/2010/main" val="798466317"/>
+        <p14:creationId xmlns:p14="http://schemas.microsoft.com/office/powerpoint/2010/main" val="1680041778"/>
       </p:ext>
     </p:extLst>
   </p:cSld>
@@ -330,6 +379,264 @@
 </file>
 
 <file path=ppt/slideLayouts/slideLayout10.xml><?xml version="1.0" encoding="utf-8"?>
+<p:sldLayout xmlns:a="http://schemas.openxmlformats.org/drawingml/2006/main" xmlns:r="http://schemas.openxmlformats.org/officeDocument/2006/relationships" xmlns:p="http://schemas.openxmlformats.org/presentationml/2006/main" type="picTx" preserve="1">
+  <p:cSld name="图片与标题">
+    <p:spTree>
+      <p:nvGrpSpPr>
+        <p:cNvPr id="1" name=""/>
+        <p:cNvGrpSpPr/>
+        <p:nvPr/>
+      </p:nvGrpSpPr>
+      <p:grpSpPr>
+        <a:xfrm>
+          <a:off x="0" y="0"/>
+          <a:ext cx="0" cy="0"/>
+          <a:chOff x="0" y="0"/>
+          <a:chExt cx="0" cy="0"/>
+        </a:xfrm>
+      </p:grpSpPr>
+      <p:sp>
+        <p:nvSpPr>
+          <p:cNvPr id="2" name="标题 1"/>
+          <p:cNvSpPr>
+            <a:spLocks noGrp="1"/>
+          </p:cNvSpPr>
+          <p:nvPr>
+            <p:ph type="title"/>
+          </p:nvPr>
+        </p:nvSpPr>
+        <p:spPr>
+          <a:xfrm>
+            <a:off x="2389717" y="4800600"/>
+            <a:ext cx="7315200" cy="566738"/>
+          </a:xfrm>
+          <a:prstGeom prst="rect">
+            <a:avLst/>
+          </a:prstGeom>
+        </p:spPr>
+        <p:txBody>
+          <a:bodyPr anchor="b"/>
+          <a:lstStyle>
+            <a:lvl1pPr algn="l">
+              <a:defRPr sz="2000" b="1"/>
+            </a:lvl1pPr>
+          </a:lstStyle>
+          <a:p>
+            <a:r>
+              <a:rPr lang="zh-CN" altLang="en-US"/>
+              <a:t>单击此处编辑母版标题样式</a:t>
+            </a:r>
+          </a:p>
+        </p:txBody>
+      </p:sp>
+      <p:sp>
+        <p:nvSpPr>
+          <p:cNvPr id="3" name="图片占位符 2"/>
+          <p:cNvSpPr>
+            <a:spLocks noGrp="1"/>
+          </p:cNvSpPr>
+          <p:nvPr>
+            <p:ph type="pic" idx="1"/>
+          </p:nvPr>
+        </p:nvSpPr>
+        <p:spPr>
+          <a:xfrm>
+            <a:off x="2389717" y="612775"/>
+            <a:ext cx="7315200" cy="4114800"/>
+          </a:xfrm>
+        </p:spPr>
+        <p:txBody>
+          <a:bodyPr/>
+          <a:lstStyle>
+            <a:lvl1pPr marL="0" indent="0">
+              <a:buNone/>
+              <a:defRPr sz="3200"/>
+            </a:lvl1pPr>
+            <a:lvl2pPr marL="457200" indent="0">
+              <a:buNone/>
+              <a:defRPr sz="2800"/>
+            </a:lvl2pPr>
+            <a:lvl3pPr marL="914400" indent="0">
+              <a:buNone/>
+              <a:defRPr sz="2400"/>
+            </a:lvl3pPr>
+            <a:lvl4pPr marL="1371600" indent="0">
+              <a:buNone/>
+              <a:defRPr sz="2000"/>
+            </a:lvl4pPr>
+            <a:lvl5pPr marL="1828800" indent="0">
+              <a:buNone/>
+              <a:defRPr sz="2000"/>
+            </a:lvl5pPr>
+            <a:lvl6pPr marL="2286000" indent="0">
+              <a:buNone/>
+              <a:defRPr sz="2000"/>
+            </a:lvl6pPr>
+            <a:lvl7pPr marL="2743200" indent="0">
+              <a:buNone/>
+              <a:defRPr sz="2000"/>
+            </a:lvl7pPr>
+            <a:lvl8pPr marL="3200400" indent="0">
+              <a:buNone/>
+              <a:defRPr sz="2000"/>
+            </a:lvl8pPr>
+            <a:lvl9pPr marL="3657600" indent="0">
+              <a:buNone/>
+              <a:defRPr sz="2000"/>
+            </a:lvl9pPr>
+          </a:lstStyle>
+          <a:p>
+            <a:r>
+              <a:rPr lang="zh-CN" altLang="en-US"/>
+              <a:t>单击图标添加图片</a:t>
+            </a:r>
+          </a:p>
+        </p:txBody>
+      </p:sp>
+      <p:sp>
+        <p:nvSpPr>
+          <p:cNvPr id="4" name="文本占位符 3"/>
+          <p:cNvSpPr>
+            <a:spLocks noGrp="1"/>
+          </p:cNvSpPr>
+          <p:nvPr>
+            <p:ph type="body" sz="half" idx="2"/>
+          </p:nvPr>
+        </p:nvSpPr>
+        <p:spPr>
+          <a:xfrm>
+            <a:off x="2389717" y="5367338"/>
+            <a:ext cx="7315200" cy="804862"/>
+          </a:xfrm>
+        </p:spPr>
+        <p:txBody>
+          <a:bodyPr/>
+          <a:lstStyle>
+            <a:lvl1pPr marL="0" indent="0">
+              <a:buNone/>
+              <a:defRPr sz="1400"/>
+            </a:lvl1pPr>
+            <a:lvl2pPr marL="457200" indent="0">
+              <a:buNone/>
+              <a:defRPr sz="1200"/>
+            </a:lvl2pPr>
+            <a:lvl3pPr marL="914400" indent="0">
+              <a:buNone/>
+              <a:defRPr sz="1000"/>
+            </a:lvl3pPr>
+            <a:lvl4pPr marL="1371600" indent="0">
+              <a:buNone/>
+              <a:defRPr sz="900"/>
+            </a:lvl4pPr>
+            <a:lvl5pPr marL="1828800" indent="0">
+              <a:buNone/>
+              <a:defRPr sz="900"/>
+            </a:lvl5pPr>
+            <a:lvl6pPr marL="2286000" indent="0">
+              <a:buNone/>
+              <a:defRPr sz="900"/>
+            </a:lvl6pPr>
+            <a:lvl7pPr marL="2743200" indent="0">
+              <a:buNone/>
+              <a:defRPr sz="900"/>
+            </a:lvl7pPr>
+            <a:lvl8pPr marL="3200400" indent="0">
+              <a:buNone/>
+              <a:defRPr sz="900"/>
+            </a:lvl8pPr>
+            <a:lvl9pPr marL="3657600" indent="0">
+              <a:buNone/>
+              <a:defRPr sz="900"/>
+            </a:lvl9pPr>
+          </a:lstStyle>
+          <a:p>
+            <a:pPr lvl="0"/>
+            <a:r>
+              <a:rPr lang="zh-CN" altLang="en-US"/>
+              <a:t>单击此处编辑母版文本样式</a:t>
+            </a:r>
+          </a:p>
+        </p:txBody>
+      </p:sp>
+      <p:sp>
+        <p:nvSpPr>
+          <p:cNvPr id="5" name="日期占位符 4"/>
+          <p:cNvSpPr>
+            <a:spLocks noGrp="1"/>
+          </p:cNvSpPr>
+          <p:nvPr>
+            <p:ph type="dt" sz="half" idx="10"/>
+          </p:nvPr>
+        </p:nvSpPr>
+        <p:spPr/>
+        <p:txBody>
+          <a:bodyPr/>
+          <a:lstStyle/>
+          <a:p>
+            <a:fld id="{631EAFFE-823F-4DDC-BE73-DF0D66C78ADF}" type="datetimeFigureOut">
+              <a:rPr lang="zh-CN" altLang="en-US" smtClean="0"/>
+              <a:t>2020/7/11</a:t>
+            </a:fld>
+            <a:endParaRPr lang="zh-CN" altLang="en-US"/>
+          </a:p>
+        </p:txBody>
+      </p:sp>
+      <p:sp>
+        <p:nvSpPr>
+          <p:cNvPr id="6" name="页脚占位符 5"/>
+          <p:cNvSpPr>
+            <a:spLocks noGrp="1"/>
+          </p:cNvSpPr>
+          <p:nvPr>
+            <p:ph type="ftr" sz="quarter" idx="11"/>
+          </p:nvPr>
+        </p:nvSpPr>
+        <p:spPr/>
+        <p:txBody>
+          <a:bodyPr/>
+          <a:lstStyle/>
+          <a:p>
+            <a:endParaRPr lang="zh-CN" altLang="en-US"/>
+          </a:p>
+        </p:txBody>
+      </p:sp>
+      <p:sp>
+        <p:nvSpPr>
+          <p:cNvPr id="7" name="灯片编号占位符 6"/>
+          <p:cNvSpPr>
+            <a:spLocks noGrp="1"/>
+          </p:cNvSpPr>
+          <p:nvPr>
+            <p:ph type="sldNum" sz="quarter" idx="12"/>
+          </p:nvPr>
+        </p:nvSpPr>
+        <p:spPr/>
+        <p:txBody>
+          <a:bodyPr/>
+          <a:lstStyle/>
+          <a:p>
+            <a:fld id="{397309FE-0FDE-45D2-A856-D799735D9B3D}" type="slidenum">
+              <a:rPr lang="zh-CN" altLang="en-US" smtClean="0"/>
+              <a:t>‹#›</a:t>
+            </a:fld>
+            <a:endParaRPr lang="zh-CN" altLang="en-US"/>
+          </a:p>
+        </p:txBody>
+      </p:sp>
+    </p:spTree>
+    <p:extLst>
+      <p:ext uri="{BB962C8B-B14F-4D97-AF65-F5344CB8AC3E}">
+        <p14:creationId xmlns:p14="http://schemas.microsoft.com/office/powerpoint/2010/main" val="1581680906"/>
+      </p:ext>
+    </p:extLst>
+  </p:cSld>
+  <p:clrMapOvr>
+    <a:masterClrMapping/>
+  </p:clrMapOvr>
+</p:sldLayout>
+</file>
+
+<file path=ppt/slideLayouts/slideLayout11.xml><?xml version="1.0" encoding="utf-8"?>
 <p:sldLayout xmlns:a="http://schemas.openxmlformats.org/drawingml/2006/main" xmlns:r="http://schemas.openxmlformats.org/officeDocument/2006/relationships" xmlns:p="http://schemas.openxmlformats.org/presentationml/2006/main" type="vertTx" preserve="1">
   <p:cSld name="标题和竖排文字">
     <p:spTree>
@@ -346,20 +653,325 @@
           <a:chExt cx="0" cy="0"/>
         </a:xfrm>
       </p:grpSpPr>
-      <p:sp>
-        <p:nvSpPr>
-          <p:cNvPr id="2" name="标题 1">
+      <p:grpSp>
+        <p:nvGrpSpPr>
+          <p:cNvPr id="7" name="组合 6">
             <a:extLst>
               <a:ext uri="{FF2B5EF4-FFF2-40B4-BE49-F238E27FC236}">
-                <a16:creationId xmlns:a16="http://schemas.microsoft.com/office/drawing/2014/main" id="{7AD36FA7-8427-4573-A7E3-3EA00E674F31}"/>
+                <a16:creationId xmlns:a16="http://schemas.microsoft.com/office/drawing/2014/main" id="{F4ED3AB4-93C4-4985-9727-B5715F6DCF1B}"/>
               </a:ext>
             </a:extLst>
           </p:cNvPr>
+          <p:cNvGrpSpPr/>
+          <p:nvPr/>
+        </p:nvGrpSpPr>
+        <p:grpSpPr>
+          <a:xfrm>
+            <a:off x="0" y="-24"/>
+            <a:ext cx="12192000" cy="863601"/>
+            <a:chOff x="0" y="-26988"/>
+            <a:chExt cx="9144000" cy="863601"/>
+          </a:xfrm>
+        </p:grpSpPr>
+        <p:sp>
+          <p:nvSpPr>
+            <p:cNvPr id="8" name="标题 3">
+              <a:extLst>
+                <a:ext uri="{FF2B5EF4-FFF2-40B4-BE49-F238E27FC236}">
+                  <a16:creationId xmlns:a16="http://schemas.microsoft.com/office/drawing/2014/main" id="{E5772554-358F-47C0-96CC-C9A515D842CA}"/>
+                </a:ext>
+              </a:extLst>
+            </p:cNvPr>
+            <p:cNvSpPr txBox="1">
+              <a:spLocks/>
+            </p:cNvSpPr>
+            <p:nvPr/>
+          </p:nvSpPr>
+          <p:spPr>
+            <a:xfrm>
+              <a:off x="0" y="-26988"/>
+              <a:ext cx="9144000" cy="863601"/>
+            </a:xfrm>
+            <a:prstGeom prst="rect">
+              <a:avLst/>
+            </a:prstGeom>
+            <a:solidFill>
+              <a:srgbClr val="02409A"/>
+            </a:solidFill>
+            <a:ln>
+              <a:noFill/>
+            </a:ln>
+            <a:effectLst/>
+          </p:spPr>
+          <p:txBody>
+            <a:bodyPr tIns="0" bIns="0" anchor="ctr"/>
+            <a:lstStyle/>
+            <a:p>
+              <a:pPr algn="ctr">
+                <a:spcBef>
+                  <a:spcPct val="0"/>
+                </a:spcBef>
+                <a:defRPr/>
+              </a:pPr>
+              <a:endParaRPr lang="zh-CN" altLang="en-US" sz="4800" b="1" dirty="0">
+                <a:solidFill>
+                  <a:prstClr val="white"/>
+                </a:solidFill>
+                <a:latin typeface="微软雅黑" pitchFamily="34" charset="-122"/>
+                <a:ea typeface="微软雅黑" pitchFamily="34" charset="-122"/>
+              </a:endParaRPr>
+            </a:p>
+          </p:txBody>
+        </p:sp>
+        <p:cxnSp>
+          <p:nvCxnSpPr>
+            <p:cNvPr id="9" name="直接连接符 19">
+              <a:extLst>
+                <a:ext uri="{FF2B5EF4-FFF2-40B4-BE49-F238E27FC236}">
+                  <a16:creationId xmlns:a16="http://schemas.microsoft.com/office/drawing/2014/main" id="{952489E2-6397-44CE-8691-C678D691008E}"/>
+                </a:ext>
+              </a:extLst>
+            </p:cNvPr>
+            <p:cNvCxnSpPr>
+              <a:cxnSpLocks/>
+            </p:cNvCxnSpPr>
+            <p:nvPr/>
+          </p:nvCxnSpPr>
+          <p:spPr bwMode="auto">
+            <a:xfrm flipH="1">
+              <a:off x="449263" y="-25400"/>
+              <a:ext cx="1587" cy="841375"/>
+            </a:xfrm>
+            <a:prstGeom prst="line">
+              <a:avLst/>
+            </a:prstGeom>
+            <a:noFill/>
+            <a:ln w="28575" algn="ctr">
+              <a:solidFill>
+                <a:schemeClr val="bg1"/>
+              </a:solidFill>
+              <a:round/>
+              <a:headEnd/>
+              <a:tailEnd/>
+            </a:ln>
+            <a:effectLst/>
+            <a:extLst>
+              <a:ext uri="{909E8E84-426E-40DD-AFC4-6F175D3DCCD1}">
+                <a14:hiddenFill xmlns:a14="http://schemas.microsoft.com/office/drawing/2010/main">
+                  <a:noFill/>
+                </a14:hiddenFill>
+              </a:ext>
+            </a:extLst>
+          </p:spPr>
+        </p:cxnSp>
+        <p:cxnSp>
+          <p:nvCxnSpPr>
+            <p:cNvPr id="10" name="直接连接符 20">
+              <a:extLst>
+                <a:ext uri="{FF2B5EF4-FFF2-40B4-BE49-F238E27FC236}">
+                  <a16:creationId xmlns:a16="http://schemas.microsoft.com/office/drawing/2014/main" id="{448BAFAA-2692-4D2E-8630-5C30F4E8521F}"/>
+                </a:ext>
+              </a:extLst>
+            </p:cNvPr>
+            <p:cNvCxnSpPr>
+              <a:cxnSpLocks/>
+            </p:cNvCxnSpPr>
+            <p:nvPr/>
+          </p:nvCxnSpPr>
+          <p:spPr bwMode="auto">
+            <a:xfrm flipH="1">
+              <a:off x="511175" y="-26988"/>
+              <a:ext cx="1588" cy="554038"/>
+            </a:xfrm>
+            <a:prstGeom prst="line">
+              <a:avLst/>
+            </a:prstGeom>
+            <a:noFill/>
+            <a:ln w="28575" algn="ctr">
+              <a:solidFill>
+                <a:schemeClr val="bg1"/>
+              </a:solidFill>
+              <a:round/>
+              <a:headEnd/>
+              <a:tailEnd/>
+            </a:ln>
+            <a:effectLst/>
+            <a:extLst>
+              <a:ext uri="{909E8E84-426E-40DD-AFC4-6F175D3DCCD1}">
+                <a14:hiddenFill xmlns:a14="http://schemas.microsoft.com/office/drawing/2010/main">
+                  <a:noFill/>
+                </a14:hiddenFill>
+              </a:ext>
+            </a:extLst>
+          </p:spPr>
+        </p:cxnSp>
+        <p:cxnSp>
+          <p:nvCxnSpPr>
+            <p:cNvPr id="11" name="直接连接符 30">
+              <a:extLst>
+                <a:ext uri="{FF2B5EF4-FFF2-40B4-BE49-F238E27FC236}">
+                  <a16:creationId xmlns:a16="http://schemas.microsoft.com/office/drawing/2014/main" id="{25D89B58-495A-43A7-92C0-BF27541BD2AB}"/>
+                </a:ext>
+              </a:extLst>
+            </p:cNvPr>
+            <p:cNvCxnSpPr>
+              <a:cxnSpLocks/>
+            </p:cNvCxnSpPr>
+            <p:nvPr/>
+          </p:nvCxnSpPr>
+          <p:spPr bwMode="auto">
+            <a:xfrm>
+              <a:off x="576263" y="-26988"/>
+              <a:ext cx="0" cy="298451"/>
+            </a:xfrm>
+            <a:prstGeom prst="line">
+              <a:avLst/>
+            </a:prstGeom>
+            <a:noFill/>
+            <a:ln w="28575" algn="ctr">
+              <a:solidFill>
+                <a:schemeClr val="bg1"/>
+              </a:solidFill>
+              <a:round/>
+              <a:headEnd/>
+              <a:tailEnd/>
+            </a:ln>
+            <a:effectLst/>
+            <a:extLst>
+              <a:ext uri="{909E8E84-426E-40DD-AFC4-6F175D3DCCD1}">
+                <a14:hiddenFill xmlns:a14="http://schemas.microsoft.com/office/drawing/2010/main">
+                  <a:noFill/>
+                </a14:hiddenFill>
+              </a:ext>
+            </a:extLst>
+          </p:spPr>
+        </p:cxnSp>
+      </p:grpSp>
+      <p:sp>
+        <p:nvSpPr>
+          <p:cNvPr id="2" name="标题 1"/>
           <p:cNvSpPr>
             <a:spLocks noGrp="1"/>
           </p:cNvSpPr>
           <p:nvPr>
             <p:ph type="title"/>
+          </p:nvPr>
+        </p:nvSpPr>
+        <p:spPr>
+          <a:xfrm>
+            <a:off x="829733" y="169838"/>
+            <a:ext cx="11118683" cy="554038"/>
+          </a:xfrm>
+          <a:prstGeom prst="rect">
+            <a:avLst/>
+          </a:prstGeom>
+        </p:spPr>
+        <p:txBody>
+          <a:bodyPr vert="horz" lIns="91440" tIns="45720" rIns="91440" bIns="45720" rtlCol="0" anchor="ctr">
+            <a:normAutofit/>
+          </a:bodyPr>
+          <a:lstStyle>
+            <a:lvl1pPr>
+              <a:defRPr lang="zh-CN" altLang="en-US" sz="3000" b="1" dirty="0">
+                <a:solidFill>
+                  <a:prstClr val="white"/>
+                </a:solidFill>
+                <a:latin typeface="微软雅黑" panose="020B0503020204020204" pitchFamily="34" charset="-122"/>
+                <a:ea typeface="微软雅黑" panose="020B0503020204020204" pitchFamily="34" charset="-122"/>
+                <a:cs typeface="Arial" pitchFamily="34" charset="0"/>
+              </a:defRPr>
+            </a:lvl1pPr>
+          </a:lstStyle>
+          <a:p>
+            <a:pPr marL="0" lvl="0" algn="l" fontAlgn="base">
+              <a:spcAft>
+                <a:spcPct val="0"/>
+              </a:spcAft>
+            </a:pPr>
+            <a:r>
+              <a:rPr lang="zh-CN" altLang="en-US"/>
+              <a:t>单击此处编辑母版标题样式</a:t>
+            </a:r>
+            <a:endParaRPr lang="zh-CN" altLang="en-US" dirty="0"/>
+          </a:p>
+        </p:txBody>
+      </p:sp>
+      <p:sp>
+        <p:nvSpPr>
+          <p:cNvPr id="3" name="竖排文字占位符 2"/>
+          <p:cNvSpPr>
+            <a:spLocks noGrp="1"/>
+          </p:cNvSpPr>
+          <p:nvPr>
+            <p:ph type="body" orient="vert" idx="1"/>
+          </p:nvPr>
+        </p:nvSpPr>
+        <p:spPr>
+          <a:xfrm>
+            <a:off x="609600" y="1033440"/>
+            <a:ext cx="10972800" cy="5092724"/>
+          </a:xfrm>
+        </p:spPr>
+        <p:txBody>
+          <a:bodyPr vert="eaVert"/>
+          <a:lstStyle>
+            <a:lvl1pPr marL="342900" indent="-342900">
+              <a:buFont typeface="Wingdings" panose="05000000000000000000" pitchFamily="2" charset="2"/>
+              <a:buChar char="Ø"/>
+              <a:defRPr/>
+            </a:lvl1pPr>
+            <a:lvl2pPr marL="742950" indent="-285750">
+              <a:buFont typeface="Wingdings" panose="05000000000000000000" pitchFamily="2" charset="2"/>
+              <a:buChar char="n"/>
+              <a:defRPr/>
+            </a:lvl2pPr>
+          </a:lstStyle>
+          <a:p>
+            <a:pPr lvl="0"/>
+            <a:r>
+              <a:rPr lang="zh-CN" altLang="en-US"/>
+              <a:t>单击此处编辑母版文本样式</a:t>
+            </a:r>
+          </a:p>
+          <a:p>
+            <a:pPr lvl="1"/>
+            <a:r>
+              <a:rPr lang="zh-CN" altLang="en-US"/>
+              <a:t>二级</a:t>
+            </a:r>
+          </a:p>
+          <a:p>
+            <a:pPr lvl="2"/>
+            <a:r>
+              <a:rPr lang="zh-CN" altLang="en-US"/>
+              <a:t>三级</a:t>
+            </a:r>
+          </a:p>
+          <a:p>
+            <a:pPr lvl="3"/>
+            <a:r>
+              <a:rPr lang="zh-CN" altLang="en-US"/>
+              <a:t>四级</a:t>
+            </a:r>
+          </a:p>
+          <a:p>
+            <a:pPr lvl="4"/>
+            <a:r>
+              <a:rPr lang="zh-CN" altLang="en-US"/>
+              <a:t>五级</a:t>
+            </a:r>
+            <a:endParaRPr lang="zh-CN" altLang="en-US" dirty="0"/>
+          </a:p>
+        </p:txBody>
+      </p:sp>
+      <p:sp>
+        <p:nvSpPr>
+          <p:cNvPr id="4" name="日期占位符 3"/>
+          <p:cNvSpPr>
+            <a:spLocks noGrp="1"/>
+          </p:cNvSpPr>
+          <p:nvPr>
+            <p:ph type="dt" sz="half" idx="10"/>
           </p:nvPr>
         </p:nvSpPr>
         <p:spPr/>
@@ -367,84 +979,22 @@
           <a:bodyPr/>
           <a:lstStyle/>
           <a:p>
-            <a:r>
-              <a:rPr lang="zh-CN" altLang="en-US"/>
-              <a:t>单击此处编辑母版标题样式</a:t>
-            </a:r>
-          </a:p>
-        </p:txBody>
-      </p:sp>
-      <p:sp>
-        <p:nvSpPr>
-          <p:cNvPr id="3" name="竖排文字占位符 2">
-            <a:extLst>
-              <a:ext uri="{FF2B5EF4-FFF2-40B4-BE49-F238E27FC236}">
-                <a16:creationId xmlns:a16="http://schemas.microsoft.com/office/drawing/2014/main" id="{9082FBD4-48BF-49AE-9808-482BE217BBF5}"/>
-              </a:ext>
-            </a:extLst>
-          </p:cNvPr>
-          <p:cNvSpPr>
-            <a:spLocks noGrp="1"/>
-          </p:cNvSpPr>
-          <p:nvPr>
-            <p:ph type="body" orient="vert" idx="1"/>
-          </p:nvPr>
-        </p:nvSpPr>
-        <p:spPr/>
-        <p:txBody>
-          <a:bodyPr vert="eaVert"/>
-          <a:lstStyle/>
-          <a:p>
-            <a:pPr lvl="0"/>
-            <a:r>
-              <a:rPr lang="zh-CN" altLang="en-US"/>
-              <a:t>单击此处编辑母版文本样式</a:t>
-            </a:r>
-          </a:p>
-          <a:p>
-            <a:pPr lvl="1"/>
-            <a:r>
-              <a:rPr lang="zh-CN" altLang="en-US"/>
-              <a:t>二级</a:t>
-            </a:r>
-          </a:p>
-          <a:p>
-            <a:pPr lvl="2"/>
-            <a:r>
-              <a:rPr lang="zh-CN" altLang="en-US"/>
-              <a:t>三级</a:t>
-            </a:r>
-          </a:p>
-          <a:p>
-            <a:pPr lvl="3"/>
-            <a:r>
-              <a:rPr lang="zh-CN" altLang="en-US"/>
-              <a:t>四级</a:t>
-            </a:r>
-          </a:p>
-          <a:p>
-            <a:pPr lvl="4"/>
-            <a:r>
-              <a:rPr lang="zh-CN" altLang="en-US"/>
-              <a:t>五级</a:t>
-            </a:r>
-          </a:p>
-        </p:txBody>
-      </p:sp>
-      <p:sp>
-        <p:nvSpPr>
-          <p:cNvPr id="4" name="日期占位符 3">
-            <a:extLst>
-              <a:ext uri="{FF2B5EF4-FFF2-40B4-BE49-F238E27FC236}">
-                <a16:creationId xmlns:a16="http://schemas.microsoft.com/office/drawing/2014/main" id="{21A045F6-FB32-49CE-A331-6F17842C6646}"/>
-              </a:ext>
-            </a:extLst>
-          </p:cNvPr>
-          <p:cNvSpPr>
-            <a:spLocks noGrp="1"/>
-          </p:cNvSpPr>
-          <p:nvPr>
-            <p:ph type="dt" sz="half" idx="10"/>
+            <a:fld id="{631EAFFE-823F-4DDC-BE73-DF0D66C78ADF}" type="datetimeFigureOut">
+              <a:rPr lang="zh-CN" altLang="en-US" smtClean="0"/>
+              <a:t>2020/7/11</a:t>
+            </a:fld>
+            <a:endParaRPr lang="zh-CN" altLang="en-US"/>
+          </a:p>
+        </p:txBody>
+      </p:sp>
+      <p:sp>
+        <p:nvSpPr>
+          <p:cNvPr id="5" name="页脚占位符 4"/>
+          <p:cNvSpPr>
+            <a:spLocks noGrp="1"/>
+          </p:cNvSpPr>
+          <p:nvPr>
+            <p:ph type="ftr" sz="quarter" idx="11"/>
           </p:nvPr>
         </p:nvSpPr>
         <p:spPr/>
@@ -452,48 +1002,13 @@
           <a:bodyPr/>
           <a:lstStyle/>
           <a:p>
-            <a:fld id="{631EAFFE-823F-4DDC-BE73-DF0D66C78ADF}" type="datetimeFigureOut">
-              <a:rPr lang="zh-CN" altLang="en-US" smtClean="0"/>
-              <a:t>2020/6/20</a:t>
-            </a:fld>
             <a:endParaRPr lang="zh-CN" altLang="en-US"/>
           </a:p>
         </p:txBody>
       </p:sp>
       <p:sp>
         <p:nvSpPr>
-          <p:cNvPr id="5" name="页脚占位符 4">
-            <a:extLst>
-              <a:ext uri="{FF2B5EF4-FFF2-40B4-BE49-F238E27FC236}">
-                <a16:creationId xmlns:a16="http://schemas.microsoft.com/office/drawing/2014/main" id="{6CD0EAC2-7ADF-4C4A-A46F-95891144775B}"/>
-              </a:ext>
-            </a:extLst>
-          </p:cNvPr>
-          <p:cNvSpPr>
-            <a:spLocks noGrp="1"/>
-          </p:cNvSpPr>
-          <p:nvPr>
-            <p:ph type="ftr" sz="quarter" idx="11"/>
-          </p:nvPr>
-        </p:nvSpPr>
-        <p:spPr/>
-        <p:txBody>
-          <a:bodyPr/>
-          <a:lstStyle/>
-          <a:p>
-            <a:endParaRPr lang="zh-CN" altLang="en-US"/>
-          </a:p>
-        </p:txBody>
-      </p:sp>
-      <p:sp>
-        <p:nvSpPr>
-          <p:cNvPr id="6" name="灯片编号占位符 5">
-            <a:extLst>
-              <a:ext uri="{FF2B5EF4-FFF2-40B4-BE49-F238E27FC236}">
-                <a16:creationId xmlns:a16="http://schemas.microsoft.com/office/drawing/2014/main" id="{C8F95DEE-6636-474A-A282-B5C9412C53FD}"/>
-              </a:ext>
-            </a:extLst>
-          </p:cNvPr>
+          <p:cNvPr id="6" name="灯片编号占位符 5"/>
           <p:cNvSpPr>
             <a:spLocks noGrp="1"/>
           </p:cNvSpPr>
@@ -517,7 +1032,7 @@
     </p:spTree>
     <p:extLst>
       <p:ext uri="{BB962C8B-B14F-4D97-AF65-F5344CB8AC3E}">
-        <p14:creationId xmlns:p14="http://schemas.microsoft.com/office/powerpoint/2010/main" val="2171415394"/>
+        <p14:creationId xmlns:p14="http://schemas.microsoft.com/office/powerpoint/2010/main" val="2665744134"/>
       </p:ext>
     </p:extLst>
   </p:cSld>
@@ -527,9 +1042,9 @@
 </p:sldLayout>
 </file>
 
-<file path=ppt/slideLayouts/slideLayout11.xml><?xml version="1.0" encoding="utf-8"?>
+<file path=ppt/slideLayouts/slideLayout12.xml><?xml version="1.0" encoding="utf-8"?>
 <p:sldLayout xmlns:a="http://schemas.openxmlformats.org/drawingml/2006/main" xmlns:r="http://schemas.openxmlformats.org/officeDocument/2006/relationships" xmlns:p="http://schemas.openxmlformats.org/presentationml/2006/main" type="vertTitleAndTx" preserve="1">
-  <p:cSld name="竖排标题与文本">
+  <p:cSld name="垂直排列标题与文本">
     <p:spTree>
       <p:nvGrpSpPr>
         <p:cNvPr id="1" name=""/>
@@ -544,15 +1059,203 @@
           <a:chExt cx="0" cy="0"/>
         </a:xfrm>
       </p:grpSpPr>
-      <p:sp>
-        <p:nvSpPr>
-          <p:cNvPr id="2" name="竖排标题 1">
+      <p:grpSp>
+        <p:nvGrpSpPr>
+          <p:cNvPr id="12" name="组合 11">
             <a:extLst>
               <a:ext uri="{FF2B5EF4-FFF2-40B4-BE49-F238E27FC236}">
-                <a16:creationId xmlns:a16="http://schemas.microsoft.com/office/drawing/2014/main" id="{20862FCB-4D48-4D9C-9142-6B4670A6240D}"/>
+                <a16:creationId xmlns:a16="http://schemas.microsoft.com/office/drawing/2014/main" id="{1DFD6234-749D-4F0C-9C2C-F3E5A01C882A}"/>
               </a:ext>
             </a:extLst>
           </p:cNvPr>
+          <p:cNvGrpSpPr/>
+          <p:nvPr/>
+        </p:nvGrpSpPr>
+        <p:grpSpPr>
+          <a:xfrm rot="5400000">
+            <a:off x="8187268" y="2853269"/>
+            <a:ext cx="6858001" cy="1151468"/>
+            <a:chOff x="1" y="-26988"/>
+            <a:chExt cx="6858001" cy="863601"/>
+          </a:xfrm>
+        </p:grpSpPr>
+        <p:sp>
+          <p:nvSpPr>
+            <p:cNvPr id="13" name="标题 3">
+              <a:extLst>
+                <a:ext uri="{FF2B5EF4-FFF2-40B4-BE49-F238E27FC236}">
+                  <a16:creationId xmlns:a16="http://schemas.microsoft.com/office/drawing/2014/main" id="{574037EC-6187-49F8-9EE1-3DD7CCA0BB04}"/>
+                </a:ext>
+              </a:extLst>
+            </p:cNvPr>
+            <p:cNvSpPr txBox="1">
+              <a:spLocks/>
+            </p:cNvSpPr>
+            <p:nvPr/>
+          </p:nvSpPr>
+          <p:spPr>
+            <a:xfrm>
+              <a:off x="1" y="-26988"/>
+              <a:ext cx="6858001" cy="863601"/>
+            </a:xfrm>
+            <a:prstGeom prst="rect">
+              <a:avLst/>
+            </a:prstGeom>
+            <a:solidFill>
+              <a:srgbClr val="02409A"/>
+            </a:solidFill>
+            <a:ln>
+              <a:noFill/>
+            </a:ln>
+            <a:effectLst/>
+          </p:spPr>
+          <p:txBody>
+            <a:bodyPr tIns="0" bIns="0" anchor="ctr"/>
+            <a:lstStyle/>
+            <a:p>
+              <a:pPr algn="ctr">
+                <a:spcBef>
+                  <a:spcPct val="0"/>
+                </a:spcBef>
+                <a:defRPr/>
+              </a:pPr>
+              <a:endParaRPr lang="zh-CN" altLang="en-US" sz="4800" b="1" dirty="0">
+                <a:solidFill>
+                  <a:prstClr val="white"/>
+                </a:solidFill>
+                <a:latin typeface="微软雅黑" pitchFamily="34" charset="-122"/>
+                <a:ea typeface="微软雅黑" pitchFamily="34" charset="-122"/>
+              </a:endParaRPr>
+            </a:p>
+          </p:txBody>
+        </p:sp>
+        <p:cxnSp>
+          <p:nvCxnSpPr>
+            <p:cNvPr id="14" name="直接连接符 19">
+              <a:extLst>
+                <a:ext uri="{FF2B5EF4-FFF2-40B4-BE49-F238E27FC236}">
+                  <a16:creationId xmlns:a16="http://schemas.microsoft.com/office/drawing/2014/main" id="{9017F2ED-EF73-4A0D-B8D3-D9B77AA1798B}"/>
+                </a:ext>
+              </a:extLst>
+            </p:cNvPr>
+            <p:cNvCxnSpPr>
+              <a:cxnSpLocks/>
+            </p:cNvCxnSpPr>
+            <p:nvPr/>
+          </p:nvCxnSpPr>
+          <p:spPr bwMode="auto">
+            <a:xfrm flipH="1">
+              <a:off x="449263" y="-25400"/>
+              <a:ext cx="1587" cy="841375"/>
+            </a:xfrm>
+            <a:prstGeom prst="line">
+              <a:avLst/>
+            </a:prstGeom>
+            <a:noFill/>
+            <a:ln w="28575" algn="ctr">
+              <a:solidFill>
+                <a:schemeClr val="bg1"/>
+              </a:solidFill>
+              <a:round/>
+              <a:headEnd/>
+              <a:tailEnd/>
+            </a:ln>
+            <a:effectLst/>
+            <a:extLst>
+              <a:ext uri="{909E8E84-426E-40DD-AFC4-6F175D3DCCD1}">
+                <a14:hiddenFill xmlns:a14="http://schemas.microsoft.com/office/drawing/2010/main">
+                  <a:noFill/>
+                </a14:hiddenFill>
+              </a:ext>
+            </a:extLst>
+          </p:spPr>
+        </p:cxnSp>
+        <p:cxnSp>
+          <p:nvCxnSpPr>
+            <p:cNvPr id="15" name="直接连接符 20">
+              <a:extLst>
+                <a:ext uri="{FF2B5EF4-FFF2-40B4-BE49-F238E27FC236}">
+                  <a16:creationId xmlns:a16="http://schemas.microsoft.com/office/drawing/2014/main" id="{45E0181A-AEEC-41B7-980F-4C1E8F2CEA01}"/>
+                </a:ext>
+              </a:extLst>
+            </p:cNvPr>
+            <p:cNvCxnSpPr>
+              <a:cxnSpLocks/>
+            </p:cNvCxnSpPr>
+            <p:nvPr/>
+          </p:nvCxnSpPr>
+          <p:spPr bwMode="auto">
+            <a:xfrm flipH="1">
+              <a:off x="511175" y="-26988"/>
+              <a:ext cx="1588" cy="554038"/>
+            </a:xfrm>
+            <a:prstGeom prst="line">
+              <a:avLst/>
+            </a:prstGeom>
+            <a:noFill/>
+            <a:ln w="28575" algn="ctr">
+              <a:solidFill>
+                <a:schemeClr val="bg1"/>
+              </a:solidFill>
+              <a:round/>
+              <a:headEnd/>
+              <a:tailEnd/>
+            </a:ln>
+            <a:effectLst/>
+            <a:extLst>
+              <a:ext uri="{909E8E84-426E-40DD-AFC4-6F175D3DCCD1}">
+                <a14:hiddenFill xmlns:a14="http://schemas.microsoft.com/office/drawing/2010/main">
+                  <a:noFill/>
+                </a14:hiddenFill>
+              </a:ext>
+            </a:extLst>
+          </p:spPr>
+        </p:cxnSp>
+        <p:cxnSp>
+          <p:nvCxnSpPr>
+            <p:cNvPr id="16" name="直接连接符 30">
+              <a:extLst>
+                <a:ext uri="{FF2B5EF4-FFF2-40B4-BE49-F238E27FC236}">
+                  <a16:creationId xmlns:a16="http://schemas.microsoft.com/office/drawing/2014/main" id="{385AB42A-FEB5-4E5C-A393-4C51D819CE7E}"/>
+                </a:ext>
+              </a:extLst>
+            </p:cNvPr>
+            <p:cNvCxnSpPr>
+              <a:cxnSpLocks/>
+            </p:cNvCxnSpPr>
+            <p:nvPr/>
+          </p:nvCxnSpPr>
+          <p:spPr bwMode="auto">
+            <a:xfrm>
+              <a:off x="576263" y="-26988"/>
+              <a:ext cx="0" cy="298451"/>
+            </a:xfrm>
+            <a:prstGeom prst="line">
+              <a:avLst/>
+            </a:prstGeom>
+            <a:noFill/>
+            <a:ln w="28575" algn="ctr">
+              <a:solidFill>
+                <a:schemeClr val="bg1"/>
+              </a:solidFill>
+              <a:round/>
+              <a:headEnd/>
+              <a:tailEnd/>
+            </a:ln>
+            <a:effectLst/>
+            <a:extLst>
+              <a:ext uri="{909E8E84-426E-40DD-AFC4-6F175D3DCCD1}">
+                <a14:hiddenFill xmlns:a14="http://schemas.microsoft.com/office/drawing/2010/main">
+                  <a:noFill/>
+                </a14:hiddenFill>
+              </a:ext>
+            </a:extLst>
+          </p:spPr>
+        </p:cxnSp>
+      </p:grpSp>
+      <p:sp>
+        <p:nvSpPr>
+          <p:cNvPr id="2" name="竖排标题 1"/>
           <p:cNvSpPr>
             <a:spLocks noGrp="1"/>
           </p:cNvSpPr>
@@ -562,46 +1265,73 @@
         </p:nvSpPr>
         <p:spPr>
           <a:xfrm>
-            <a:off x="8724900" y="365125"/>
-            <a:ext cx="2628900" cy="5811838"/>
+            <a:off x="11226803" y="622301"/>
+            <a:ext cx="738717" cy="5499098"/>
+          </a:xfrm>
+          <a:prstGeom prst="rect">
+            <a:avLst/>
+          </a:prstGeom>
+        </p:spPr>
+        <p:txBody>
+          <a:bodyPr vert="horz" lIns="91440" tIns="45720" rIns="91440" bIns="45720" rtlCol="0" anchor="ctr">
+            <a:normAutofit/>
+          </a:bodyPr>
+          <a:lstStyle>
+            <a:lvl1pPr>
+              <a:defRPr lang="zh-CN" altLang="en-US" sz="3000" b="1">
+                <a:solidFill>
+                  <a:prstClr val="white"/>
+                </a:solidFill>
+                <a:latin typeface="微软雅黑" panose="020B0503020204020204" pitchFamily="34" charset="-122"/>
+                <a:ea typeface="微软雅黑" panose="020B0503020204020204" pitchFamily="34" charset="-122"/>
+                <a:cs typeface="Arial" pitchFamily="34" charset="0"/>
+              </a:defRPr>
+            </a:lvl1pPr>
+          </a:lstStyle>
+          <a:p>
+            <a:pPr marL="0" lvl="0" algn="l" fontAlgn="base">
+              <a:spcAft>
+                <a:spcPct val="0"/>
+              </a:spcAft>
+            </a:pPr>
+            <a:r>
+              <a:rPr lang="zh-CN" altLang="en-US"/>
+              <a:t>单击此处编辑母版标题样式</a:t>
+            </a:r>
+            <a:endParaRPr lang="zh-CN" altLang="en-US" dirty="0"/>
+          </a:p>
+        </p:txBody>
+      </p:sp>
+      <p:sp>
+        <p:nvSpPr>
+          <p:cNvPr id="3" name="竖排文字占位符 2"/>
+          <p:cNvSpPr>
+            <a:spLocks noGrp="1"/>
+          </p:cNvSpPr>
+          <p:nvPr>
+            <p:ph type="body" orient="vert" idx="1"/>
+          </p:nvPr>
+        </p:nvSpPr>
+        <p:spPr>
+          <a:xfrm>
+            <a:off x="609599" y="274639"/>
+            <a:ext cx="10231971" cy="5851525"/>
           </a:xfrm>
         </p:spPr>
         <p:txBody>
           <a:bodyPr vert="eaVert"/>
-          <a:lstStyle/>
-          <a:p>
-            <a:r>
-              <a:rPr lang="zh-CN" altLang="en-US"/>
-              <a:t>单击此处编辑母版标题样式</a:t>
-            </a:r>
-          </a:p>
-        </p:txBody>
-      </p:sp>
-      <p:sp>
-        <p:nvSpPr>
-          <p:cNvPr id="3" name="竖排文字占位符 2">
-            <a:extLst>
-              <a:ext uri="{FF2B5EF4-FFF2-40B4-BE49-F238E27FC236}">
-                <a16:creationId xmlns:a16="http://schemas.microsoft.com/office/drawing/2014/main" id="{B4EE4A24-0873-49C0-94EA-E4DC5CCE2A07}"/>
-              </a:ext>
-            </a:extLst>
-          </p:cNvPr>
-          <p:cNvSpPr>
-            <a:spLocks noGrp="1"/>
-          </p:cNvSpPr>
-          <p:nvPr>
-            <p:ph type="body" orient="vert" idx="1"/>
-          </p:nvPr>
-        </p:nvSpPr>
-        <p:spPr>
-          <a:xfrm>
-            <a:off x="838200" y="365125"/>
-            <a:ext cx="7734300" cy="5811838"/>
-          </a:xfrm>
-        </p:spPr>
-        <p:txBody>
-          <a:bodyPr vert="eaVert"/>
-          <a:lstStyle/>
+          <a:lstStyle>
+            <a:lvl1pPr marL="342900" indent="-342900">
+              <a:buFont typeface="Wingdings" panose="05000000000000000000" pitchFamily="2" charset="2"/>
+              <a:buChar char="Ø"/>
+              <a:defRPr/>
+            </a:lvl1pPr>
+            <a:lvl2pPr marL="742950" indent="-285750">
+              <a:buFont typeface="Wingdings" panose="05000000000000000000" pitchFamily="2" charset="2"/>
+              <a:buChar char="n"/>
+              <a:defRPr/>
+            </a:lvl2pPr>
+          </a:lstStyle>
           <a:p>
             <a:pPr lvl="0"/>
             <a:r>
@@ -636,18 +1366,13 @@
               <a:rPr lang="zh-CN" altLang="en-US"/>
               <a:t>五级</a:t>
             </a:r>
-          </a:p>
-        </p:txBody>
-      </p:sp>
-      <p:sp>
-        <p:nvSpPr>
-          <p:cNvPr id="4" name="日期占位符 3">
-            <a:extLst>
-              <a:ext uri="{FF2B5EF4-FFF2-40B4-BE49-F238E27FC236}">
-                <a16:creationId xmlns:a16="http://schemas.microsoft.com/office/drawing/2014/main" id="{95E6DA31-96F0-4406-B879-F8F18A6D2D1C}"/>
-              </a:ext>
-            </a:extLst>
-          </p:cNvPr>
+            <a:endParaRPr lang="zh-CN" altLang="en-US" dirty="0"/>
+          </a:p>
+        </p:txBody>
+      </p:sp>
+      <p:sp>
+        <p:nvSpPr>
+          <p:cNvPr id="4" name="日期占位符 3"/>
           <p:cNvSpPr>
             <a:spLocks noGrp="1"/>
           </p:cNvSpPr>
@@ -662,7 +1387,7 @@
           <a:p>
             <a:fld id="{631EAFFE-823F-4DDC-BE73-DF0D66C78ADF}" type="datetimeFigureOut">
               <a:rPr lang="zh-CN" altLang="en-US" smtClean="0"/>
-              <a:t>2020/6/20</a:t>
+              <a:t>2020/7/11</a:t>
             </a:fld>
             <a:endParaRPr lang="zh-CN" altLang="en-US"/>
           </a:p>
@@ -670,13 +1395,7 @@
       </p:sp>
       <p:sp>
         <p:nvSpPr>
-          <p:cNvPr id="5" name="页脚占位符 4">
-            <a:extLst>
-              <a:ext uri="{FF2B5EF4-FFF2-40B4-BE49-F238E27FC236}">
-                <a16:creationId xmlns:a16="http://schemas.microsoft.com/office/drawing/2014/main" id="{13BF2AA4-5729-46BD-A108-852D962FCEC0}"/>
-              </a:ext>
-            </a:extLst>
-          </p:cNvPr>
+          <p:cNvPr id="5" name="页脚占位符 4"/>
           <p:cNvSpPr>
             <a:spLocks noGrp="1"/>
           </p:cNvSpPr>
@@ -695,13 +1414,7 @@
       </p:sp>
       <p:sp>
         <p:nvSpPr>
-          <p:cNvPr id="6" name="灯片编号占位符 5">
-            <a:extLst>
-              <a:ext uri="{FF2B5EF4-FFF2-40B4-BE49-F238E27FC236}">
-                <a16:creationId xmlns:a16="http://schemas.microsoft.com/office/drawing/2014/main" id="{5C41F6B3-AF58-471B-80BF-F56251B08762}"/>
-              </a:ext>
-            </a:extLst>
-          </p:cNvPr>
+          <p:cNvPr id="6" name="灯片编号占位符 5"/>
           <p:cNvSpPr>
             <a:spLocks noGrp="1"/>
           </p:cNvSpPr>
@@ -725,7 +1438,7 @@
     </p:spTree>
     <p:extLst>
       <p:ext uri="{BB962C8B-B14F-4D97-AF65-F5344CB8AC3E}">
-        <p14:creationId xmlns:p14="http://schemas.microsoft.com/office/powerpoint/2010/main" val="3174921990"/>
+        <p14:creationId xmlns:p14="http://schemas.microsoft.com/office/powerpoint/2010/main" val="2713970244"/>
       </p:ext>
     </p:extLst>
   </p:cSld>
@@ -752,20 +1465,326 @@
           <a:chExt cx="0" cy="0"/>
         </a:xfrm>
       </p:grpSpPr>
-      <p:sp>
-        <p:nvSpPr>
-          <p:cNvPr id="2" name="标题 1">
+      <p:grpSp>
+        <p:nvGrpSpPr>
+          <p:cNvPr id="7" name="组合 6">
             <a:extLst>
               <a:ext uri="{FF2B5EF4-FFF2-40B4-BE49-F238E27FC236}">
-                <a16:creationId xmlns:a16="http://schemas.microsoft.com/office/drawing/2014/main" id="{603DA578-CD06-4172-B064-210D313B5275}"/>
+                <a16:creationId xmlns:a16="http://schemas.microsoft.com/office/drawing/2014/main" id="{226DC398-675C-4A24-84B3-5404C11AC76E}"/>
               </a:ext>
             </a:extLst>
           </p:cNvPr>
+          <p:cNvGrpSpPr/>
+          <p:nvPr/>
+        </p:nvGrpSpPr>
+        <p:grpSpPr>
+          <a:xfrm>
+            <a:off x="0" y="-24"/>
+            <a:ext cx="12192000" cy="863601"/>
+            <a:chOff x="0" y="-26988"/>
+            <a:chExt cx="9144000" cy="863601"/>
+          </a:xfrm>
+        </p:grpSpPr>
+        <p:sp>
+          <p:nvSpPr>
+            <p:cNvPr id="8" name="标题 3">
+              <a:extLst>
+                <a:ext uri="{FF2B5EF4-FFF2-40B4-BE49-F238E27FC236}">
+                  <a16:creationId xmlns:a16="http://schemas.microsoft.com/office/drawing/2014/main" id="{1E0D3804-A6F0-4CDE-BDE3-E630549CBA6F}"/>
+                </a:ext>
+              </a:extLst>
+            </p:cNvPr>
+            <p:cNvSpPr txBox="1">
+              <a:spLocks/>
+            </p:cNvSpPr>
+            <p:nvPr/>
+          </p:nvSpPr>
+          <p:spPr>
+            <a:xfrm>
+              <a:off x="0" y="-26988"/>
+              <a:ext cx="9144000" cy="863601"/>
+            </a:xfrm>
+            <a:prstGeom prst="rect">
+              <a:avLst/>
+            </a:prstGeom>
+            <a:solidFill>
+              <a:srgbClr val="02409A"/>
+            </a:solidFill>
+            <a:ln>
+              <a:noFill/>
+            </a:ln>
+            <a:effectLst/>
+          </p:spPr>
+          <p:txBody>
+            <a:bodyPr tIns="0" bIns="0" anchor="ctr"/>
+            <a:lstStyle/>
+            <a:p>
+              <a:pPr algn="ctr">
+                <a:spcBef>
+                  <a:spcPct val="0"/>
+                </a:spcBef>
+                <a:defRPr/>
+              </a:pPr>
+              <a:endParaRPr lang="zh-CN" altLang="en-US" sz="4800" b="1" dirty="0">
+                <a:solidFill>
+                  <a:prstClr val="white"/>
+                </a:solidFill>
+                <a:latin typeface="微软雅黑" pitchFamily="34" charset="-122"/>
+                <a:ea typeface="微软雅黑" pitchFamily="34" charset="-122"/>
+              </a:endParaRPr>
+            </a:p>
+          </p:txBody>
+        </p:sp>
+        <p:cxnSp>
+          <p:nvCxnSpPr>
+            <p:cNvPr id="9" name="直接连接符 19">
+              <a:extLst>
+                <a:ext uri="{FF2B5EF4-FFF2-40B4-BE49-F238E27FC236}">
+                  <a16:creationId xmlns:a16="http://schemas.microsoft.com/office/drawing/2014/main" id="{B446B7E4-78F0-4194-B08A-1AC2C39958AA}"/>
+                </a:ext>
+              </a:extLst>
+            </p:cNvPr>
+            <p:cNvCxnSpPr>
+              <a:cxnSpLocks/>
+            </p:cNvCxnSpPr>
+            <p:nvPr/>
+          </p:nvCxnSpPr>
+          <p:spPr bwMode="auto">
+            <a:xfrm flipH="1">
+              <a:off x="449263" y="-25400"/>
+              <a:ext cx="1587" cy="841375"/>
+            </a:xfrm>
+            <a:prstGeom prst="line">
+              <a:avLst/>
+            </a:prstGeom>
+            <a:noFill/>
+            <a:ln w="28575" algn="ctr">
+              <a:solidFill>
+                <a:schemeClr val="bg1"/>
+              </a:solidFill>
+              <a:round/>
+              <a:headEnd/>
+              <a:tailEnd/>
+            </a:ln>
+            <a:effectLst/>
+            <a:extLst>
+              <a:ext uri="{909E8E84-426E-40DD-AFC4-6F175D3DCCD1}">
+                <a14:hiddenFill xmlns:a14="http://schemas.microsoft.com/office/drawing/2010/main">
+                  <a:noFill/>
+                </a14:hiddenFill>
+              </a:ext>
+            </a:extLst>
+          </p:spPr>
+        </p:cxnSp>
+        <p:cxnSp>
+          <p:nvCxnSpPr>
+            <p:cNvPr id="10" name="直接连接符 20">
+              <a:extLst>
+                <a:ext uri="{FF2B5EF4-FFF2-40B4-BE49-F238E27FC236}">
+                  <a16:creationId xmlns:a16="http://schemas.microsoft.com/office/drawing/2014/main" id="{B7C0A3E6-F1FF-427D-8DB1-E9791B891181}"/>
+                </a:ext>
+              </a:extLst>
+            </p:cNvPr>
+            <p:cNvCxnSpPr>
+              <a:cxnSpLocks/>
+            </p:cNvCxnSpPr>
+            <p:nvPr/>
+          </p:nvCxnSpPr>
+          <p:spPr bwMode="auto">
+            <a:xfrm flipH="1">
+              <a:off x="511175" y="-26988"/>
+              <a:ext cx="1588" cy="554038"/>
+            </a:xfrm>
+            <a:prstGeom prst="line">
+              <a:avLst/>
+            </a:prstGeom>
+            <a:noFill/>
+            <a:ln w="28575" algn="ctr">
+              <a:solidFill>
+                <a:schemeClr val="bg1"/>
+              </a:solidFill>
+              <a:round/>
+              <a:headEnd/>
+              <a:tailEnd/>
+            </a:ln>
+            <a:effectLst/>
+            <a:extLst>
+              <a:ext uri="{909E8E84-426E-40DD-AFC4-6F175D3DCCD1}">
+                <a14:hiddenFill xmlns:a14="http://schemas.microsoft.com/office/drawing/2010/main">
+                  <a:noFill/>
+                </a14:hiddenFill>
+              </a:ext>
+            </a:extLst>
+          </p:spPr>
+        </p:cxnSp>
+        <p:cxnSp>
+          <p:nvCxnSpPr>
+            <p:cNvPr id="11" name="直接连接符 30">
+              <a:extLst>
+                <a:ext uri="{FF2B5EF4-FFF2-40B4-BE49-F238E27FC236}">
+                  <a16:creationId xmlns:a16="http://schemas.microsoft.com/office/drawing/2014/main" id="{440505F1-F975-4EFE-9258-4A1E718E6358}"/>
+                </a:ext>
+              </a:extLst>
+            </p:cNvPr>
+            <p:cNvCxnSpPr>
+              <a:cxnSpLocks/>
+            </p:cNvCxnSpPr>
+            <p:nvPr/>
+          </p:nvCxnSpPr>
+          <p:spPr bwMode="auto">
+            <a:xfrm>
+              <a:off x="576263" y="-26988"/>
+              <a:ext cx="0" cy="298451"/>
+            </a:xfrm>
+            <a:prstGeom prst="line">
+              <a:avLst/>
+            </a:prstGeom>
+            <a:noFill/>
+            <a:ln w="28575" algn="ctr">
+              <a:solidFill>
+                <a:schemeClr val="bg1"/>
+              </a:solidFill>
+              <a:round/>
+              <a:headEnd/>
+              <a:tailEnd/>
+            </a:ln>
+            <a:effectLst/>
+            <a:extLst>
+              <a:ext uri="{909E8E84-426E-40DD-AFC4-6F175D3DCCD1}">
+                <a14:hiddenFill xmlns:a14="http://schemas.microsoft.com/office/drawing/2010/main">
+                  <a:noFill/>
+                </a14:hiddenFill>
+              </a:ext>
+            </a:extLst>
+          </p:spPr>
+        </p:cxnSp>
+      </p:grpSp>
+      <p:sp>
+        <p:nvSpPr>
+          <p:cNvPr id="2" name="标题 1"/>
           <p:cNvSpPr>
             <a:spLocks noGrp="1"/>
           </p:cNvSpPr>
           <p:nvPr>
             <p:ph type="title"/>
+          </p:nvPr>
+        </p:nvSpPr>
+        <p:spPr>
+          <a:xfrm>
+            <a:off x="829733" y="169838"/>
+            <a:ext cx="11120800" cy="553998"/>
+          </a:xfrm>
+          <a:prstGeom prst="rect">
+            <a:avLst/>
+          </a:prstGeom>
+        </p:spPr>
+        <p:txBody>
+          <a:bodyPr>
+            <a:normAutofit/>
+          </a:bodyPr>
+          <a:lstStyle>
+            <a:lvl1pPr marL="0" algn="l" defTabSz="914400" rtl="0" eaLnBrk="1" fontAlgn="base" latinLnBrk="0" hangingPunct="1">
+              <a:spcBef>
+                <a:spcPct val="0"/>
+              </a:spcBef>
+              <a:spcAft>
+                <a:spcPct val="0"/>
+              </a:spcAft>
+              <a:defRPr lang="zh-CN" altLang="en-US" sz="3000" b="1" kern="1200" dirty="0">
+                <a:solidFill>
+                  <a:prstClr val="white"/>
+                </a:solidFill>
+                <a:latin typeface="微软雅黑" panose="020B0503020204020204" pitchFamily="34" charset="-122"/>
+                <a:ea typeface="微软雅黑" panose="020B0503020204020204" pitchFamily="34" charset="-122"/>
+                <a:cs typeface="Arial" pitchFamily="34" charset="0"/>
+              </a:defRPr>
+            </a:lvl1pPr>
+          </a:lstStyle>
+          <a:p>
+            <a:r>
+              <a:rPr lang="zh-CN" altLang="en-US"/>
+              <a:t>单击此处编辑母版标题样式</a:t>
+            </a:r>
+            <a:endParaRPr lang="zh-CN" altLang="en-US" dirty="0"/>
+          </a:p>
+        </p:txBody>
+      </p:sp>
+      <p:sp>
+        <p:nvSpPr>
+          <p:cNvPr id="3" name="内容占位符 2"/>
+          <p:cNvSpPr>
+            <a:spLocks noGrp="1"/>
+          </p:cNvSpPr>
+          <p:nvPr>
+            <p:ph idx="1"/>
+          </p:nvPr>
+        </p:nvSpPr>
+        <p:spPr>
+          <a:xfrm>
+            <a:off x="609600" y="1033440"/>
+            <a:ext cx="10972800" cy="5092724"/>
+          </a:xfrm>
+        </p:spPr>
+        <p:txBody>
+          <a:bodyPr/>
+          <a:lstStyle>
+            <a:lvl1pPr marL="342900" indent="-342900">
+              <a:buFont typeface="Wingdings" panose="05000000000000000000" pitchFamily="2" charset="2"/>
+              <a:buChar char="Ø"/>
+              <a:defRPr/>
+            </a:lvl1pPr>
+            <a:lvl2pPr marL="742950" indent="-285750">
+              <a:buFont typeface="Wingdings" panose="05000000000000000000" pitchFamily="2" charset="2"/>
+              <a:buChar char="n"/>
+              <a:defRPr/>
+            </a:lvl2pPr>
+          </a:lstStyle>
+          <a:p>
+            <a:pPr lvl="0"/>
+            <a:r>
+              <a:rPr lang="zh-CN" altLang="en-US"/>
+              <a:t>单击此处编辑母版文本样式</a:t>
+            </a:r>
+          </a:p>
+          <a:p>
+            <a:pPr lvl="1"/>
+            <a:r>
+              <a:rPr lang="zh-CN" altLang="en-US"/>
+              <a:t>二级</a:t>
+            </a:r>
+          </a:p>
+          <a:p>
+            <a:pPr lvl="2"/>
+            <a:r>
+              <a:rPr lang="zh-CN" altLang="en-US"/>
+              <a:t>三级</a:t>
+            </a:r>
+          </a:p>
+          <a:p>
+            <a:pPr lvl="3"/>
+            <a:r>
+              <a:rPr lang="zh-CN" altLang="en-US"/>
+              <a:t>四级</a:t>
+            </a:r>
+          </a:p>
+          <a:p>
+            <a:pPr lvl="4"/>
+            <a:r>
+              <a:rPr lang="zh-CN" altLang="en-US"/>
+              <a:t>五级</a:t>
+            </a:r>
+            <a:endParaRPr lang="zh-CN" altLang="en-US" dirty="0"/>
+          </a:p>
+        </p:txBody>
+      </p:sp>
+      <p:sp>
+        <p:nvSpPr>
+          <p:cNvPr id="4" name="日期占位符 3"/>
+          <p:cNvSpPr>
+            <a:spLocks noGrp="1"/>
+          </p:cNvSpPr>
+          <p:nvPr>
+            <p:ph type="dt" sz="half" idx="10"/>
           </p:nvPr>
         </p:nvSpPr>
         <p:spPr/>
@@ -773,27 +1792,22 @@
           <a:bodyPr/>
           <a:lstStyle/>
           <a:p>
-            <a:r>
-              <a:rPr lang="zh-CN" altLang="en-US"/>
-              <a:t>单击此处编辑母版标题样式</a:t>
-            </a:r>
-          </a:p>
-        </p:txBody>
-      </p:sp>
-      <p:sp>
-        <p:nvSpPr>
-          <p:cNvPr id="3" name="内容占位符 2">
-            <a:extLst>
-              <a:ext uri="{FF2B5EF4-FFF2-40B4-BE49-F238E27FC236}">
-                <a16:creationId xmlns:a16="http://schemas.microsoft.com/office/drawing/2014/main" id="{C26F30C6-CC16-4B6E-81D2-224CFA419B17}"/>
-              </a:ext>
-            </a:extLst>
-          </p:cNvPr>
-          <p:cNvSpPr>
-            <a:spLocks noGrp="1"/>
-          </p:cNvSpPr>
-          <p:nvPr>
-            <p:ph idx="1"/>
+            <a:fld id="{631EAFFE-823F-4DDC-BE73-DF0D66C78ADF}" type="datetimeFigureOut">
+              <a:rPr lang="zh-CN" altLang="en-US" smtClean="0"/>
+              <a:t>2020/7/11</a:t>
+            </a:fld>
+            <a:endParaRPr lang="zh-CN" altLang="en-US"/>
+          </a:p>
+        </p:txBody>
+      </p:sp>
+      <p:sp>
+        <p:nvSpPr>
+          <p:cNvPr id="5" name="页脚占位符 4"/>
+          <p:cNvSpPr>
+            <a:spLocks noGrp="1"/>
+          </p:cNvSpPr>
+          <p:nvPr>
+            <p:ph type="ftr" sz="quarter" idx="11"/>
           </p:nvPr>
         </p:nvSpPr>
         <p:spPr/>
@@ -801,105 +1815,13 @@
           <a:bodyPr/>
           <a:lstStyle/>
           <a:p>
-            <a:pPr lvl="0"/>
-            <a:r>
-              <a:rPr lang="zh-CN" altLang="en-US"/>
-              <a:t>单击此处编辑母版文本样式</a:t>
-            </a:r>
-          </a:p>
-          <a:p>
-            <a:pPr lvl="1"/>
-            <a:r>
-              <a:rPr lang="zh-CN" altLang="en-US"/>
-              <a:t>二级</a:t>
-            </a:r>
-          </a:p>
-          <a:p>
-            <a:pPr lvl="2"/>
-            <a:r>
-              <a:rPr lang="zh-CN" altLang="en-US"/>
-              <a:t>三级</a:t>
-            </a:r>
-          </a:p>
-          <a:p>
-            <a:pPr lvl="3"/>
-            <a:r>
-              <a:rPr lang="zh-CN" altLang="en-US"/>
-              <a:t>四级</a:t>
-            </a:r>
-          </a:p>
-          <a:p>
-            <a:pPr lvl="4"/>
-            <a:r>
-              <a:rPr lang="zh-CN" altLang="en-US"/>
-              <a:t>五级</a:t>
-            </a:r>
-          </a:p>
-        </p:txBody>
-      </p:sp>
-      <p:sp>
-        <p:nvSpPr>
-          <p:cNvPr id="4" name="日期占位符 3">
-            <a:extLst>
-              <a:ext uri="{FF2B5EF4-FFF2-40B4-BE49-F238E27FC236}">
-                <a16:creationId xmlns:a16="http://schemas.microsoft.com/office/drawing/2014/main" id="{FD1C1D11-A748-4081-A420-02C6D1698AC6}"/>
-              </a:ext>
-            </a:extLst>
-          </p:cNvPr>
-          <p:cNvSpPr>
-            <a:spLocks noGrp="1"/>
-          </p:cNvSpPr>
-          <p:nvPr>
-            <p:ph type="dt" sz="half" idx="10"/>
-          </p:nvPr>
-        </p:nvSpPr>
-        <p:spPr/>
-        <p:txBody>
-          <a:bodyPr/>
-          <a:lstStyle/>
-          <a:p>
-            <a:fld id="{631EAFFE-823F-4DDC-BE73-DF0D66C78ADF}" type="datetimeFigureOut">
-              <a:rPr lang="zh-CN" altLang="en-US" smtClean="0"/>
-              <a:t>2020/6/20</a:t>
-            </a:fld>
             <a:endParaRPr lang="zh-CN" altLang="en-US"/>
           </a:p>
         </p:txBody>
       </p:sp>
       <p:sp>
         <p:nvSpPr>
-          <p:cNvPr id="5" name="页脚占位符 4">
-            <a:extLst>
-              <a:ext uri="{FF2B5EF4-FFF2-40B4-BE49-F238E27FC236}">
-                <a16:creationId xmlns:a16="http://schemas.microsoft.com/office/drawing/2014/main" id="{8D6B5392-D25A-4316-A32B-0443CD643D57}"/>
-              </a:ext>
-            </a:extLst>
-          </p:cNvPr>
-          <p:cNvSpPr>
-            <a:spLocks noGrp="1"/>
-          </p:cNvSpPr>
-          <p:nvPr>
-            <p:ph type="ftr" sz="quarter" idx="11"/>
-          </p:nvPr>
-        </p:nvSpPr>
-        <p:spPr/>
-        <p:txBody>
-          <a:bodyPr/>
-          <a:lstStyle/>
-          <a:p>
-            <a:endParaRPr lang="zh-CN" altLang="en-US"/>
-          </a:p>
-        </p:txBody>
-      </p:sp>
-      <p:sp>
-        <p:nvSpPr>
-          <p:cNvPr id="6" name="灯片编号占位符 5">
-            <a:extLst>
-              <a:ext uri="{FF2B5EF4-FFF2-40B4-BE49-F238E27FC236}">
-                <a16:creationId xmlns:a16="http://schemas.microsoft.com/office/drawing/2014/main" id="{BC24E17D-22EC-4ECD-B754-FCA4B14040E7}"/>
-              </a:ext>
-            </a:extLst>
-          </p:cNvPr>
+          <p:cNvPr id="6" name="灯片编号占位符 5"/>
           <p:cNvSpPr>
             <a:spLocks noGrp="1"/>
           </p:cNvSpPr>
@@ -923,7 +1845,7 @@
     </p:spTree>
     <p:extLst>
       <p:ext uri="{BB962C8B-B14F-4D97-AF65-F5344CB8AC3E}">
-        <p14:creationId xmlns:p14="http://schemas.microsoft.com/office/powerpoint/2010/main" val="1772452852"/>
+        <p14:creationId xmlns:p14="http://schemas.microsoft.com/office/powerpoint/2010/main" val="2278683658"/>
       </p:ext>
     </p:extLst>
   </p:cSld>
@@ -934,7 +1856,7 @@
 </file>
 
 <file path=ppt/slideLayouts/slideLayout3.xml><?xml version="1.0" encoding="utf-8"?>
-<p:sldLayout xmlns:a="http://schemas.openxmlformats.org/drawingml/2006/main" xmlns:r="http://schemas.openxmlformats.org/officeDocument/2006/relationships" xmlns:p="http://schemas.openxmlformats.org/presentationml/2006/main" type="secHead" preserve="1">
+<p:sldLayout xmlns:a="http://schemas.openxmlformats.org/drawingml/2006/main" xmlns:r="http://schemas.openxmlformats.org/officeDocument/2006/relationships" xmlns:p="http://schemas.openxmlformats.org/presentationml/2006/main" preserve="1">
   <p:cSld name="节标题">
     <p:spTree>
       <p:nvGrpSpPr>
@@ -952,13 +1874,7 @@
       </p:grpSpPr>
       <p:sp>
         <p:nvSpPr>
-          <p:cNvPr id="2" name="标题 1">
-            <a:extLst>
-              <a:ext uri="{FF2B5EF4-FFF2-40B4-BE49-F238E27FC236}">
-                <a16:creationId xmlns:a16="http://schemas.microsoft.com/office/drawing/2014/main" id="{E225E540-923F-4A69-BDC0-26AA976F105D}"/>
-              </a:ext>
-            </a:extLst>
-          </p:cNvPr>
+          <p:cNvPr id="2" name="标题 1"/>
           <p:cNvSpPr>
             <a:spLocks noGrp="1"/>
           </p:cNvSpPr>
@@ -968,53 +1884,50 @@
         </p:nvSpPr>
         <p:spPr>
           <a:xfrm>
-            <a:off x="831850" y="1709738"/>
-            <a:ext cx="10515600" cy="2852737"/>
+            <a:off x="963084" y="4406901"/>
+            <a:ext cx="10363200" cy="1362075"/>
+          </a:xfrm>
+          <a:prstGeom prst="rect">
+            <a:avLst/>
+          </a:prstGeom>
+        </p:spPr>
+        <p:txBody>
+          <a:bodyPr anchor="t"/>
+          <a:lstStyle>
+            <a:lvl1pPr algn="l">
+              <a:defRPr sz="4000" b="1" cap="all"/>
+            </a:lvl1pPr>
+          </a:lstStyle>
+          <a:p>
+            <a:r>
+              <a:rPr lang="zh-CN" altLang="en-US"/>
+              <a:t>单击此处编辑母版标题样式</a:t>
+            </a:r>
+          </a:p>
+        </p:txBody>
+      </p:sp>
+      <p:sp>
+        <p:nvSpPr>
+          <p:cNvPr id="3" name="文本占位符 2"/>
+          <p:cNvSpPr>
+            <a:spLocks noGrp="1"/>
+          </p:cNvSpPr>
+          <p:nvPr>
+            <p:ph type="body" idx="1"/>
+          </p:nvPr>
+        </p:nvSpPr>
+        <p:spPr>
+          <a:xfrm>
+            <a:off x="963084" y="2906713"/>
+            <a:ext cx="10363200" cy="1500187"/>
           </a:xfrm>
         </p:spPr>
         <p:txBody>
           <a:bodyPr anchor="b"/>
-          <a:lstStyle>
-            <a:lvl1pPr>
-              <a:defRPr sz="6000"/>
-            </a:lvl1pPr>
-          </a:lstStyle>
-          <a:p>
-            <a:r>
-              <a:rPr lang="zh-CN" altLang="en-US"/>
-              <a:t>单击此处编辑母版标题样式</a:t>
-            </a:r>
-          </a:p>
-        </p:txBody>
-      </p:sp>
-      <p:sp>
-        <p:nvSpPr>
-          <p:cNvPr id="3" name="文本占位符 2">
-            <a:extLst>
-              <a:ext uri="{FF2B5EF4-FFF2-40B4-BE49-F238E27FC236}">
-                <a16:creationId xmlns:a16="http://schemas.microsoft.com/office/drawing/2014/main" id="{F7ABCD18-7470-4296-9A7E-DC2A4F3E7974}"/>
-              </a:ext>
-            </a:extLst>
-          </p:cNvPr>
-          <p:cNvSpPr>
-            <a:spLocks noGrp="1"/>
-          </p:cNvSpPr>
-          <p:nvPr>
-            <p:ph type="body" idx="1"/>
-          </p:nvPr>
-        </p:nvSpPr>
-        <p:spPr>
-          <a:xfrm>
-            <a:off x="831850" y="4589463"/>
-            <a:ext cx="10515600" cy="1500187"/>
-          </a:xfrm>
-        </p:spPr>
-        <p:txBody>
-          <a:bodyPr/>
           <a:lstStyle>
             <a:lvl1pPr marL="0" indent="0">
               <a:buNone/>
-              <a:defRPr sz="2400">
+              <a:defRPr sz="2000">
                 <a:solidFill>
                   <a:schemeClr val="tx1">
                     <a:tint val="75000"/>
@@ -1024,7 +1937,7 @@
             </a:lvl1pPr>
             <a:lvl2pPr marL="457200" indent="0">
               <a:buNone/>
-              <a:defRPr sz="2000">
+              <a:defRPr sz="1800">
                 <a:solidFill>
                   <a:schemeClr val="tx1">
                     <a:tint val="75000"/>
@@ -1034,7 +1947,7 @@
             </a:lvl2pPr>
             <a:lvl3pPr marL="914400" indent="0">
               <a:buNone/>
-              <a:defRPr sz="1800">
+              <a:defRPr sz="1600">
                 <a:solidFill>
                   <a:schemeClr val="tx1">
                     <a:tint val="75000"/>
@@ -1044,7 +1957,7 @@
             </a:lvl3pPr>
             <a:lvl4pPr marL="1371600" indent="0">
               <a:buNone/>
-              <a:defRPr sz="1600">
+              <a:defRPr sz="1400">
                 <a:solidFill>
                   <a:schemeClr val="tx1">
                     <a:tint val="75000"/>
@@ -1054,7 +1967,7 @@
             </a:lvl4pPr>
             <a:lvl5pPr marL="1828800" indent="0">
               <a:buNone/>
-              <a:defRPr sz="1600">
+              <a:defRPr sz="1400">
                 <a:solidFill>
                   <a:schemeClr val="tx1">
                     <a:tint val="75000"/>
@@ -1064,7 +1977,7 @@
             </a:lvl5pPr>
             <a:lvl6pPr marL="2286000" indent="0">
               <a:buNone/>
-              <a:defRPr sz="1600">
+              <a:defRPr sz="1400">
                 <a:solidFill>
                   <a:schemeClr val="tx1">
                     <a:tint val="75000"/>
@@ -1074,7 +1987,7 @@
             </a:lvl6pPr>
             <a:lvl7pPr marL="2743200" indent="0">
               <a:buNone/>
-              <a:defRPr sz="1600">
+              <a:defRPr sz="1400">
                 <a:solidFill>
                   <a:schemeClr val="tx1">
                     <a:tint val="75000"/>
@@ -1084,7 +1997,7 @@
             </a:lvl7pPr>
             <a:lvl8pPr marL="3200400" indent="0">
               <a:buNone/>
-              <a:defRPr sz="1600">
+              <a:defRPr sz="1400">
                 <a:solidFill>
                   <a:schemeClr val="tx1">
                     <a:tint val="75000"/>
@@ -1094,7 +2007,7 @@
             </a:lvl8pPr>
             <a:lvl9pPr marL="3657600" indent="0">
               <a:buNone/>
-              <a:defRPr sz="1600">
+              <a:defRPr sz="1400">
                 <a:solidFill>
                   <a:schemeClr val="tx1">
                     <a:tint val="75000"/>
@@ -1114,13 +2027,7 @@
       </p:sp>
       <p:sp>
         <p:nvSpPr>
-          <p:cNvPr id="4" name="日期占位符 3">
-            <a:extLst>
-              <a:ext uri="{FF2B5EF4-FFF2-40B4-BE49-F238E27FC236}">
-                <a16:creationId xmlns:a16="http://schemas.microsoft.com/office/drawing/2014/main" id="{E53C95E1-D669-4B35-BBA4-6B5C59FBB7AA}"/>
-              </a:ext>
-            </a:extLst>
-          </p:cNvPr>
+          <p:cNvPr id="4" name="日期占位符 3"/>
           <p:cNvSpPr>
             <a:spLocks noGrp="1"/>
           </p:cNvSpPr>
@@ -1135,7 +2042,7 @@
           <a:p>
             <a:fld id="{631EAFFE-823F-4DDC-BE73-DF0D66C78ADF}" type="datetimeFigureOut">
               <a:rPr lang="zh-CN" altLang="en-US" smtClean="0"/>
-              <a:t>2020/6/20</a:t>
+              <a:t>2020/7/11</a:t>
             </a:fld>
             <a:endParaRPr lang="zh-CN" altLang="en-US"/>
           </a:p>
@@ -1143,13 +2050,7 @@
       </p:sp>
       <p:sp>
         <p:nvSpPr>
-          <p:cNvPr id="5" name="页脚占位符 4">
-            <a:extLst>
-              <a:ext uri="{FF2B5EF4-FFF2-40B4-BE49-F238E27FC236}">
-                <a16:creationId xmlns:a16="http://schemas.microsoft.com/office/drawing/2014/main" id="{1873EB38-B91B-429E-8E2C-1F3E6C90AFB0}"/>
-              </a:ext>
-            </a:extLst>
-          </p:cNvPr>
+          <p:cNvPr id="5" name="页脚占位符 4"/>
           <p:cNvSpPr>
             <a:spLocks noGrp="1"/>
           </p:cNvSpPr>
@@ -1168,13 +2069,7 @@
       </p:sp>
       <p:sp>
         <p:nvSpPr>
-          <p:cNvPr id="6" name="灯片编号占位符 5">
-            <a:extLst>
-              <a:ext uri="{FF2B5EF4-FFF2-40B4-BE49-F238E27FC236}">
-                <a16:creationId xmlns:a16="http://schemas.microsoft.com/office/drawing/2014/main" id="{C2EC8937-B800-4AF0-B441-88948A843F1A}"/>
-              </a:ext>
-            </a:extLst>
-          </p:cNvPr>
+          <p:cNvPr id="6" name="灯片编号占位符 5"/>
           <p:cNvSpPr>
             <a:spLocks noGrp="1"/>
           </p:cNvSpPr>
@@ -1195,10 +2090,364 @@
           </a:p>
         </p:txBody>
       </p:sp>
+      <p:sp>
+        <p:nvSpPr>
+          <p:cNvPr id="7" name="标题 3">
+            <a:extLst>
+              <a:ext uri="{FF2B5EF4-FFF2-40B4-BE49-F238E27FC236}">
+                <a16:creationId xmlns:a16="http://schemas.microsoft.com/office/drawing/2014/main" id="{1EE7B386-338B-4764-85F1-67C3D55680EC}"/>
+              </a:ext>
+            </a:extLst>
+          </p:cNvPr>
+          <p:cNvSpPr txBox="1">
+            <a:spLocks/>
+          </p:cNvSpPr>
+          <p:nvPr/>
+        </p:nvSpPr>
+        <p:spPr>
+          <a:xfrm>
+            <a:off x="0" y="-24"/>
+            <a:ext cx="12192000" cy="863601"/>
+          </a:xfrm>
+          <a:prstGeom prst="rect">
+            <a:avLst/>
+          </a:prstGeom>
+          <a:solidFill>
+            <a:srgbClr val="02409A"/>
+          </a:solidFill>
+          <a:ln>
+            <a:noFill/>
+          </a:ln>
+          <a:effectLst/>
+        </p:spPr>
+        <p:txBody>
+          <a:bodyPr tIns="0" bIns="0" anchor="ctr"/>
+          <a:lstStyle/>
+          <a:p>
+            <a:pPr algn="ctr">
+              <a:spcBef>
+                <a:spcPct val="0"/>
+              </a:spcBef>
+              <a:defRPr/>
+            </a:pPr>
+            <a:endParaRPr lang="zh-CN" altLang="en-US" sz="4800" b="1" dirty="0">
+              <a:solidFill>
+                <a:prstClr val="white"/>
+              </a:solidFill>
+              <a:latin typeface="微软雅黑" pitchFamily="34" charset="-122"/>
+              <a:ea typeface="微软雅黑" pitchFamily="34" charset="-122"/>
+            </a:endParaRPr>
+          </a:p>
+        </p:txBody>
+      </p:sp>
+      <p:cxnSp>
+        <p:nvCxnSpPr>
+          <p:cNvPr id="8" name="直接连接符 19">
+            <a:extLst>
+              <a:ext uri="{FF2B5EF4-FFF2-40B4-BE49-F238E27FC236}">
+                <a16:creationId xmlns:a16="http://schemas.microsoft.com/office/drawing/2014/main" id="{5EDB0516-F82E-4E09-BCC6-78628E7E2022}"/>
+              </a:ext>
+            </a:extLst>
+          </p:cNvPr>
+          <p:cNvCxnSpPr>
+            <a:cxnSpLocks/>
+          </p:cNvCxnSpPr>
+          <p:nvPr/>
+        </p:nvCxnSpPr>
+        <p:spPr bwMode="auto">
+          <a:xfrm flipH="1">
+            <a:off x="599018" y="1565"/>
+            <a:ext cx="2116" cy="841375"/>
+          </a:xfrm>
+          <a:prstGeom prst="line">
+            <a:avLst/>
+          </a:prstGeom>
+          <a:noFill/>
+          <a:ln w="28575" algn="ctr">
+            <a:solidFill>
+              <a:schemeClr val="bg1"/>
+            </a:solidFill>
+            <a:round/>
+            <a:headEnd/>
+            <a:tailEnd/>
+          </a:ln>
+          <a:effectLst/>
+          <a:extLst>
+            <a:ext uri="{909E8E84-426E-40DD-AFC4-6F175D3DCCD1}">
+              <a14:hiddenFill xmlns:a14="http://schemas.microsoft.com/office/drawing/2010/main">
+                <a:noFill/>
+              </a14:hiddenFill>
+            </a:ext>
+          </a:extLst>
+        </p:spPr>
+      </p:cxnSp>
+      <p:cxnSp>
+        <p:nvCxnSpPr>
+          <p:cNvPr id="9" name="直接连接符 20">
+            <a:extLst>
+              <a:ext uri="{FF2B5EF4-FFF2-40B4-BE49-F238E27FC236}">
+                <a16:creationId xmlns:a16="http://schemas.microsoft.com/office/drawing/2014/main" id="{740BB1FC-B3C6-4721-92D6-BF1F1FA3F6A5}"/>
+              </a:ext>
+            </a:extLst>
+          </p:cNvPr>
+          <p:cNvCxnSpPr>
+            <a:cxnSpLocks/>
+          </p:cNvCxnSpPr>
+          <p:nvPr/>
+        </p:nvCxnSpPr>
+        <p:spPr bwMode="auto">
+          <a:xfrm flipH="1">
+            <a:off x="681567" y="-24"/>
+            <a:ext cx="2117" cy="554038"/>
+          </a:xfrm>
+          <a:prstGeom prst="line">
+            <a:avLst/>
+          </a:prstGeom>
+          <a:noFill/>
+          <a:ln w="28575" algn="ctr">
+            <a:solidFill>
+              <a:schemeClr val="bg1"/>
+            </a:solidFill>
+            <a:round/>
+            <a:headEnd/>
+            <a:tailEnd/>
+          </a:ln>
+          <a:effectLst/>
+          <a:extLst>
+            <a:ext uri="{909E8E84-426E-40DD-AFC4-6F175D3DCCD1}">
+              <a14:hiddenFill xmlns:a14="http://schemas.microsoft.com/office/drawing/2010/main">
+                <a:noFill/>
+              </a14:hiddenFill>
+            </a:ext>
+          </a:extLst>
+        </p:spPr>
+      </p:cxnSp>
+      <p:cxnSp>
+        <p:nvCxnSpPr>
+          <p:cNvPr id="10" name="直接连接符 30">
+            <a:extLst>
+              <a:ext uri="{FF2B5EF4-FFF2-40B4-BE49-F238E27FC236}">
+                <a16:creationId xmlns:a16="http://schemas.microsoft.com/office/drawing/2014/main" id="{28A6E5BF-2A0D-4294-9AFE-058CFD22D566}"/>
+              </a:ext>
+            </a:extLst>
+          </p:cNvPr>
+          <p:cNvCxnSpPr>
+            <a:cxnSpLocks/>
+          </p:cNvCxnSpPr>
+          <p:nvPr/>
+        </p:nvCxnSpPr>
+        <p:spPr bwMode="auto">
+          <a:xfrm>
+            <a:off x="768351" y="-24"/>
+            <a:ext cx="0" cy="298451"/>
+          </a:xfrm>
+          <a:prstGeom prst="line">
+            <a:avLst/>
+          </a:prstGeom>
+          <a:noFill/>
+          <a:ln w="28575" algn="ctr">
+            <a:solidFill>
+              <a:schemeClr val="bg1"/>
+            </a:solidFill>
+            <a:round/>
+            <a:headEnd/>
+            <a:tailEnd/>
+          </a:ln>
+          <a:effectLst/>
+          <a:extLst>
+            <a:ext uri="{909E8E84-426E-40DD-AFC4-6F175D3DCCD1}">
+              <a14:hiddenFill xmlns:a14="http://schemas.microsoft.com/office/drawing/2010/main">
+                <a:noFill/>
+              </a14:hiddenFill>
+            </a:ext>
+          </a:extLst>
+        </p:spPr>
+      </p:cxnSp>
+      <p:sp>
+        <p:nvSpPr>
+          <p:cNvPr id="11" name="TextBox 19">
+            <a:extLst>
+              <a:ext uri="{FF2B5EF4-FFF2-40B4-BE49-F238E27FC236}">
+                <a16:creationId xmlns:a16="http://schemas.microsoft.com/office/drawing/2014/main" id="{6EE42B8E-637A-44E6-A66B-3C85DDBB85EA}"/>
+              </a:ext>
+            </a:extLst>
+          </p:cNvPr>
+          <p:cNvSpPr txBox="1">
+            <a:spLocks noChangeArrowheads="1"/>
+          </p:cNvSpPr>
+          <p:nvPr/>
+        </p:nvSpPr>
+        <p:spPr bwMode="auto">
+          <a:xfrm>
+            <a:off x="829734" y="169838"/>
+            <a:ext cx="11122917" cy="553998"/>
+          </a:xfrm>
+          <a:prstGeom prst="rect">
+            <a:avLst/>
+          </a:prstGeom>
+          <a:noFill/>
+          <a:ln>
+            <a:noFill/>
+          </a:ln>
+          <a:effectLst/>
+          <a:extLst>
+            <a:ext uri="{909E8E84-426E-40DD-AFC4-6F175D3DCCD1}">
+              <a14:hiddenFill xmlns:a14="http://schemas.microsoft.com/office/drawing/2010/main">
+                <a:solidFill>
+                  <a:srgbClr val="FFFFFF"/>
+                </a:solidFill>
+              </a14:hiddenFill>
+            </a:ext>
+            <a:ext uri="{91240B29-F687-4F45-9708-019B960494DF}">
+              <a14:hiddenLine xmlns:a14="http://schemas.microsoft.com/office/drawing/2010/main" w="9525">
+                <a:solidFill>
+                  <a:srgbClr val="000000"/>
+                </a:solidFill>
+                <a:miter lim="800000"/>
+                <a:headEnd/>
+                <a:tailEnd/>
+              </a14:hiddenLine>
+            </a:ext>
+          </a:extLst>
+        </p:spPr>
+        <p:txBody>
+          <a:bodyPr wrap="square">
+            <a:spAutoFit/>
+          </a:bodyPr>
+          <a:lstStyle>
+            <a:lvl1pPr eaLnBrk="0" hangingPunct="0">
+              <a:defRPr>
+                <a:solidFill>
+                  <a:schemeClr val="tx1"/>
+                </a:solidFill>
+                <a:latin typeface="Calibri" pitchFamily="34" charset="0"/>
+                <a:ea typeface="宋体" pitchFamily="2" charset="-122"/>
+              </a:defRPr>
+            </a:lvl1pPr>
+            <a:lvl2pPr marL="742950" indent="-285750" eaLnBrk="0" hangingPunct="0">
+              <a:defRPr>
+                <a:solidFill>
+                  <a:schemeClr val="tx1"/>
+                </a:solidFill>
+                <a:latin typeface="Calibri" pitchFamily="34" charset="0"/>
+                <a:ea typeface="宋体" pitchFamily="2" charset="-122"/>
+              </a:defRPr>
+            </a:lvl2pPr>
+            <a:lvl3pPr marL="1143000" indent="-228600" eaLnBrk="0" hangingPunct="0">
+              <a:defRPr>
+                <a:solidFill>
+                  <a:schemeClr val="tx1"/>
+                </a:solidFill>
+                <a:latin typeface="Calibri" pitchFamily="34" charset="0"/>
+                <a:ea typeface="宋体" pitchFamily="2" charset="-122"/>
+              </a:defRPr>
+            </a:lvl3pPr>
+            <a:lvl4pPr marL="1600200" indent="-228600" eaLnBrk="0" hangingPunct="0">
+              <a:defRPr>
+                <a:solidFill>
+                  <a:schemeClr val="tx1"/>
+                </a:solidFill>
+                <a:latin typeface="Calibri" pitchFamily="34" charset="0"/>
+                <a:ea typeface="宋体" pitchFamily="2" charset="-122"/>
+              </a:defRPr>
+            </a:lvl4pPr>
+            <a:lvl5pPr marL="2057400" indent="-228600" eaLnBrk="0" hangingPunct="0">
+              <a:defRPr>
+                <a:solidFill>
+                  <a:schemeClr val="tx1"/>
+                </a:solidFill>
+                <a:latin typeface="Calibri" pitchFamily="34" charset="0"/>
+                <a:ea typeface="宋体" pitchFamily="2" charset="-122"/>
+              </a:defRPr>
+            </a:lvl5pPr>
+            <a:lvl6pPr marL="2514600" indent="-228600" eaLnBrk="0" fontAlgn="base" hangingPunct="0">
+              <a:spcBef>
+                <a:spcPct val="0"/>
+              </a:spcBef>
+              <a:spcAft>
+                <a:spcPct val="0"/>
+              </a:spcAft>
+              <a:defRPr>
+                <a:solidFill>
+                  <a:schemeClr val="tx1"/>
+                </a:solidFill>
+                <a:latin typeface="Calibri" pitchFamily="34" charset="0"/>
+                <a:ea typeface="宋体" pitchFamily="2" charset="-122"/>
+              </a:defRPr>
+            </a:lvl6pPr>
+            <a:lvl7pPr marL="2971800" indent="-228600" eaLnBrk="0" fontAlgn="base" hangingPunct="0">
+              <a:spcBef>
+                <a:spcPct val="0"/>
+              </a:spcBef>
+              <a:spcAft>
+                <a:spcPct val="0"/>
+              </a:spcAft>
+              <a:defRPr>
+                <a:solidFill>
+                  <a:schemeClr val="tx1"/>
+                </a:solidFill>
+                <a:latin typeface="Calibri" pitchFamily="34" charset="0"/>
+                <a:ea typeface="宋体" pitchFamily="2" charset="-122"/>
+              </a:defRPr>
+            </a:lvl7pPr>
+            <a:lvl8pPr marL="3429000" indent="-228600" eaLnBrk="0" fontAlgn="base" hangingPunct="0">
+              <a:spcBef>
+                <a:spcPct val="0"/>
+              </a:spcBef>
+              <a:spcAft>
+                <a:spcPct val="0"/>
+              </a:spcAft>
+              <a:defRPr>
+                <a:solidFill>
+                  <a:schemeClr val="tx1"/>
+                </a:solidFill>
+                <a:latin typeface="Calibri" pitchFamily="34" charset="0"/>
+                <a:ea typeface="宋体" pitchFamily="2" charset="-122"/>
+              </a:defRPr>
+            </a:lvl8pPr>
+            <a:lvl9pPr marL="3886200" indent="-228600" eaLnBrk="0" fontAlgn="base" hangingPunct="0">
+              <a:spcBef>
+                <a:spcPct val="0"/>
+              </a:spcBef>
+              <a:spcAft>
+                <a:spcPct val="0"/>
+              </a:spcAft>
+              <a:defRPr>
+                <a:solidFill>
+                  <a:schemeClr val="tx1"/>
+                </a:solidFill>
+                <a:latin typeface="Calibri" pitchFamily="34" charset="0"/>
+                <a:ea typeface="宋体" pitchFamily="2" charset="-122"/>
+              </a:defRPr>
+            </a:lvl9pPr>
+          </a:lstStyle>
+          <a:p>
+            <a:pPr eaLnBrk="1" fontAlgn="base" hangingPunct="1">
+              <a:spcBef>
+                <a:spcPct val="0"/>
+              </a:spcBef>
+              <a:spcAft>
+                <a:spcPct val="0"/>
+              </a:spcAft>
+            </a:pPr>
+            <a:r>
+              <a:rPr lang="zh-CN" altLang="en-US" sz="3000" b="1" dirty="0">
+                <a:solidFill>
+                  <a:prstClr val="white"/>
+                </a:solidFill>
+                <a:latin typeface="微软雅黑" panose="020B0503020204020204" pitchFamily="34" charset="-122"/>
+                <a:ea typeface="微软雅黑" panose="020B0503020204020204" pitchFamily="34" charset="-122"/>
+                <a:cs typeface="Arial" pitchFamily="34" charset="0"/>
+              </a:rPr>
+              <a:t>提纲</a:t>
+            </a:r>
+          </a:p>
+        </p:txBody>
+      </p:sp>
     </p:spTree>
     <p:extLst>
       <p:ext uri="{BB962C8B-B14F-4D97-AF65-F5344CB8AC3E}">
-        <p14:creationId xmlns:p14="http://schemas.microsoft.com/office/powerpoint/2010/main" val="233706515"/>
+        <p14:creationId xmlns:p14="http://schemas.microsoft.com/office/powerpoint/2010/main" val="3256652818"/>
       </p:ext>
     </p:extLst>
   </p:cSld>
@@ -1225,20 +2474,435 @@
           <a:chExt cx="0" cy="0"/>
         </a:xfrm>
       </p:grpSpPr>
-      <p:sp>
-        <p:nvSpPr>
-          <p:cNvPr id="2" name="标题 1">
+      <p:grpSp>
+        <p:nvGrpSpPr>
+          <p:cNvPr id="8" name="组合 7">
             <a:extLst>
               <a:ext uri="{FF2B5EF4-FFF2-40B4-BE49-F238E27FC236}">
-                <a16:creationId xmlns:a16="http://schemas.microsoft.com/office/drawing/2014/main" id="{98CAB8D0-3542-4472-B4AD-B207D4510894}"/>
+                <a16:creationId xmlns:a16="http://schemas.microsoft.com/office/drawing/2014/main" id="{1B9BF0A4-17AA-4116-B463-360E9B871E6B}"/>
               </a:ext>
             </a:extLst>
           </p:cNvPr>
+          <p:cNvGrpSpPr/>
+          <p:nvPr/>
+        </p:nvGrpSpPr>
+        <p:grpSpPr>
+          <a:xfrm>
+            <a:off x="0" y="-24"/>
+            <a:ext cx="12192000" cy="863601"/>
+            <a:chOff x="0" y="-26988"/>
+            <a:chExt cx="9144000" cy="863601"/>
+          </a:xfrm>
+        </p:grpSpPr>
+        <p:sp>
+          <p:nvSpPr>
+            <p:cNvPr id="9" name="标题 3">
+              <a:extLst>
+                <a:ext uri="{FF2B5EF4-FFF2-40B4-BE49-F238E27FC236}">
+                  <a16:creationId xmlns:a16="http://schemas.microsoft.com/office/drawing/2014/main" id="{4CD6A6AB-DF25-4447-AA31-6C2F889D5FB2}"/>
+                </a:ext>
+              </a:extLst>
+            </p:cNvPr>
+            <p:cNvSpPr txBox="1">
+              <a:spLocks/>
+            </p:cNvSpPr>
+            <p:nvPr/>
+          </p:nvSpPr>
+          <p:spPr>
+            <a:xfrm>
+              <a:off x="0" y="-26988"/>
+              <a:ext cx="9144000" cy="863601"/>
+            </a:xfrm>
+            <a:prstGeom prst="rect">
+              <a:avLst/>
+            </a:prstGeom>
+            <a:solidFill>
+              <a:srgbClr val="02409A"/>
+            </a:solidFill>
+            <a:ln>
+              <a:noFill/>
+            </a:ln>
+            <a:effectLst/>
+          </p:spPr>
+          <p:txBody>
+            <a:bodyPr tIns="0" bIns="0" anchor="ctr"/>
+            <a:lstStyle/>
+            <a:p>
+              <a:pPr algn="ctr">
+                <a:spcBef>
+                  <a:spcPct val="0"/>
+                </a:spcBef>
+                <a:defRPr/>
+              </a:pPr>
+              <a:endParaRPr lang="zh-CN" altLang="en-US" sz="4800" b="1" dirty="0">
+                <a:solidFill>
+                  <a:prstClr val="white"/>
+                </a:solidFill>
+                <a:latin typeface="微软雅黑" pitchFamily="34" charset="-122"/>
+                <a:ea typeface="微软雅黑" pitchFamily="34" charset="-122"/>
+              </a:endParaRPr>
+            </a:p>
+          </p:txBody>
+        </p:sp>
+        <p:cxnSp>
+          <p:nvCxnSpPr>
+            <p:cNvPr id="10" name="直接连接符 19">
+              <a:extLst>
+                <a:ext uri="{FF2B5EF4-FFF2-40B4-BE49-F238E27FC236}">
+                  <a16:creationId xmlns:a16="http://schemas.microsoft.com/office/drawing/2014/main" id="{3A276ED9-4D9E-440A-A84A-84AE621A77BA}"/>
+                </a:ext>
+              </a:extLst>
+            </p:cNvPr>
+            <p:cNvCxnSpPr>
+              <a:cxnSpLocks/>
+            </p:cNvCxnSpPr>
+            <p:nvPr/>
+          </p:nvCxnSpPr>
+          <p:spPr bwMode="auto">
+            <a:xfrm flipH="1">
+              <a:off x="449263" y="-25400"/>
+              <a:ext cx="1587" cy="841375"/>
+            </a:xfrm>
+            <a:prstGeom prst="line">
+              <a:avLst/>
+            </a:prstGeom>
+            <a:noFill/>
+            <a:ln w="28575" algn="ctr">
+              <a:solidFill>
+                <a:schemeClr val="bg1"/>
+              </a:solidFill>
+              <a:round/>
+              <a:headEnd/>
+              <a:tailEnd/>
+            </a:ln>
+            <a:effectLst/>
+            <a:extLst>
+              <a:ext uri="{909E8E84-426E-40DD-AFC4-6F175D3DCCD1}">
+                <a14:hiddenFill xmlns:a14="http://schemas.microsoft.com/office/drawing/2010/main">
+                  <a:noFill/>
+                </a14:hiddenFill>
+              </a:ext>
+            </a:extLst>
+          </p:spPr>
+        </p:cxnSp>
+        <p:cxnSp>
+          <p:nvCxnSpPr>
+            <p:cNvPr id="11" name="直接连接符 20">
+              <a:extLst>
+                <a:ext uri="{FF2B5EF4-FFF2-40B4-BE49-F238E27FC236}">
+                  <a16:creationId xmlns:a16="http://schemas.microsoft.com/office/drawing/2014/main" id="{8DC851E0-C218-4FEF-871A-3065C46D640F}"/>
+                </a:ext>
+              </a:extLst>
+            </p:cNvPr>
+            <p:cNvCxnSpPr>
+              <a:cxnSpLocks/>
+            </p:cNvCxnSpPr>
+            <p:nvPr/>
+          </p:nvCxnSpPr>
+          <p:spPr bwMode="auto">
+            <a:xfrm flipH="1">
+              <a:off x="511175" y="-26988"/>
+              <a:ext cx="1588" cy="554038"/>
+            </a:xfrm>
+            <a:prstGeom prst="line">
+              <a:avLst/>
+            </a:prstGeom>
+            <a:noFill/>
+            <a:ln w="28575" algn="ctr">
+              <a:solidFill>
+                <a:schemeClr val="bg1"/>
+              </a:solidFill>
+              <a:round/>
+              <a:headEnd/>
+              <a:tailEnd/>
+            </a:ln>
+            <a:effectLst/>
+            <a:extLst>
+              <a:ext uri="{909E8E84-426E-40DD-AFC4-6F175D3DCCD1}">
+                <a14:hiddenFill xmlns:a14="http://schemas.microsoft.com/office/drawing/2010/main">
+                  <a:noFill/>
+                </a14:hiddenFill>
+              </a:ext>
+            </a:extLst>
+          </p:spPr>
+        </p:cxnSp>
+        <p:cxnSp>
+          <p:nvCxnSpPr>
+            <p:cNvPr id="12" name="直接连接符 30">
+              <a:extLst>
+                <a:ext uri="{FF2B5EF4-FFF2-40B4-BE49-F238E27FC236}">
+                  <a16:creationId xmlns:a16="http://schemas.microsoft.com/office/drawing/2014/main" id="{C400D821-542D-4941-BD6A-B493542CA5AB}"/>
+                </a:ext>
+              </a:extLst>
+            </p:cNvPr>
+            <p:cNvCxnSpPr>
+              <a:cxnSpLocks/>
+            </p:cNvCxnSpPr>
+            <p:nvPr/>
+          </p:nvCxnSpPr>
+          <p:spPr bwMode="auto">
+            <a:xfrm>
+              <a:off x="576263" y="-26988"/>
+              <a:ext cx="0" cy="298451"/>
+            </a:xfrm>
+            <a:prstGeom prst="line">
+              <a:avLst/>
+            </a:prstGeom>
+            <a:noFill/>
+            <a:ln w="28575" algn="ctr">
+              <a:solidFill>
+                <a:schemeClr val="bg1"/>
+              </a:solidFill>
+              <a:round/>
+              <a:headEnd/>
+              <a:tailEnd/>
+            </a:ln>
+            <a:effectLst/>
+            <a:extLst>
+              <a:ext uri="{909E8E84-426E-40DD-AFC4-6F175D3DCCD1}">
+                <a14:hiddenFill xmlns:a14="http://schemas.microsoft.com/office/drawing/2010/main">
+                  <a:noFill/>
+                </a14:hiddenFill>
+              </a:ext>
+            </a:extLst>
+          </p:spPr>
+        </p:cxnSp>
+      </p:grpSp>
+      <p:sp>
+        <p:nvSpPr>
+          <p:cNvPr id="2" name="标题 1"/>
           <p:cNvSpPr>
             <a:spLocks noGrp="1"/>
           </p:cNvSpPr>
           <p:nvPr>
             <p:ph type="title"/>
+          </p:nvPr>
+        </p:nvSpPr>
+        <p:spPr>
+          <a:xfrm>
+            <a:off x="829733" y="169838"/>
+            <a:ext cx="11118683" cy="553998"/>
+          </a:xfrm>
+          <a:prstGeom prst="rect">
+            <a:avLst/>
+          </a:prstGeom>
+        </p:spPr>
+        <p:txBody>
+          <a:bodyPr vert="horz" lIns="91440" tIns="45720" rIns="91440" bIns="45720" rtlCol="0" anchor="ctr">
+            <a:normAutofit/>
+          </a:bodyPr>
+          <a:lstStyle>
+            <a:lvl1pPr algn="l">
+              <a:defRPr lang="zh-CN" altLang="en-US" sz="3000" b="1" dirty="0">
+                <a:solidFill>
+                  <a:prstClr val="white"/>
+                </a:solidFill>
+                <a:latin typeface="微软雅黑" panose="020B0503020204020204" pitchFamily="34" charset="-122"/>
+                <a:ea typeface="微软雅黑" panose="020B0503020204020204" pitchFamily="34" charset="-122"/>
+                <a:cs typeface="Arial" pitchFamily="34" charset="0"/>
+              </a:defRPr>
+            </a:lvl1pPr>
+          </a:lstStyle>
+          <a:p>
+            <a:pPr marL="0" lvl="0" algn="l" fontAlgn="base">
+              <a:spcAft>
+                <a:spcPct val="0"/>
+              </a:spcAft>
+            </a:pPr>
+            <a:r>
+              <a:rPr lang="zh-CN" altLang="en-US"/>
+              <a:t>单击此处编辑母版标题样式</a:t>
+            </a:r>
+            <a:endParaRPr lang="zh-CN" altLang="en-US" dirty="0"/>
+          </a:p>
+        </p:txBody>
+      </p:sp>
+      <p:sp>
+        <p:nvSpPr>
+          <p:cNvPr id="3" name="内容占位符 2"/>
+          <p:cNvSpPr>
+            <a:spLocks noGrp="1"/>
+          </p:cNvSpPr>
+          <p:nvPr>
+            <p:ph sz="half" idx="1"/>
+          </p:nvPr>
+        </p:nvSpPr>
+        <p:spPr>
+          <a:xfrm>
+            <a:off x="609600" y="1033440"/>
+            <a:ext cx="5384800" cy="5092724"/>
+          </a:xfrm>
+        </p:spPr>
+        <p:txBody>
+          <a:bodyPr/>
+          <a:lstStyle>
+            <a:lvl1pPr marL="342900" indent="-342900">
+              <a:buFont typeface="Wingdings" panose="05000000000000000000" pitchFamily="2" charset="2"/>
+              <a:buChar char="Ø"/>
+              <a:defRPr sz="2800"/>
+            </a:lvl1pPr>
+            <a:lvl2pPr marL="742950" indent="-285750">
+              <a:buFont typeface="Wingdings" panose="05000000000000000000" pitchFamily="2" charset="2"/>
+              <a:buChar char="n"/>
+              <a:defRPr sz="2400"/>
+            </a:lvl2pPr>
+            <a:lvl3pPr>
+              <a:defRPr sz="2000"/>
+            </a:lvl3pPr>
+            <a:lvl4pPr>
+              <a:defRPr sz="1800"/>
+            </a:lvl4pPr>
+            <a:lvl5pPr>
+              <a:defRPr sz="1800"/>
+            </a:lvl5pPr>
+            <a:lvl6pPr>
+              <a:defRPr sz="1800"/>
+            </a:lvl6pPr>
+            <a:lvl7pPr>
+              <a:defRPr sz="1800"/>
+            </a:lvl7pPr>
+            <a:lvl8pPr>
+              <a:defRPr sz="1800"/>
+            </a:lvl8pPr>
+            <a:lvl9pPr>
+              <a:defRPr sz="1800"/>
+            </a:lvl9pPr>
+          </a:lstStyle>
+          <a:p>
+            <a:pPr lvl="0"/>
+            <a:r>
+              <a:rPr lang="zh-CN" altLang="en-US"/>
+              <a:t>单击此处编辑母版文本样式</a:t>
+            </a:r>
+          </a:p>
+          <a:p>
+            <a:pPr lvl="1"/>
+            <a:r>
+              <a:rPr lang="zh-CN" altLang="en-US"/>
+              <a:t>二级</a:t>
+            </a:r>
+          </a:p>
+          <a:p>
+            <a:pPr lvl="2"/>
+            <a:r>
+              <a:rPr lang="zh-CN" altLang="en-US"/>
+              <a:t>三级</a:t>
+            </a:r>
+          </a:p>
+          <a:p>
+            <a:pPr lvl="3"/>
+            <a:r>
+              <a:rPr lang="zh-CN" altLang="en-US"/>
+              <a:t>四级</a:t>
+            </a:r>
+          </a:p>
+          <a:p>
+            <a:pPr lvl="4"/>
+            <a:r>
+              <a:rPr lang="zh-CN" altLang="en-US"/>
+              <a:t>五级</a:t>
+            </a:r>
+            <a:endParaRPr lang="zh-CN" altLang="en-US" dirty="0"/>
+          </a:p>
+        </p:txBody>
+      </p:sp>
+      <p:sp>
+        <p:nvSpPr>
+          <p:cNvPr id="4" name="内容占位符 3"/>
+          <p:cNvSpPr>
+            <a:spLocks noGrp="1"/>
+          </p:cNvSpPr>
+          <p:nvPr>
+            <p:ph sz="half" idx="2"/>
+          </p:nvPr>
+        </p:nvSpPr>
+        <p:spPr>
+          <a:xfrm>
+            <a:off x="6197600" y="1033440"/>
+            <a:ext cx="5384800" cy="5092724"/>
+          </a:xfrm>
+        </p:spPr>
+        <p:txBody>
+          <a:bodyPr/>
+          <a:lstStyle>
+            <a:lvl1pPr marL="342900" indent="-342900">
+              <a:buFont typeface="Wingdings" panose="05000000000000000000" pitchFamily="2" charset="2"/>
+              <a:buChar char="Ø"/>
+              <a:defRPr sz="2800"/>
+            </a:lvl1pPr>
+            <a:lvl2pPr marL="742950" indent="-285750">
+              <a:buFont typeface="Wingdings" panose="05000000000000000000" pitchFamily="2" charset="2"/>
+              <a:buChar char="n"/>
+              <a:defRPr sz="2400"/>
+            </a:lvl2pPr>
+            <a:lvl3pPr>
+              <a:defRPr sz="2000"/>
+            </a:lvl3pPr>
+            <a:lvl4pPr>
+              <a:defRPr sz="1800"/>
+            </a:lvl4pPr>
+            <a:lvl5pPr>
+              <a:defRPr sz="1800"/>
+            </a:lvl5pPr>
+            <a:lvl6pPr>
+              <a:defRPr sz="1800"/>
+            </a:lvl6pPr>
+            <a:lvl7pPr>
+              <a:defRPr sz="1800"/>
+            </a:lvl7pPr>
+            <a:lvl8pPr>
+              <a:defRPr sz="1800"/>
+            </a:lvl8pPr>
+            <a:lvl9pPr>
+              <a:defRPr sz="1800"/>
+            </a:lvl9pPr>
+          </a:lstStyle>
+          <a:p>
+            <a:pPr lvl="0"/>
+            <a:r>
+              <a:rPr lang="zh-CN" altLang="en-US"/>
+              <a:t>单击此处编辑母版文本样式</a:t>
+            </a:r>
+          </a:p>
+          <a:p>
+            <a:pPr lvl="1"/>
+            <a:r>
+              <a:rPr lang="zh-CN" altLang="en-US"/>
+              <a:t>二级</a:t>
+            </a:r>
+          </a:p>
+          <a:p>
+            <a:pPr lvl="2"/>
+            <a:r>
+              <a:rPr lang="zh-CN" altLang="en-US"/>
+              <a:t>三级</a:t>
+            </a:r>
+          </a:p>
+          <a:p>
+            <a:pPr lvl="3"/>
+            <a:r>
+              <a:rPr lang="zh-CN" altLang="en-US"/>
+              <a:t>四级</a:t>
+            </a:r>
+          </a:p>
+          <a:p>
+            <a:pPr lvl="4"/>
+            <a:r>
+              <a:rPr lang="zh-CN" altLang="en-US"/>
+              <a:t>五级</a:t>
+            </a:r>
+            <a:endParaRPr lang="zh-CN" altLang="en-US" dirty="0"/>
+          </a:p>
+        </p:txBody>
+      </p:sp>
+      <p:sp>
+        <p:nvSpPr>
+          <p:cNvPr id="5" name="日期占位符 4"/>
+          <p:cNvSpPr>
+            <a:spLocks noGrp="1"/>
+          </p:cNvSpPr>
+          <p:nvPr>
+            <p:ph type="dt" sz="half" idx="10"/>
           </p:nvPr>
         </p:nvSpPr>
         <p:spPr/>
@@ -1246,200 +2910,36 @@
           <a:bodyPr/>
           <a:lstStyle/>
           <a:p>
-            <a:r>
-              <a:rPr lang="zh-CN" altLang="en-US"/>
-              <a:t>单击此处编辑母版标题样式</a:t>
-            </a:r>
-          </a:p>
-        </p:txBody>
-      </p:sp>
-      <p:sp>
-        <p:nvSpPr>
-          <p:cNvPr id="3" name="内容占位符 2">
-            <a:extLst>
-              <a:ext uri="{FF2B5EF4-FFF2-40B4-BE49-F238E27FC236}">
-                <a16:creationId xmlns:a16="http://schemas.microsoft.com/office/drawing/2014/main" id="{2C9B5730-95EF-46D8-852F-9D7EB86D755E}"/>
-              </a:ext>
-            </a:extLst>
-          </p:cNvPr>
-          <p:cNvSpPr>
-            <a:spLocks noGrp="1"/>
-          </p:cNvSpPr>
-          <p:nvPr>
-            <p:ph sz="half" idx="1"/>
-          </p:nvPr>
-        </p:nvSpPr>
-        <p:spPr>
-          <a:xfrm>
-            <a:off x="838200" y="1825625"/>
-            <a:ext cx="5181600" cy="4351338"/>
-          </a:xfrm>
-        </p:spPr>
+            <a:fld id="{631EAFFE-823F-4DDC-BE73-DF0D66C78ADF}" type="datetimeFigureOut">
+              <a:rPr lang="zh-CN" altLang="en-US" smtClean="0"/>
+              <a:t>2020/7/11</a:t>
+            </a:fld>
+            <a:endParaRPr lang="zh-CN" altLang="en-US"/>
+          </a:p>
+        </p:txBody>
+      </p:sp>
+      <p:sp>
+        <p:nvSpPr>
+          <p:cNvPr id="6" name="页脚占位符 5"/>
+          <p:cNvSpPr>
+            <a:spLocks noGrp="1"/>
+          </p:cNvSpPr>
+          <p:nvPr>
+            <p:ph type="ftr" sz="quarter" idx="11"/>
+          </p:nvPr>
+        </p:nvSpPr>
+        <p:spPr/>
         <p:txBody>
           <a:bodyPr/>
           <a:lstStyle/>
           <a:p>
-            <a:pPr lvl="0"/>
-            <a:r>
-              <a:rPr lang="zh-CN" altLang="en-US"/>
-              <a:t>单击此处编辑母版文本样式</a:t>
-            </a:r>
-          </a:p>
-          <a:p>
-            <a:pPr lvl="1"/>
-            <a:r>
-              <a:rPr lang="zh-CN" altLang="en-US"/>
-              <a:t>二级</a:t>
-            </a:r>
-          </a:p>
-          <a:p>
-            <a:pPr lvl="2"/>
-            <a:r>
-              <a:rPr lang="zh-CN" altLang="en-US"/>
-              <a:t>三级</a:t>
-            </a:r>
-          </a:p>
-          <a:p>
-            <a:pPr lvl="3"/>
-            <a:r>
-              <a:rPr lang="zh-CN" altLang="en-US"/>
-              <a:t>四级</a:t>
-            </a:r>
-          </a:p>
-          <a:p>
-            <a:pPr lvl="4"/>
-            <a:r>
-              <a:rPr lang="zh-CN" altLang="en-US"/>
-              <a:t>五级</a:t>
-            </a:r>
-          </a:p>
-        </p:txBody>
-      </p:sp>
-      <p:sp>
-        <p:nvSpPr>
-          <p:cNvPr id="4" name="内容占位符 3">
-            <a:extLst>
-              <a:ext uri="{FF2B5EF4-FFF2-40B4-BE49-F238E27FC236}">
-                <a16:creationId xmlns:a16="http://schemas.microsoft.com/office/drawing/2014/main" id="{44ACB3FE-366F-482D-8271-D8035A45AC39}"/>
-              </a:ext>
-            </a:extLst>
-          </p:cNvPr>
-          <p:cNvSpPr>
-            <a:spLocks noGrp="1"/>
-          </p:cNvSpPr>
-          <p:nvPr>
-            <p:ph sz="half" idx="2"/>
-          </p:nvPr>
-        </p:nvSpPr>
-        <p:spPr>
-          <a:xfrm>
-            <a:off x="6172200" y="1825625"/>
-            <a:ext cx="5181600" cy="4351338"/>
-          </a:xfrm>
-        </p:spPr>
-        <p:txBody>
-          <a:bodyPr/>
-          <a:lstStyle/>
-          <a:p>
-            <a:pPr lvl="0"/>
-            <a:r>
-              <a:rPr lang="zh-CN" altLang="en-US"/>
-              <a:t>单击此处编辑母版文本样式</a:t>
-            </a:r>
-          </a:p>
-          <a:p>
-            <a:pPr lvl="1"/>
-            <a:r>
-              <a:rPr lang="zh-CN" altLang="en-US"/>
-              <a:t>二级</a:t>
-            </a:r>
-          </a:p>
-          <a:p>
-            <a:pPr lvl="2"/>
-            <a:r>
-              <a:rPr lang="zh-CN" altLang="en-US"/>
-              <a:t>三级</a:t>
-            </a:r>
-          </a:p>
-          <a:p>
-            <a:pPr lvl="3"/>
-            <a:r>
-              <a:rPr lang="zh-CN" altLang="en-US"/>
-              <a:t>四级</a:t>
-            </a:r>
-          </a:p>
-          <a:p>
-            <a:pPr lvl="4"/>
-            <a:r>
-              <a:rPr lang="zh-CN" altLang="en-US"/>
-              <a:t>五级</a:t>
-            </a:r>
-          </a:p>
-        </p:txBody>
-      </p:sp>
-      <p:sp>
-        <p:nvSpPr>
-          <p:cNvPr id="5" name="日期占位符 4">
-            <a:extLst>
-              <a:ext uri="{FF2B5EF4-FFF2-40B4-BE49-F238E27FC236}">
-                <a16:creationId xmlns:a16="http://schemas.microsoft.com/office/drawing/2014/main" id="{9BEB32F3-FFA1-49BC-9796-D5F8AC85F62F}"/>
-              </a:ext>
-            </a:extLst>
-          </p:cNvPr>
-          <p:cNvSpPr>
-            <a:spLocks noGrp="1"/>
-          </p:cNvSpPr>
-          <p:nvPr>
-            <p:ph type="dt" sz="half" idx="10"/>
-          </p:nvPr>
-        </p:nvSpPr>
-        <p:spPr/>
-        <p:txBody>
-          <a:bodyPr/>
-          <a:lstStyle/>
-          <a:p>
-            <a:fld id="{631EAFFE-823F-4DDC-BE73-DF0D66C78ADF}" type="datetimeFigureOut">
-              <a:rPr lang="zh-CN" altLang="en-US" smtClean="0"/>
-              <a:t>2020/6/20</a:t>
-            </a:fld>
             <a:endParaRPr lang="zh-CN" altLang="en-US"/>
           </a:p>
         </p:txBody>
       </p:sp>
       <p:sp>
         <p:nvSpPr>
-          <p:cNvPr id="6" name="页脚占位符 5">
-            <a:extLst>
-              <a:ext uri="{FF2B5EF4-FFF2-40B4-BE49-F238E27FC236}">
-                <a16:creationId xmlns:a16="http://schemas.microsoft.com/office/drawing/2014/main" id="{A5B4BC88-4486-4BC4-8EA0-90A804BABAEF}"/>
-              </a:ext>
-            </a:extLst>
-          </p:cNvPr>
-          <p:cNvSpPr>
-            <a:spLocks noGrp="1"/>
-          </p:cNvSpPr>
-          <p:nvPr>
-            <p:ph type="ftr" sz="quarter" idx="11"/>
-          </p:nvPr>
-        </p:nvSpPr>
-        <p:spPr/>
-        <p:txBody>
-          <a:bodyPr/>
-          <a:lstStyle/>
-          <a:p>
-            <a:endParaRPr lang="zh-CN" altLang="en-US"/>
-          </a:p>
-        </p:txBody>
-      </p:sp>
-      <p:sp>
-        <p:nvSpPr>
-          <p:cNvPr id="7" name="灯片编号占位符 6">
-            <a:extLst>
-              <a:ext uri="{FF2B5EF4-FFF2-40B4-BE49-F238E27FC236}">
-                <a16:creationId xmlns:a16="http://schemas.microsoft.com/office/drawing/2014/main" id="{8C1BC174-C336-4006-BC74-0DF2E8D46659}"/>
-              </a:ext>
-            </a:extLst>
-          </p:cNvPr>
+          <p:cNvPr id="7" name="灯片编号占位符 6"/>
           <p:cNvSpPr>
             <a:spLocks noGrp="1"/>
           </p:cNvSpPr>
@@ -1463,7 +2963,7 @@
     </p:spTree>
     <p:extLst>
       <p:ext uri="{BB962C8B-B14F-4D97-AF65-F5344CB8AC3E}">
-        <p14:creationId xmlns:p14="http://schemas.microsoft.com/office/powerpoint/2010/main" val="2890915928"/>
+        <p14:creationId xmlns:p14="http://schemas.microsoft.com/office/powerpoint/2010/main" val="1517358051"/>
       </p:ext>
     </p:extLst>
   </p:cSld>
@@ -1490,15 +2990,203 @@
           <a:chExt cx="0" cy="0"/>
         </a:xfrm>
       </p:grpSpPr>
-      <p:sp>
-        <p:nvSpPr>
-          <p:cNvPr id="2" name="标题 1">
+      <p:grpSp>
+        <p:nvGrpSpPr>
+          <p:cNvPr id="10" name="组合 9">
             <a:extLst>
               <a:ext uri="{FF2B5EF4-FFF2-40B4-BE49-F238E27FC236}">
-                <a16:creationId xmlns:a16="http://schemas.microsoft.com/office/drawing/2014/main" id="{ADE4CAF0-AA66-496C-BE00-BA6E0CA40957}"/>
+                <a16:creationId xmlns:a16="http://schemas.microsoft.com/office/drawing/2014/main" id="{0F997A75-5537-440A-81DD-40FE6869741F}"/>
               </a:ext>
             </a:extLst>
           </p:cNvPr>
+          <p:cNvGrpSpPr/>
+          <p:nvPr/>
+        </p:nvGrpSpPr>
+        <p:grpSpPr>
+          <a:xfrm>
+            <a:off x="0" y="-24"/>
+            <a:ext cx="12192000" cy="863601"/>
+            <a:chOff x="0" y="-26988"/>
+            <a:chExt cx="9144000" cy="863601"/>
+          </a:xfrm>
+        </p:grpSpPr>
+        <p:sp>
+          <p:nvSpPr>
+            <p:cNvPr id="11" name="标题 3">
+              <a:extLst>
+                <a:ext uri="{FF2B5EF4-FFF2-40B4-BE49-F238E27FC236}">
+                  <a16:creationId xmlns:a16="http://schemas.microsoft.com/office/drawing/2014/main" id="{7CE531F4-6090-42D3-A92F-67A519F6D078}"/>
+                </a:ext>
+              </a:extLst>
+            </p:cNvPr>
+            <p:cNvSpPr txBox="1">
+              <a:spLocks/>
+            </p:cNvSpPr>
+            <p:nvPr/>
+          </p:nvSpPr>
+          <p:spPr>
+            <a:xfrm>
+              <a:off x="0" y="-26988"/>
+              <a:ext cx="9144000" cy="863601"/>
+            </a:xfrm>
+            <a:prstGeom prst="rect">
+              <a:avLst/>
+            </a:prstGeom>
+            <a:solidFill>
+              <a:srgbClr val="02409A"/>
+            </a:solidFill>
+            <a:ln>
+              <a:noFill/>
+            </a:ln>
+            <a:effectLst/>
+          </p:spPr>
+          <p:txBody>
+            <a:bodyPr tIns="0" bIns="0" anchor="ctr"/>
+            <a:lstStyle/>
+            <a:p>
+              <a:pPr algn="ctr">
+                <a:spcBef>
+                  <a:spcPct val="0"/>
+                </a:spcBef>
+                <a:defRPr/>
+              </a:pPr>
+              <a:endParaRPr lang="zh-CN" altLang="en-US" sz="4800" b="1" dirty="0">
+                <a:solidFill>
+                  <a:prstClr val="white"/>
+                </a:solidFill>
+                <a:latin typeface="微软雅黑" pitchFamily="34" charset="-122"/>
+                <a:ea typeface="微软雅黑" pitchFamily="34" charset="-122"/>
+              </a:endParaRPr>
+            </a:p>
+          </p:txBody>
+        </p:sp>
+        <p:cxnSp>
+          <p:nvCxnSpPr>
+            <p:cNvPr id="12" name="直接连接符 19">
+              <a:extLst>
+                <a:ext uri="{FF2B5EF4-FFF2-40B4-BE49-F238E27FC236}">
+                  <a16:creationId xmlns:a16="http://schemas.microsoft.com/office/drawing/2014/main" id="{0C3A453E-A72A-4D5D-A50D-04D166C5F790}"/>
+                </a:ext>
+              </a:extLst>
+            </p:cNvPr>
+            <p:cNvCxnSpPr>
+              <a:cxnSpLocks/>
+            </p:cNvCxnSpPr>
+            <p:nvPr/>
+          </p:nvCxnSpPr>
+          <p:spPr bwMode="auto">
+            <a:xfrm flipH="1">
+              <a:off x="449263" y="-25400"/>
+              <a:ext cx="1587" cy="841375"/>
+            </a:xfrm>
+            <a:prstGeom prst="line">
+              <a:avLst/>
+            </a:prstGeom>
+            <a:noFill/>
+            <a:ln w="28575" algn="ctr">
+              <a:solidFill>
+                <a:schemeClr val="bg1"/>
+              </a:solidFill>
+              <a:round/>
+              <a:headEnd/>
+              <a:tailEnd/>
+            </a:ln>
+            <a:effectLst/>
+            <a:extLst>
+              <a:ext uri="{909E8E84-426E-40DD-AFC4-6F175D3DCCD1}">
+                <a14:hiddenFill xmlns:a14="http://schemas.microsoft.com/office/drawing/2010/main">
+                  <a:noFill/>
+                </a14:hiddenFill>
+              </a:ext>
+            </a:extLst>
+          </p:spPr>
+        </p:cxnSp>
+        <p:cxnSp>
+          <p:nvCxnSpPr>
+            <p:cNvPr id="13" name="直接连接符 20">
+              <a:extLst>
+                <a:ext uri="{FF2B5EF4-FFF2-40B4-BE49-F238E27FC236}">
+                  <a16:creationId xmlns:a16="http://schemas.microsoft.com/office/drawing/2014/main" id="{7AB50A70-8E93-4820-AAE5-F7D6D8ED343D}"/>
+                </a:ext>
+              </a:extLst>
+            </p:cNvPr>
+            <p:cNvCxnSpPr>
+              <a:cxnSpLocks/>
+            </p:cNvCxnSpPr>
+            <p:nvPr/>
+          </p:nvCxnSpPr>
+          <p:spPr bwMode="auto">
+            <a:xfrm flipH="1">
+              <a:off x="511175" y="-26988"/>
+              <a:ext cx="1588" cy="554038"/>
+            </a:xfrm>
+            <a:prstGeom prst="line">
+              <a:avLst/>
+            </a:prstGeom>
+            <a:noFill/>
+            <a:ln w="28575" algn="ctr">
+              <a:solidFill>
+                <a:schemeClr val="bg1"/>
+              </a:solidFill>
+              <a:round/>
+              <a:headEnd/>
+              <a:tailEnd/>
+            </a:ln>
+            <a:effectLst/>
+            <a:extLst>
+              <a:ext uri="{909E8E84-426E-40DD-AFC4-6F175D3DCCD1}">
+                <a14:hiddenFill xmlns:a14="http://schemas.microsoft.com/office/drawing/2010/main">
+                  <a:noFill/>
+                </a14:hiddenFill>
+              </a:ext>
+            </a:extLst>
+          </p:spPr>
+        </p:cxnSp>
+        <p:cxnSp>
+          <p:nvCxnSpPr>
+            <p:cNvPr id="14" name="直接连接符 30">
+              <a:extLst>
+                <a:ext uri="{FF2B5EF4-FFF2-40B4-BE49-F238E27FC236}">
+                  <a16:creationId xmlns:a16="http://schemas.microsoft.com/office/drawing/2014/main" id="{BC8A1772-E37A-4276-BC13-2F9DFCB9E34A}"/>
+                </a:ext>
+              </a:extLst>
+            </p:cNvPr>
+            <p:cNvCxnSpPr>
+              <a:cxnSpLocks/>
+            </p:cNvCxnSpPr>
+            <p:nvPr/>
+          </p:nvCxnSpPr>
+          <p:spPr bwMode="auto">
+            <a:xfrm>
+              <a:off x="576263" y="-26988"/>
+              <a:ext cx="0" cy="298451"/>
+            </a:xfrm>
+            <a:prstGeom prst="line">
+              <a:avLst/>
+            </a:prstGeom>
+            <a:noFill/>
+            <a:ln w="28575" algn="ctr">
+              <a:solidFill>
+                <a:schemeClr val="bg1"/>
+              </a:solidFill>
+              <a:round/>
+              <a:headEnd/>
+              <a:tailEnd/>
+            </a:ln>
+            <a:effectLst/>
+            <a:extLst>
+              <a:ext uri="{909E8E84-426E-40DD-AFC4-6F175D3DCCD1}">
+                <a14:hiddenFill xmlns:a14="http://schemas.microsoft.com/office/drawing/2010/main">
+                  <a:noFill/>
+                </a14:hiddenFill>
+              </a:ext>
+            </a:extLst>
+          </p:spPr>
+        </p:cxnSp>
+      </p:grpSp>
+      <p:sp>
+        <p:nvSpPr>
+          <p:cNvPr id="2" name="标题 1"/>
           <p:cNvSpPr>
             <a:spLocks noGrp="1"/>
           </p:cNvSpPr>
@@ -1508,30 +3196,46 @@
         </p:nvSpPr>
         <p:spPr>
           <a:xfrm>
-            <a:off x="839788" y="365125"/>
-            <a:ext cx="10515600" cy="1325563"/>
+            <a:off x="829733" y="169838"/>
+            <a:ext cx="11118683" cy="561999"/>
           </a:xfrm>
+          <a:prstGeom prst="rect">
+            <a:avLst/>
+          </a:prstGeom>
         </p:spPr>
         <p:txBody>
-          <a:bodyPr/>
-          <a:lstStyle/>
-          <a:p>
+          <a:bodyPr vert="horz" lIns="91440" tIns="45720" rIns="91440" bIns="45720" rtlCol="0" anchor="ctr">
+            <a:normAutofit/>
+          </a:bodyPr>
+          <a:lstStyle>
+            <a:lvl1pPr algn="l">
+              <a:defRPr lang="zh-CN" altLang="en-US" sz="3000" b="1" dirty="0">
+                <a:solidFill>
+                  <a:prstClr val="white"/>
+                </a:solidFill>
+                <a:latin typeface="微软雅黑" panose="020B0503020204020204" pitchFamily="34" charset="-122"/>
+                <a:ea typeface="微软雅黑" panose="020B0503020204020204" pitchFamily="34" charset="-122"/>
+                <a:cs typeface="Arial" pitchFamily="34" charset="0"/>
+              </a:defRPr>
+            </a:lvl1pPr>
+          </a:lstStyle>
+          <a:p>
+            <a:pPr marL="0" lvl="0" algn="l" fontAlgn="base">
+              <a:spcAft>
+                <a:spcPct val="0"/>
+              </a:spcAft>
+            </a:pPr>
             <a:r>
               <a:rPr lang="zh-CN" altLang="en-US"/>
               <a:t>单击此处编辑母版标题样式</a:t>
             </a:r>
-          </a:p>
-        </p:txBody>
-      </p:sp>
-      <p:sp>
-        <p:nvSpPr>
-          <p:cNvPr id="3" name="文本占位符 2">
-            <a:extLst>
-              <a:ext uri="{FF2B5EF4-FFF2-40B4-BE49-F238E27FC236}">
-                <a16:creationId xmlns:a16="http://schemas.microsoft.com/office/drawing/2014/main" id="{41D9D75F-998B-4C5F-A29C-D8329C56ABC1}"/>
-              </a:ext>
-            </a:extLst>
-          </p:cNvPr>
+            <a:endParaRPr lang="zh-CN" altLang="en-US" dirty="0"/>
+          </a:p>
+        </p:txBody>
+      </p:sp>
+      <p:sp>
+        <p:nvSpPr>
+          <p:cNvPr id="3" name="文本占位符 2"/>
           <p:cNvSpPr>
             <a:spLocks noGrp="1"/>
           </p:cNvSpPr>
@@ -1541,8 +3245,8 @@
         </p:nvSpPr>
         <p:spPr>
           <a:xfrm>
-            <a:off x="839788" y="1681163"/>
-            <a:ext cx="5157787" cy="823912"/>
+            <a:off x="609600" y="1033439"/>
+            <a:ext cx="5386917" cy="639762"/>
           </a:xfrm>
         </p:spPr>
         <p:txBody>
@@ -1596,13 +3300,7 @@
       </p:sp>
       <p:sp>
         <p:nvSpPr>
-          <p:cNvPr id="4" name="内容占位符 3">
-            <a:extLst>
-              <a:ext uri="{FF2B5EF4-FFF2-40B4-BE49-F238E27FC236}">
-                <a16:creationId xmlns:a16="http://schemas.microsoft.com/office/drawing/2014/main" id="{B4285041-E567-4E6A-A900-973E2A44E464}"/>
-              </a:ext>
-            </a:extLst>
-          </p:cNvPr>
+          <p:cNvPr id="4" name="内容占位符 3"/>
           <p:cNvSpPr>
             <a:spLocks noGrp="1"/>
           </p:cNvSpPr>
@@ -1612,13 +3310,45 @@
         </p:nvSpPr>
         <p:spPr>
           <a:xfrm>
-            <a:off x="839788" y="2505075"/>
-            <a:ext cx="5157787" cy="3684588"/>
+            <a:off x="609600" y="1673201"/>
+            <a:ext cx="5386917" cy="4452962"/>
           </a:xfrm>
         </p:spPr>
         <p:txBody>
           <a:bodyPr/>
-          <a:lstStyle/>
+          <a:lstStyle>
+            <a:lvl1pPr marL="342900" indent="-342900">
+              <a:buFont typeface="Wingdings" panose="05000000000000000000" pitchFamily="2" charset="2"/>
+              <a:buChar char="Ø"/>
+              <a:defRPr sz="2400"/>
+            </a:lvl1pPr>
+            <a:lvl2pPr marL="742950" indent="-285750">
+              <a:buFont typeface="Wingdings" panose="05000000000000000000" pitchFamily="2" charset="2"/>
+              <a:buChar char="n"/>
+              <a:defRPr sz="2000"/>
+            </a:lvl2pPr>
+            <a:lvl3pPr>
+              <a:defRPr sz="1800"/>
+            </a:lvl3pPr>
+            <a:lvl4pPr>
+              <a:defRPr sz="1600"/>
+            </a:lvl4pPr>
+            <a:lvl5pPr>
+              <a:defRPr sz="1600"/>
+            </a:lvl5pPr>
+            <a:lvl6pPr>
+              <a:defRPr sz="1600"/>
+            </a:lvl6pPr>
+            <a:lvl7pPr>
+              <a:defRPr sz="1600"/>
+            </a:lvl7pPr>
+            <a:lvl8pPr>
+              <a:defRPr sz="1600"/>
+            </a:lvl8pPr>
+            <a:lvl9pPr>
+              <a:defRPr sz="1600"/>
+            </a:lvl9pPr>
+          </a:lstStyle>
           <a:p>
             <a:pPr lvl="0"/>
             <a:r>
@@ -1653,18 +3383,13 @@
               <a:rPr lang="zh-CN" altLang="en-US"/>
               <a:t>五级</a:t>
             </a:r>
-          </a:p>
-        </p:txBody>
-      </p:sp>
-      <p:sp>
-        <p:nvSpPr>
-          <p:cNvPr id="5" name="文本占位符 4">
-            <a:extLst>
-              <a:ext uri="{FF2B5EF4-FFF2-40B4-BE49-F238E27FC236}">
-                <a16:creationId xmlns:a16="http://schemas.microsoft.com/office/drawing/2014/main" id="{E65F796D-3536-4906-B380-870BB4F689ED}"/>
-              </a:ext>
-            </a:extLst>
-          </p:cNvPr>
+            <a:endParaRPr lang="zh-CN" altLang="en-US" dirty="0"/>
+          </a:p>
+        </p:txBody>
+      </p:sp>
+      <p:sp>
+        <p:nvSpPr>
+          <p:cNvPr id="5" name="文本占位符 4"/>
           <p:cNvSpPr>
             <a:spLocks noGrp="1"/>
           </p:cNvSpPr>
@@ -1674,8 +3399,8 @@
         </p:nvSpPr>
         <p:spPr>
           <a:xfrm>
-            <a:off x="6172200" y="1681163"/>
-            <a:ext cx="5183188" cy="823912"/>
+            <a:off x="6193368" y="1033439"/>
+            <a:ext cx="5389033" cy="639762"/>
           </a:xfrm>
         </p:spPr>
         <p:txBody>
@@ -1729,13 +3454,7 @@
       </p:sp>
       <p:sp>
         <p:nvSpPr>
-          <p:cNvPr id="6" name="内容占位符 5">
-            <a:extLst>
-              <a:ext uri="{FF2B5EF4-FFF2-40B4-BE49-F238E27FC236}">
-                <a16:creationId xmlns:a16="http://schemas.microsoft.com/office/drawing/2014/main" id="{765677B5-D1D9-48EF-9167-BD1A902C2E79}"/>
-              </a:ext>
-            </a:extLst>
-          </p:cNvPr>
+          <p:cNvPr id="6" name="内容占位符 5"/>
           <p:cNvSpPr>
             <a:spLocks noGrp="1"/>
           </p:cNvSpPr>
@@ -1745,13 +3464,45 @@
         </p:nvSpPr>
         <p:spPr>
           <a:xfrm>
-            <a:off x="6172200" y="2505075"/>
-            <a:ext cx="5183188" cy="3684588"/>
+            <a:off x="6193368" y="1673201"/>
+            <a:ext cx="5389033" cy="4452962"/>
           </a:xfrm>
         </p:spPr>
         <p:txBody>
           <a:bodyPr/>
-          <a:lstStyle/>
+          <a:lstStyle>
+            <a:lvl1pPr marL="342900" indent="-342900">
+              <a:buFont typeface="Wingdings" panose="05000000000000000000" pitchFamily="2" charset="2"/>
+              <a:buChar char="Ø"/>
+              <a:defRPr sz="2400"/>
+            </a:lvl1pPr>
+            <a:lvl2pPr marL="742950" indent="-285750">
+              <a:buFont typeface="Wingdings" panose="05000000000000000000" pitchFamily="2" charset="2"/>
+              <a:buChar char="n"/>
+              <a:defRPr sz="2000"/>
+            </a:lvl2pPr>
+            <a:lvl3pPr>
+              <a:defRPr sz="1800"/>
+            </a:lvl3pPr>
+            <a:lvl4pPr>
+              <a:defRPr sz="1600"/>
+            </a:lvl4pPr>
+            <a:lvl5pPr>
+              <a:defRPr sz="1600"/>
+            </a:lvl5pPr>
+            <a:lvl6pPr>
+              <a:defRPr sz="1600"/>
+            </a:lvl6pPr>
+            <a:lvl7pPr>
+              <a:defRPr sz="1600"/>
+            </a:lvl7pPr>
+            <a:lvl8pPr>
+              <a:defRPr sz="1600"/>
+            </a:lvl8pPr>
+            <a:lvl9pPr>
+              <a:defRPr sz="1600"/>
+            </a:lvl9pPr>
+          </a:lstStyle>
           <a:p>
             <a:pPr lvl="0"/>
             <a:r>
@@ -1786,18 +3537,13 @@
               <a:rPr lang="zh-CN" altLang="en-US"/>
               <a:t>五级</a:t>
             </a:r>
-          </a:p>
-        </p:txBody>
-      </p:sp>
-      <p:sp>
-        <p:nvSpPr>
-          <p:cNvPr id="7" name="日期占位符 6">
-            <a:extLst>
-              <a:ext uri="{FF2B5EF4-FFF2-40B4-BE49-F238E27FC236}">
-                <a16:creationId xmlns:a16="http://schemas.microsoft.com/office/drawing/2014/main" id="{6715DF60-9D49-4626-9521-EF295A104F3A}"/>
-              </a:ext>
-            </a:extLst>
-          </p:cNvPr>
+            <a:endParaRPr lang="zh-CN" altLang="en-US" dirty="0"/>
+          </a:p>
+        </p:txBody>
+      </p:sp>
+      <p:sp>
+        <p:nvSpPr>
+          <p:cNvPr id="7" name="日期占位符 6"/>
           <p:cNvSpPr>
             <a:spLocks noGrp="1"/>
           </p:cNvSpPr>
@@ -1812,7 +3558,7 @@
           <a:p>
             <a:fld id="{631EAFFE-823F-4DDC-BE73-DF0D66C78ADF}" type="datetimeFigureOut">
               <a:rPr lang="zh-CN" altLang="en-US" smtClean="0"/>
-              <a:t>2020/6/20</a:t>
+              <a:t>2020/7/11</a:t>
             </a:fld>
             <a:endParaRPr lang="zh-CN" altLang="en-US"/>
           </a:p>
@@ -1820,13 +3566,7 @@
       </p:sp>
       <p:sp>
         <p:nvSpPr>
-          <p:cNvPr id="8" name="页脚占位符 7">
-            <a:extLst>
-              <a:ext uri="{FF2B5EF4-FFF2-40B4-BE49-F238E27FC236}">
-                <a16:creationId xmlns:a16="http://schemas.microsoft.com/office/drawing/2014/main" id="{DD993A51-4BD1-4C04-9A9A-29E177D82CB6}"/>
-              </a:ext>
-            </a:extLst>
-          </p:cNvPr>
+          <p:cNvPr id="8" name="页脚占位符 7"/>
           <p:cNvSpPr>
             <a:spLocks noGrp="1"/>
           </p:cNvSpPr>
@@ -1845,13 +3585,7 @@
       </p:sp>
       <p:sp>
         <p:nvSpPr>
-          <p:cNvPr id="9" name="灯片编号占位符 8">
-            <a:extLst>
-              <a:ext uri="{FF2B5EF4-FFF2-40B4-BE49-F238E27FC236}">
-                <a16:creationId xmlns:a16="http://schemas.microsoft.com/office/drawing/2014/main" id="{0B3943AB-52E4-4FD7-B547-F4FF4528491E}"/>
-              </a:ext>
-            </a:extLst>
-          </p:cNvPr>
+          <p:cNvPr id="9" name="灯片编号占位符 8"/>
           <p:cNvSpPr>
             <a:spLocks noGrp="1"/>
           </p:cNvSpPr>
@@ -1875,7 +3609,7 @@
     </p:spTree>
     <p:extLst>
       <p:ext uri="{BB962C8B-B14F-4D97-AF65-F5344CB8AC3E}">
-        <p14:creationId xmlns:p14="http://schemas.microsoft.com/office/powerpoint/2010/main" val="2249189140"/>
+        <p14:creationId xmlns:p14="http://schemas.microsoft.com/office/powerpoint/2010/main" val="843097889"/>
       </p:ext>
     </p:extLst>
   </p:cSld>
@@ -1902,20 +3636,257 @@
           <a:chExt cx="0" cy="0"/>
         </a:xfrm>
       </p:grpSpPr>
-      <p:sp>
-        <p:nvSpPr>
-          <p:cNvPr id="2" name="标题 1">
+      <p:grpSp>
+        <p:nvGrpSpPr>
+          <p:cNvPr id="6" name="组合 5">
             <a:extLst>
               <a:ext uri="{FF2B5EF4-FFF2-40B4-BE49-F238E27FC236}">
-                <a16:creationId xmlns:a16="http://schemas.microsoft.com/office/drawing/2014/main" id="{0BA3023A-FB3D-4734-97B1-36295D628A50}"/>
+                <a16:creationId xmlns:a16="http://schemas.microsoft.com/office/drawing/2014/main" id="{A12912D2-0DF4-4AFD-987D-E4A4BE79C44B}"/>
               </a:ext>
             </a:extLst>
           </p:cNvPr>
+          <p:cNvGrpSpPr/>
+          <p:nvPr/>
+        </p:nvGrpSpPr>
+        <p:grpSpPr>
+          <a:xfrm>
+            <a:off x="0" y="-24"/>
+            <a:ext cx="12192000" cy="863601"/>
+            <a:chOff x="0" y="-26988"/>
+            <a:chExt cx="9144000" cy="863601"/>
+          </a:xfrm>
+        </p:grpSpPr>
+        <p:sp>
+          <p:nvSpPr>
+            <p:cNvPr id="7" name="标题 3">
+              <a:extLst>
+                <a:ext uri="{FF2B5EF4-FFF2-40B4-BE49-F238E27FC236}">
+                  <a16:creationId xmlns:a16="http://schemas.microsoft.com/office/drawing/2014/main" id="{EE11A992-40E0-4E14-AC49-D270EDB90950}"/>
+                </a:ext>
+              </a:extLst>
+            </p:cNvPr>
+            <p:cNvSpPr txBox="1">
+              <a:spLocks/>
+            </p:cNvSpPr>
+            <p:nvPr/>
+          </p:nvSpPr>
+          <p:spPr>
+            <a:xfrm>
+              <a:off x="0" y="-26988"/>
+              <a:ext cx="9144000" cy="863601"/>
+            </a:xfrm>
+            <a:prstGeom prst="rect">
+              <a:avLst/>
+            </a:prstGeom>
+            <a:solidFill>
+              <a:srgbClr val="02409A"/>
+            </a:solidFill>
+            <a:ln>
+              <a:noFill/>
+            </a:ln>
+            <a:effectLst/>
+          </p:spPr>
+          <p:txBody>
+            <a:bodyPr tIns="0" bIns="0" anchor="ctr"/>
+            <a:lstStyle/>
+            <a:p>
+              <a:pPr algn="ctr">
+                <a:spcBef>
+                  <a:spcPct val="0"/>
+                </a:spcBef>
+                <a:defRPr/>
+              </a:pPr>
+              <a:endParaRPr lang="zh-CN" altLang="en-US" sz="4800" b="1" dirty="0">
+                <a:solidFill>
+                  <a:prstClr val="white"/>
+                </a:solidFill>
+                <a:latin typeface="微软雅黑" pitchFamily="34" charset="-122"/>
+                <a:ea typeface="微软雅黑" pitchFamily="34" charset="-122"/>
+              </a:endParaRPr>
+            </a:p>
+          </p:txBody>
+        </p:sp>
+        <p:cxnSp>
+          <p:nvCxnSpPr>
+            <p:cNvPr id="8" name="直接连接符 19">
+              <a:extLst>
+                <a:ext uri="{FF2B5EF4-FFF2-40B4-BE49-F238E27FC236}">
+                  <a16:creationId xmlns:a16="http://schemas.microsoft.com/office/drawing/2014/main" id="{5DFC2A33-AB71-4FEB-8310-CC5635A08721}"/>
+                </a:ext>
+              </a:extLst>
+            </p:cNvPr>
+            <p:cNvCxnSpPr>
+              <a:cxnSpLocks/>
+            </p:cNvCxnSpPr>
+            <p:nvPr/>
+          </p:nvCxnSpPr>
+          <p:spPr bwMode="auto">
+            <a:xfrm flipH="1">
+              <a:off x="449263" y="-25400"/>
+              <a:ext cx="1587" cy="841375"/>
+            </a:xfrm>
+            <a:prstGeom prst="line">
+              <a:avLst/>
+            </a:prstGeom>
+            <a:noFill/>
+            <a:ln w="28575" algn="ctr">
+              <a:solidFill>
+                <a:schemeClr val="bg1"/>
+              </a:solidFill>
+              <a:round/>
+              <a:headEnd/>
+              <a:tailEnd/>
+            </a:ln>
+            <a:effectLst/>
+            <a:extLst>
+              <a:ext uri="{909E8E84-426E-40DD-AFC4-6F175D3DCCD1}">
+                <a14:hiddenFill xmlns:a14="http://schemas.microsoft.com/office/drawing/2010/main">
+                  <a:noFill/>
+                </a14:hiddenFill>
+              </a:ext>
+            </a:extLst>
+          </p:spPr>
+        </p:cxnSp>
+        <p:cxnSp>
+          <p:nvCxnSpPr>
+            <p:cNvPr id="9" name="直接连接符 20">
+              <a:extLst>
+                <a:ext uri="{FF2B5EF4-FFF2-40B4-BE49-F238E27FC236}">
+                  <a16:creationId xmlns:a16="http://schemas.microsoft.com/office/drawing/2014/main" id="{7EDE707B-1815-4F6E-AE62-356B0843661F}"/>
+                </a:ext>
+              </a:extLst>
+            </p:cNvPr>
+            <p:cNvCxnSpPr>
+              <a:cxnSpLocks/>
+            </p:cNvCxnSpPr>
+            <p:nvPr/>
+          </p:nvCxnSpPr>
+          <p:spPr bwMode="auto">
+            <a:xfrm flipH="1">
+              <a:off x="511175" y="-26988"/>
+              <a:ext cx="1588" cy="554038"/>
+            </a:xfrm>
+            <a:prstGeom prst="line">
+              <a:avLst/>
+            </a:prstGeom>
+            <a:noFill/>
+            <a:ln w="28575" algn="ctr">
+              <a:solidFill>
+                <a:schemeClr val="bg1"/>
+              </a:solidFill>
+              <a:round/>
+              <a:headEnd/>
+              <a:tailEnd/>
+            </a:ln>
+            <a:effectLst/>
+            <a:extLst>
+              <a:ext uri="{909E8E84-426E-40DD-AFC4-6F175D3DCCD1}">
+                <a14:hiddenFill xmlns:a14="http://schemas.microsoft.com/office/drawing/2010/main">
+                  <a:noFill/>
+                </a14:hiddenFill>
+              </a:ext>
+            </a:extLst>
+          </p:spPr>
+        </p:cxnSp>
+        <p:cxnSp>
+          <p:nvCxnSpPr>
+            <p:cNvPr id="10" name="直接连接符 30">
+              <a:extLst>
+                <a:ext uri="{FF2B5EF4-FFF2-40B4-BE49-F238E27FC236}">
+                  <a16:creationId xmlns:a16="http://schemas.microsoft.com/office/drawing/2014/main" id="{503B0CE3-D7D8-4814-9D62-C1B54623C0E5}"/>
+                </a:ext>
+              </a:extLst>
+            </p:cNvPr>
+            <p:cNvCxnSpPr>
+              <a:cxnSpLocks/>
+            </p:cNvCxnSpPr>
+            <p:nvPr/>
+          </p:nvCxnSpPr>
+          <p:spPr bwMode="auto">
+            <a:xfrm>
+              <a:off x="576263" y="-26988"/>
+              <a:ext cx="0" cy="298451"/>
+            </a:xfrm>
+            <a:prstGeom prst="line">
+              <a:avLst/>
+            </a:prstGeom>
+            <a:noFill/>
+            <a:ln w="28575" algn="ctr">
+              <a:solidFill>
+                <a:schemeClr val="bg1"/>
+              </a:solidFill>
+              <a:round/>
+              <a:headEnd/>
+              <a:tailEnd/>
+            </a:ln>
+            <a:effectLst/>
+            <a:extLst>
+              <a:ext uri="{909E8E84-426E-40DD-AFC4-6F175D3DCCD1}">
+                <a14:hiddenFill xmlns:a14="http://schemas.microsoft.com/office/drawing/2010/main">
+                  <a:noFill/>
+                </a14:hiddenFill>
+              </a:ext>
+            </a:extLst>
+          </p:spPr>
+        </p:cxnSp>
+      </p:grpSp>
+      <p:sp>
+        <p:nvSpPr>
+          <p:cNvPr id="2" name="标题 1"/>
           <p:cNvSpPr>
             <a:spLocks noGrp="1"/>
           </p:cNvSpPr>
           <p:nvPr>
             <p:ph type="title"/>
+          </p:nvPr>
+        </p:nvSpPr>
+        <p:spPr>
+          <a:xfrm>
+            <a:off x="829733" y="169838"/>
+            <a:ext cx="11118683" cy="561999"/>
+          </a:xfrm>
+          <a:prstGeom prst="rect">
+            <a:avLst/>
+          </a:prstGeom>
+        </p:spPr>
+        <p:txBody>
+          <a:bodyPr vert="horz" lIns="91440" tIns="45720" rIns="91440" bIns="45720" rtlCol="0" anchor="ctr">
+            <a:normAutofit/>
+          </a:bodyPr>
+          <a:lstStyle>
+            <a:lvl1pPr algn="l">
+              <a:defRPr lang="zh-CN" altLang="en-US" sz="3000" b="1" dirty="0">
+                <a:solidFill>
+                  <a:prstClr val="white"/>
+                </a:solidFill>
+                <a:latin typeface="微软雅黑" panose="020B0503020204020204" pitchFamily="34" charset="-122"/>
+                <a:ea typeface="微软雅黑" panose="020B0503020204020204" pitchFamily="34" charset="-122"/>
+                <a:cs typeface="Arial" pitchFamily="34" charset="0"/>
+              </a:defRPr>
+            </a:lvl1pPr>
+          </a:lstStyle>
+          <a:p>
+            <a:pPr marL="0" lvl="0" algn="l" fontAlgn="base">
+              <a:spcAft>
+                <a:spcPct val="0"/>
+              </a:spcAft>
+            </a:pPr>
+            <a:r>
+              <a:rPr lang="zh-CN" altLang="en-US"/>
+              <a:t>单击此处编辑母版标题样式</a:t>
+            </a:r>
+            <a:endParaRPr lang="zh-CN" altLang="en-US" dirty="0"/>
+          </a:p>
+        </p:txBody>
+      </p:sp>
+      <p:sp>
+        <p:nvSpPr>
+          <p:cNvPr id="3" name="日期占位符 2"/>
+          <p:cNvSpPr>
+            <a:spLocks noGrp="1"/>
+          </p:cNvSpPr>
+          <p:nvPr>
+            <p:ph type="dt" sz="half" idx="10"/>
           </p:nvPr>
         </p:nvSpPr>
         <p:spPr/>
@@ -1923,27 +3894,22 @@
           <a:bodyPr/>
           <a:lstStyle/>
           <a:p>
-            <a:r>
-              <a:rPr lang="zh-CN" altLang="en-US"/>
-              <a:t>单击此处编辑母版标题样式</a:t>
-            </a:r>
-          </a:p>
-        </p:txBody>
-      </p:sp>
-      <p:sp>
-        <p:nvSpPr>
-          <p:cNvPr id="3" name="日期占位符 2">
-            <a:extLst>
-              <a:ext uri="{FF2B5EF4-FFF2-40B4-BE49-F238E27FC236}">
-                <a16:creationId xmlns:a16="http://schemas.microsoft.com/office/drawing/2014/main" id="{A78DFA45-6994-4158-B000-00A82F9BE2EA}"/>
-              </a:ext>
-            </a:extLst>
-          </p:cNvPr>
-          <p:cNvSpPr>
-            <a:spLocks noGrp="1"/>
-          </p:cNvSpPr>
-          <p:nvPr>
-            <p:ph type="dt" sz="half" idx="10"/>
+            <a:fld id="{631EAFFE-823F-4DDC-BE73-DF0D66C78ADF}" type="datetimeFigureOut">
+              <a:rPr lang="zh-CN" altLang="en-US" smtClean="0"/>
+              <a:t>2020/7/11</a:t>
+            </a:fld>
+            <a:endParaRPr lang="zh-CN" altLang="en-US"/>
+          </a:p>
+        </p:txBody>
+      </p:sp>
+      <p:sp>
+        <p:nvSpPr>
+          <p:cNvPr id="4" name="页脚占位符 3"/>
+          <p:cNvSpPr>
+            <a:spLocks noGrp="1"/>
+          </p:cNvSpPr>
+          <p:nvPr>
+            <p:ph type="ftr" sz="quarter" idx="11"/>
           </p:nvPr>
         </p:nvSpPr>
         <p:spPr/>
@@ -1951,48 +3917,13 @@
           <a:bodyPr/>
           <a:lstStyle/>
           <a:p>
-            <a:fld id="{631EAFFE-823F-4DDC-BE73-DF0D66C78ADF}" type="datetimeFigureOut">
-              <a:rPr lang="zh-CN" altLang="en-US" smtClean="0"/>
-              <a:t>2020/6/20</a:t>
-            </a:fld>
             <a:endParaRPr lang="zh-CN" altLang="en-US"/>
           </a:p>
         </p:txBody>
       </p:sp>
       <p:sp>
         <p:nvSpPr>
-          <p:cNvPr id="4" name="页脚占位符 3">
-            <a:extLst>
-              <a:ext uri="{FF2B5EF4-FFF2-40B4-BE49-F238E27FC236}">
-                <a16:creationId xmlns:a16="http://schemas.microsoft.com/office/drawing/2014/main" id="{F41C705A-07F8-409A-A2EB-126CE5BCE26C}"/>
-              </a:ext>
-            </a:extLst>
-          </p:cNvPr>
-          <p:cNvSpPr>
-            <a:spLocks noGrp="1"/>
-          </p:cNvSpPr>
-          <p:nvPr>
-            <p:ph type="ftr" sz="quarter" idx="11"/>
-          </p:nvPr>
-        </p:nvSpPr>
-        <p:spPr/>
-        <p:txBody>
-          <a:bodyPr/>
-          <a:lstStyle/>
-          <a:p>
-            <a:endParaRPr lang="zh-CN" altLang="en-US"/>
-          </a:p>
-        </p:txBody>
-      </p:sp>
-      <p:sp>
-        <p:nvSpPr>
-          <p:cNvPr id="5" name="灯片编号占位符 4">
-            <a:extLst>
-              <a:ext uri="{FF2B5EF4-FFF2-40B4-BE49-F238E27FC236}">
-                <a16:creationId xmlns:a16="http://schemas.microsoft.com/office/drawing/2014/main" id="{76C246C2-DE83-4D4B-80FA-1F2DDDB8078F}"/>
-              </a:ext>
-            </a:extLst>
-          </p:cNvPr>
+          <p:cNvPr id="5" name="灯片编号占位符 4"/>
           <p:cNvSpPr>
             <a:spLocks noGrp="1"/>
           </p:cNvSpPr>
@@ -2016,7 +3947,7 @@
     </p:spTree>
     <p:extLst>
       <p:ext uri="{BB962C8B-B14F-4D97-AF65-F5344CB8AC3E}">
-        <p14:creationId xmlns:p14="http://schemas.microsoft.com/office/powerpoint/2010/main" val="2044350963"/>
+        <p14:creationId xmlns:p14="http://schemas.microsoft.com/office/powerpoint/2010/main" val="515531546"/>
       </p:ext>
     </p:extLst>
   </p:cSld>
@@ -2045,13 +3976,7 @@
       </p:grpSpPr>
       <p:sp>
         <p:nvSpPr>
-          <p:cNvPr id="2" name="日期占位符 1">
-            <a:extLst>
-              <a:ext uri="{FF2B5EF4-FFF2-40B4-BE49-F238E27FC236}">
-                <a16:creationId xmlns:a16="http://schemas.microsoft.com/office/drawing/2014/main" id="{5270A96B-8CF4-4199-893E-0B1289C6C963}"/>
-              </a:ext>
-            </a:extLst>
-          </p:cNvPr>
+          <p:cNvPr id="2" name="日期占位符 1"/>
           <p:cNvSpPr>
             <a:spLocks noGrp="1"/>
           </p:cNvSpPr>
@@ -2066,7 +3991,7 @@
           <a:p>
             <a:fld id="{631EAFFE-823F-4DDC-BE73-DF0D66C78ADF}" type="datetimeFigureOut">
               <a:rPr lang="zh-CN" altLang="en-US" smtClean="0"/>
-              <a:t>2020/6/20</a:t>
+              <a:t>2020/7/11</a:t>
             </a:fld>
             <a:endParaRPr lang="zh-CN" altLang="en-US"/>
           </a:p>
@@ -2074,13 +3999,7 @@
       </p:sp>
       <p:sp>
         <p:nvSpPr>
-          <p:cNvPr id="3" name="页脚占位符 2">
-            <a:extLst>
-              <a:ext uri="{FF2B5EF4-FFF2-40B4-BE49-F238E27FC236}">
-                <a16:creationId xmlns:a16="http://schemas.microsoft.com/office/drawing/2014/main" id="{B3D65468-D1E9-4FDD-82D0-2A2853C66A74}"/>
-              </a:ext>
-            </a:extLst>
-          </p:cNvPr>
+          <p:cNvPr id="3" name="页脚占位符 2"/>
           <p:cNvSpPr>
             <a:spLocks noGrp="1"/>
           </p:cNvSpPr>
@@ -2099,13 +4018,7 @@
       </p:sp>
       <p:sp>
         <p:nvSpPr>
-          <p:cNvPr id="4" name="灯片编号占位符 3">
-            <a:extLst>
-              <a:ext uri="{FF2B5EF4-FFF2-40B4-BE49-F238E27FC236}">
-                <a16:creationId xmlns:a16="http://schemas.microsoft.com/office/drawing/2014/main" id="{A058C9B7-67C7-4CE3-8D41-C16C7CF7A6FA}"/>
-              </a:ext>
-            </a:extLst>
-          </p:cNvPr>
+          <p:cNvPr id="4" name="灯片编号占位符 3"/>
           <p:cNvSpPr>
             <a:spLocks noGrp="1"/>
           </p:cNvSpPr>
@@ -2129,7 +4042,7 @@
     </p:spTree>
     <p:extLst>
       <p:ext uri="{BB962C8B-B14F-4D97-AF65-F5344CB8AC3E}">
-        <p14:creationId xmlns:p14="http://schemas.microsoft.com/office/powerpoint/2010/main" val="1677706290"/>
+        <p14:creationId xmlns:p14="http://schemas.microsoft.com/office/powerpoint/2010/main" val="692178474"/>
       </p:ext>
     </p:extLst>
   </p:cSld>
@@ -2140,6 +4053,443 @@
 </file>
 
 <file path=ppt/slideLayouts/slideLayout8.xml><?xml version="1.0" encoding="utf-8"?>
+<p:sldLayout xmlns:a="http://schemas.openxmlformats.org/drawingml/2006/main" xmlns:r="http://schemas.openxmlformats.org/officeDocument/2006/relationships" xmlns:p="http://schemas.openxmlformats.org/presentationml/2006/main" preserve="1">
+  <p:cSld name="致谢">
+    <p:spTree>
+      <p:nvGrpSpPr>
+        <p:cNvPr id="1" name=""/>
+        <p:cNvGrpSpPr/>
+        <p:nvPr/>
+      </p:nvGrpSpPr>
+      <p:grpSpPr>
+        <a:xfrm>
+          <a:off x="0" y="0"/>
+          <a:ext cx="0" cy="0"/>
+          <a:chOff x="0" y="0"/>
+          <a:chExt cx="0" cy="0"/>
+        </a:xfrm>
+      </p:grpSpPr>
+      <p:sp>
+        <p:nvSpPr>
+          <p:cNvPr id="3" name="日期占位符 2">
+            <a:extLst>
+              <a:ext uri="{FF2B5EF4-FFF2-40B4-BE49-F238E27FC236}">
+                <a16:creationId xmlns:a16="http://schemas.microsoft.com/office/drawing/2014/main" id="{4FB062C8-8753-4729-A2AC-00E51378E261}"/>
+              </a:ext>
+            </a:extLst>
+          </p:cNvPr>
+          <p:cNvSpPr>
+            <a:spLocks noGrp="1"/>
+          </p:cNvSpPr>
+          <p:nvPr>
+            <p:ph type="dt" sz="half" idx="10"/>
+          </p:nvPr>
+        </p:nvSpPr>
+        <p:spPr/>
+        <p:txBody>
+          <a:bodyPr/>
+          <a:lstStyle/>
+          <a:p>
+            <a:fld id="{631EAFFE-823F-4DDC-BE73-DF0D66C78ADF}" type="datetimeFigureOut">
+              <a:rPr lang="zh-CN" altLang="en-US" smtClean="0"/>
+              <a:t>2020/7/11</a:t>
+            </a:fld>
+            <a:endParaRPr lang="zh-CN" altLang="en-US"/>
+          </a:p>
+        </p:txBody>
+      </p:sp>
+      <p:sp>
+        <p:nvSpPr>
+          <p:cNvPr id="4" name="页脚占位符 3">
+            <a:extLst>
+              <a:ext uri="{FF2B5EF4-FFF2-40B4-BE49-F238E27FC236}">
+                <a16:creationId xmlns:a16="http://schemas.microsoft.com/office/drawing/2014/main" id="{FB0B1FA3-89C5-42E1-BC99-5A18B6AA9534}"/>
+              </a:ext>
+            </a:extLst>
+          </p:cNvPr>
+          <p:cNvSpPr>
+            <a:spLocks noGrp="1"/>
+          </p:cNvSpPr>
+          <p:nvPr>
+            <p:ph type="ftr" sz="quarter" idx="11"/>
+          </p:nvPr>
+        </p:nvSpPr>
+        <p:spPr/>
+        <p:txBody>
+          <a:bodyPr/>
+          <a:lstStyle/>
+          <a:p>
+            <a:endParaRPr lang="zh-CN" altLang="en-US"/>
+          </a:p>
+        </p:txBody>
+      </p:sp>
+      <p:sp>
+        <p:nvSpPr>
+          <p:cNvPr id="5" name="灯片编号占位符 4">
+            <a:extLst>
+              <a:ext uri="{FF2B5EF4-FFF2-40B4-BE49-F238E27FC236}">
+                <a16:creationId xmlns:a16="http://schemas.microsoft.com/office/drawing/2014/main" id="{6372A1CF-E4C3-4C1D-9AA9-A3422C5D4CA1}"/>
+              </a:ext>
+            </a:extLst>
+          </p:cNvPr>
+          <p:cNvSpPr>
+            <a:spLocks noGrp="1"/>
+          </p:cNvSpPr>
+          <p:nvPr>
+            <p:ph type="sldNum" sz="quarter" idx="12"/>
+          </p:nvPr>
+        </p:nvSpPr>
+        <p:spPr/>
+        <p:txBody>
+          <a:bodyPr/>
+          <a:lstStyle/>
+          <a:p>
+            <a:fld id="{397309FE-0FDE-45D2-A856-D799735D9B3D}" type="slidenum">
+              <a:rPr lang="zh-CN" altLang="en-US" smtClean="0"/>
+              <a:t>‹#›</a:t>
+            </a:fld>
+            <a:endParaRPr lang="zh-CN" altLang="en-US"/>
+          </a:p>
+        </p:txBody>
+      </p:sp>
+      <p:sp>
+        <p:nvSpPr>
+          <p:cNvPr id="6" name="标题 3">
+            <a:extLst>
+              <a:ext uri="{FF2B5EF4-FFF2-40B4-BE49-F238E27FC236}">
+                <a16:creationId xmlns:a16="http://schemas.microsoft.com/office/drawing/2014/main" id="{FC290AC1-FD36-4F3C-A293-1435AA3E4C39}"/>
+              </a:ext>
+            </a:extLst>
+          </p:cNvPr>
+          <p:cNvSpPr txBox="1">
+            <a:spLocks/>
+          </p:cNvSpPr>
+          <p:nvPr/>
+        </p:nvSpPr>
+        <p:spPr>
+          <a:xfrm>
+            <a:off x="0" y="2277691"/>
+            <a:ext cx="12192000" cy="1943844"/>
+          </a:xfrm>
+          <a:prstGeom prst="rect">
+            <a:avLst/>
+          </a:prstGeom>
+          <a:solidFill>
+            <a:srgbClr val="02409A"/>
+          </a:solidFill>
+          <a:ln>
+            <a:noFill/>
+          </a:ln>
+          <a:effectLst>
+            <a:outerShdw blurRad="44450" dist="27940" dir="5400000" algn="ctr">
+              <a:srgbClr val="000000">
+                <a:alpha val="32000"/>
+              </a:srgbClr>
+            </a:outerShdw>
+          </a:effectLst>
+        </p:spPr>
+        <p:txBody>
+          <a:bodyPr tIns="0" bIns="0" anchor="ctr"/>
+          <a:lstStyle/>
+          <a:p>
+            <a:pPr algn="ctr">
+              <a:spcBef>
+                <a:spcPct val="0"/>
+              </a:spcBef>
+              <a:defRPr/>
+            </a:pPr>
+            <a:endParaRPr lang="zh-CN" altLang="en-US" sz="4800" b="1" dirty="0">
+              <a:solidFill>
+                <a:prstClr val="white"/>
+              </a:solidFill>
+              <a:latin typeface="微软雅黑" pitchFamily="34" charset="-122"/>
+              <a:ea typeface="微软雅黑" pitchFamily="34" charset="-122"/>
+            </a:endParaRPr>
+          </a:p>
+        </p:txBody>
+      </p:sp>
+      <p:sp>
+        <p:nvSpPr>
+          <p:cNvPr id="7" name="TextBox 4">
+            <a:extLst>
+              <a:ext uri="{FF2B5EF4-FFF2-40B4-BE49-F238E27FC236}">
+                <a16:creationId xmlns:a16="http://schemas.microsoft.com/office/drawing/2014/main" id="{C8842466-337A-4916-8970-BB531A1FEC01}"/>
+              </a:ext>
+            </a:extLst>
+          </p:cNvPr>
+          <p:cNvSpPr txBox="1"/>
+          <p:nvPr/>
+        </p:nvSpPr>
+        <p:spPr>
+          <a:xfrm>
+            <a:off x="1524000" y="2464783"/>
+            <a:ext cx="9144000" cy="1569660"/>
+          </a:xfrm>
+          <a:prstGeom prst="rect">
+            <a:avLst/>
+          </a:prstGeom>
+          <a:noFill/>
+        </p:spPr>
+        <p:txBody>
+          <a:bodyPr wrap="square">
+            <a:spAutoFit/>
+          </a:bodyPr>
+          <a:lstStyle/>
+          <a:p>
+            <a:pPr algn="ctr">
+              <a:defRPr/>
+            </a:pPr>
+            <a:r>
+              <a:rPr lang="zh-CN" altLang="en-US" sz="4800" b="1" dirty="0">
+                <a:solidFill>
+                  <a:prstClr val="white"/>
+                </a:solidFill>
+                <a:effectLst>
+                  <a:outerShdw blurRad="38100" dist="38100" dir="2700000" algn="tl">
+                    <a:srgbClr val="000000">
+                      <a:alpha val="43137"/>
+                    </a:srgbClr>
+                  </a:outerShdw>
+                </a:effectLst>
+                <a:latin typeface="微软雅黑" panose="020B0503020204020204" pitchFamily="34" charset="-122"/>
+                <a:ea typeface="微软雅黑" panose="020B0503020204020204" pitchFamily="34" charset="-122"/>
+              </a:rPr>
+              <a:t>  感谢各位老师和同学！</a:t>
+            </a:r>
+          </a:p>
+          <a:p>
+            <a:pPr algn="ctr">
+              <a:defRPr/>
+            </a:pPr>
+            <a:r>
+              <a:rPr lang="zh-CN" altLang="en-US" sz="4800" b="1" dirty="0">
+                <a:solidFill>
+                  <a:prstClr val="white"/>
+                </a:solidFill>
+                <a:effectLst>
+                  <a:outerShdw blurRad="38100" dist="38100" dir="2700000" algn="tl">
+                    <a:srgbClr val="000000">
+                      <a:alpha val="43137"/>
+                    </a:srgbClr>
+                  </a:outerShdw>
+                </a:effectLst>
+                <a:latin typeface="微软雅黑" panose="020B0503020204020204" pitchFamily="34" charset="-122"/>
+                <a:ea typeface="微软雅黑" panose="020B0503020204020204" pitchFamily="34" charset="-122"/>
+              </a:rPr>
+              <a:t>  请大家提出宝贵意见！</a:t>
+            </a:r>
+          </a:p>
+        </p:txBody>
+      </p:sp>
+      <p:pic>
+        <p:nvPicPr>
+          <p:cNvPr id="8" name="Picture 5">
+            <a:extLst>
+              <a:ext uri="{FF2B5EF4-FFF2-40B4-BE49-F238E27FC236}">
+                <a16:creationId xmlns:a16="http://schemas.microsoft.com/office/drawing/2014/main" id="{E45B8ADE-1A65-4AC9-9F73-9F3D7441831A}"/>
+              </a:ext>
+            </a:extLst>
+          </p:cNvPr>
+          <p:cNvPicPr>
+            <a:picLocks noChangeAspect="1" noChangeArrowheads="1"/>
+          </p:cNvPicPr>
+          <p:nvPr/>
+        </p:nvPicPr>
+        <p:blipFill>
+          <a:blip r:embed="rId2" cstate="print">
+            <a:extLst>
+              <a:ext uri="{28A0092B-C50C-407E-A947-70E740481C1C}">
+                <a14:useLocalDpi xmlns:a14="http://schemas.microsoft.com/office/drawing/2010/main" val="0"/>
+              </a:ext>
+            </a:extLst>
+          </a:blip>
+          <a:srcRect/>
+          <a:stretch>
+            <a:fillRect/>
+          </a:stretch>
+        </p:blipFill>
+        <p:spPr bwMode="auto">
+          <a:xfrm>
+            <a:off x="180306" y="355983"/>
+            <a:ext cx="2303462" cy="766762"/>
+          </a:xfrm>
+          <a:prstGeom prst="rect">
+            <a:avLst/>
+          </a:prstGeom>
+          <a:noFill/>
+          <a:ln>
+            <a:noFill/>
+          </a:ln>
+          <a:extLst>
+            <a:ext uri="{909E8E84-426E-40DD-AFC4-6F175D3DCCD1}">
+              <a14:hiddenFill xmlns:a14="http://schemas.microsoft.com/office/drawing/2010/main">
+                <a:solidFill>
+                  <a:srgbClr val="FFFFFF"/>
+                </a:solidFill>
+              </a14:hiddenFill>
+            </a:ext>
+            <a:ext uri="{91240B29-F687-4F45-9708-019B960494DF}">
+              <a14:hiddenLine xmlns:a14="http://schemas.microsoft.com/office/drawing/2010/main" w="9525">
+                <a:solidFill>
+                  <a:srgbClr val="000000"/>
+                </a:solidFill>
+                <a:miter lim="800000"/>
+                <a:headEnd/>
+                <a:tailEnd/>
+              </a14:hiddenLine>
+            </a:ext>
+          </a:extLst>
+        </p:spPr>
+      </p:pic>
+    </p:spTree>
+    <p:extLst>
+      <p:ext uri="{BB962C8B-B14F-4D97-AF65-F5344CB8AC3E}">
+        <p14:creationId xmlns:p14="http://schemas.microsoft.com/office/powerpoint/2010/main" val="1657005334"/>
+      </p:ext>
+    </p:extLst>
+  </p:cSld>
+  <p:clrMapOvr>
+    <a:masterClrMapping/>
+  </p:clrMapOvr>
+  <p:timing>
+    <p:tnLst>
+      <p:par>
+        <p:cTn id="1" dur="indefinite" restart="never" nodeType="tmRoot">
+          <p:childTnLst>
+            <p:seq concurrent="1" nextAc="seek">
+              <p:cTn id="2" dur="indefinite" nodeType="mainSeq">
+                <p:childTnLst>
+                  <p:par>
+                    <p:cTn id="3" fill="hold">
+                      <p:stCondLst>
+                        <p:cond delay="indefinite"/>
+                        <p:cond evt="onBegin" delay="0">
+                          <p:tn val="2"/>
+                        </p:cond>
+                      </p:stCondLst>
+                      <p:childTnLst>
+                        <p:par>
+                          <p:cTn id="4" fill="hold">
+                            <p:stCondLst>
+                              <p:cond delay="0"/>
+                            </p:stCondLst>
+                            <p:childTnLst>
+                              <p:par>
+                                <p:cTn id="5" presetID="53" presetClass="entr" presetSubtype="16" fill="hold" grpId="0" nodeType="withEffect">
+                                  <p:stCondLst>
+                                    <p:cond delay="0"/>
+                                  </p:stCondLst>
+                                  <p:childTnLst>
+                                    <p:set>
+                                      <p:cBhvr>
+                                        <p:cTn id="6" dur="1" fill="hold">
+                                          <p:stCondLst>
+                                            <p:cond delay="0"/>
+                                          </p:stCondLst>
+                                        </p:cTn>
+                                        <p:tgtEl>
+                                          <p:spTgt spid="7"/>
+                                        </p:tgtEl>
+                                        <p:attrNameLst>
+                                          <p:attrName>style.visibility</p:attrName>
+                                        </p:attrNameLst>
+                                      </p:cBhvr>
+                                      <p:to>
+                                        <p:strVal val="visible"/>
+                                      </p:to>
+                                    </p:set>
+                                    <p:anim calcmode="lin" valueType="num">
+                                      <p:cBhvr>
+                                        <p:cTn id="7" dur="500" fill="hold"/>
+                                        <p:tgtEl>
+                                          <p:spTgt spid="7"/>
+                                        </p:tgtEl>
+                                        <p:attrNameLst>
+                                          <p:attrName>ppt_w</p:attrName>
+                                        </p:attrNameLst>
+                                      </p:cBhvr>
+                                      <p:tavLst>
+                                        <p:tav tm="0">
+                                          <p:val>
+                                            <p:fltVal val="0"/>
+                                          </p:val>
+                                        </p:tav>
+                                        <p:tav tm="100000">
+                                          <p:val>
+                                            <p:strVal val="#ppt_w"/>
+                                          </p:val>
+                                        </p:tav>
+                                      </p:tavLst>
+                                    </p:anim>
+                                    <p:anim calcmode="lin" valueType="num">
+                                      <p:cBhvr>
+                                        <p:cTn id="8" dur="500" fill="hold"/>
+                                        <p:tgtEl>
+                                          <p:spTgt spid="7"/>
+                                        </p:tgtEl>
+                                        <p:attrNameLst>
+                                          <p:attrName>ppt_h</p:attrName>
+                                        </p:attrNameLst>
+                                      </p:cBhvr>
+                                      <p:tavLst>
+                                        <p:tav tm="0">
+                                          <p:val>
+                                            <p:fltVal val="0"/>
+                                          </p:val>
+                                        </p:tav>
+                                        <p:tav tm="100000">
+                                          <p:val>
+                                            <p:strVal val="#ppt_h"/>
+                                          </p:val>
+                                        </p:tav>
+                                      </p:tavLst>
+                                    </p:anim>
+                                    <p:animEffect transition="in" filter="fade">
+                                      <p:cBhvr>
+                                        <p:cTn id="9" dur="500"/>
+                                        <p:tgtEl>
+                                          <p:spTgt spid="7"/>
+                                        </p:tgtEl>
+                                      </p:cBhvr>
+                                    </p:animEffect>
+                                  </p:childTnLst>
+                                </p:cTn>
+                              </p:par>
+                            </p:childTnLst>
+                          </p:cTn>
+                        </p:par>
+                      </p:childTnLst>
+                    </p:cTn>
+                  </p:par>
+                </p:childTnLst>
+              </p:cTn>
+              <p:prevCondLst>
+                <p:cond evt="onPrev" delay="0">
+                  <p:tgtEl>
+                    <p:sldTgt/>
+                  </p:tgtEl>
+                </p:cond>
+              </p:prevCondLst>
+              <p:nextCondLst>
+                <p:cond evt="onNext" delay="0">
+                  <p:tgtEl>
+                    <p:sldTgt/>
+                  </p:tgtEl>
+                </p:cond>
+              </p:nextCondLst>
+            </p:seq>
+          </p:childTnLst>
+        </p:cTn>
+      </p:par>
+    </p:tnLst>
+    <p:bldLst>
+      <p:bldP spid="7" grpId="0"/>
+    </p:bldLst>
+  </p:timing>
+</p:sldLayout>
+</file>
+
+<file path=ppt/slideLayouts/slideLayout9.xml><?xml version="1.0" encoding="utf-8"?>
 <p:sldLayout xmlns:a="http://schemas.openxmlformats.org/drawingml/2006/main" xmlns:r="http://schemas.openxmlformats.org/officeDocument/2006/relationships" xmlns:p="http://schemas.openxmlformats.org/presentationml/2006/main" type="objTx" preserve="1">
   <p:cSld name="内容与标题">
     <p:spTree>
@@ -2156,15 +4506,203 @@
           <a:chExt cx="0" cy="0"/>
         </a:xfrm>
       </p:grpSpPr>
-      <p:sp>
-        <p:nvSpPr>
-          <p:cNvPr id="2" name="标题 1">
+      <p:grpSp>
+        <p:nvGrpSpPr>
+          <p:cNvPr id="8" name="组合 7">
             <a:extLst>
               <a:ext uri="{FF2B5EF4-FFF2-40B4-BE49-F238E27FC236}">
-                <a16:creationId xmlns:a16="http://schemas.microsoft.com/office/drawing/2014/main" id="{9FDA85D5-8072-455C-AB1F-2E6D9721D3FF}"/>
+                <a16:creationId xmlns:a16="http://schemas.microsoft.com/office/drawing/2014/main" id="{3239D7E3-952F-4DFC-A6A0-4C11CFBB9ECC}"/>
               </a:ext>
             </a:extLst>
           </p:cNvPr>
+          <p:cNvGrpSpPr/>
+          <p:nvPr/>
+        </p:nvGrpSpPr>
+        <p:grpSpPr>
+          <a:xfrm>
+            <a:off x="0" y="-24"/>
+            <a:ext cx="4766733" cy="6237336"/>
+            <a:chOff x="0" y="-26988"/>
+            <a:chExt cx="3575050" cy="6237336"/>
+          </a:xfrm>
+        </p:grpSpPr>
+        <p:sp>
+          <p:nvSpPr>
+            <p:cNvPr id="9" name="标题 3">
+              <a:extLst>
+                <a:ext uri="{FF2B5EF4-FFF2-40B4-BE49-F238E27FC236}">
+                  <a16:creationId xmlns:a16="http://schemas.microsoft.com/office/drawing/2014/main" id="{7ED03D04-5254-4133-8E60-869A42A49C69}"/>
+                </a:ext>
+              </a:extLst>
+            </p:cNvPr>
+            <p:cNvSpPr txBox="1">
+              <a:spLocks/>
+            </p:cNvSpPr>
+            <p:nvPr/>
+          </p:nvSpPr>
+          <p:spPr>
+            <a:xfrm>
+              <a:off x="0" y="-26988"/>
+              <a:ext cx="3575050" cy="6237336"/>
+            </a:xfrm>
+            <a:prstGeom prst="rect">
+              <a:avLst/>
+            </a:prstGeom>
+            <a:solidFill>
+              <a:srgbClr val="02409A"/>
+            </a:solidFill>
+            <a:ln>
+              <a:noFill/>
+            </a:ln>
+            <a:effectLst/>
+          </p:spPr>
+          <p:txBody>
+            <a:bodyPr tIns="0" bIns="0" anchor="ctr"/>
+            <a:lstStyle/>
+            <a:p>
+              <a:pPr algn="ctr">
+                <a:spcBef>
+                  <a:spcPct val="0"/>
+                </a:spcBef>
+                <a:defRPr/>
+              </a:pPr>
+              <a:endParaRPr lang="zh-CN" altLang="en-US" sz="4800" b="1" dirty="0">
+                <a:solidFill>
+                  <a:prstClr val="white"/>
+                </a:solidFill>
+                <a:latin typeface="微软雅黑" pitchFamily="34" charset="-122"/>
+                <a:ea typeface="微软雅黑" pitchFamily="34" charset="-122"/>
+              </a:endParaRPr>
+            </a:p>
+          </p:txBody>
+        </p:sp>
+        <p:cxnSp>
+          <p:nvCxnSpPr>
+            <p:cNvPr id="10" name="直接连接符 19">
+              <a:extLst>
+                <a:ext uri="{FF2B5EF4-FFF2-40B4-BE49-F238E27FC236}">
+                  <a16:creationId xmlns:a16="http://schemas.microsoft.com/office/drawing/2014/main" id="{2B907581-060F-4C52-B91A-13D97D4B12D2}"/>
+                </a:ext>
+              </a:extLst>
+            </p:cNvPr>
+            <p:cNvCxnSpPr>
+              <a:cxnSpLocks/>
+            </p:cNvCxnSpPr>
+            <p:nvPr/>
+          </p:nvCxnSpPr>
+          <p:spPr bwMode="auto">
+            <a:xfrm flipH="1">
+              <a:off x="449263" y="-25400"/>
+              <a:ext cx="1587" cy="841375"/>
+            </a:xfrm>
+            <a:prstGeom prst="line">
+              <a:avLst/>
+            </a:prstGeom>
+            <a:noFill/>
+            <a:ln w="28575" algn="ctr">
+              <a:solidFill>
+                <a:schemeClr val="bg1"/>
+              </a:solidFill>
+              <a:round/>
+              <a:headEnd/>
+              <a:tailEnd/>
+            </a:ln>
+            <a:effectLst/>
+            <a:extLst>
+              <a:ext uri="{909E8E84-426E-40DD-AFC4-6F175D3DCCD1}">
+                <a14:hiddenFill xmlns:a14="http://schemas.microsoft.com/office/drawing/2010/main">
+                  <a:noFill/>
+                </a14:hiddenFill>
+              </a:ext>
+            </a:extLst>
+          </p:spPr>
+        </p:cxnSp>
+        <p:cxnSp>
+          <p:nvCxnSpPr>
+            <p:cNvPr id="11" name="直接连接符 20">
+              <a:extLst>
+                <a:ext uri="{FF2B5EF4-FFF2-40B4-BE49-F238E27FC236}">
+                  <a16:creationId xmlns:a16="http://schemas.microsoft.com/office/drawing/2014/main" id="{F1C2E4E4-0EDE-4C0B-8343-2920F8B43D74}"/>
+                </a:ext>
+              </a:extLst>
+            </p:cNvPr>
+            <p:cNvCxnSpPr>
+              <a:cxnSpLocks/>
+            </p:cNvCxnSpPr>
+            <p:nvPr/>
+          </p:nvCxnSpPr>
+          <p:spPr bwMode="auto">
+            <a:xfrm flipH="1">
+              <a:off x="511175" y="-26988"/>
+              <a:ext cx="1588" cy="554038"/>
+            </a:xfrm>
+            <a:prstGeom prst="line">
+              <a:avLst/>
+            </a:prstGeom>
+            <a:noFill/>
+            <a:ln w="28575" algn="ctr">
+              <a:solidFill>
+                <a:schemeClr val="bg1"/>
+              </a:solidFill>
+              <a:round/>
+              <a:headEnd/>
+              <a:tailEnd/>
+            </a:ln>
+            <a:effectLst/>
+            <a:extLst>
+              <a:ext uri="{909E8E84-426E-40DD-AFC4-6F175D3DCCD1}">
+                <a14:hiddenFill xmlns:a14="http://schemas.microsoft.com/office/drawing/2010/main">
+                  <a:noFill/>
+                </a14:hiddenFill>
+              </a:ext>
+            </a:extLst>
+          </p:spPr>
+        </p:cxnSp>
+        <p:cxnSp>
+          <p:nvCxnSpPr>
+            <p:cNvPr id="12" name="直接连接符 30">
+              <a:extLst>
+                <a:ext uri="{FF2B5EF4-FFF2-40B4-BE49-F238E27FC236}">
+                  <a16:creationId xmlns:a16="http://schemas.microsoft.com/office/drawing/2014/main" id="{6BFC0A1C-1BD8-4541-8818-56E847A9B65F}"/>
+                </a:ext>
+              </a:extLst>
+            </p:cNvPr>
+            <p:cNvCxnSpPr>
+              <a:cxnSpLocks/>
+            </p:cNvCxnSpPr>
+            <p:nvPr/>
+          </p:nvCxnSpPr>
+          <p:spPr bwMode="auto">
+            <a:xfrm>
+              <a:off x="576263" y="-26988"/>
+              <a:ext cx="0" cy="298451"/>
+            </a:xfrm>
+            <a:prstGeom prst="line">
+              <a:avLst/>
+            </a:prstGeom>
+            <a:noFill/>
+            <a:ln w="28575" algn="ctr">
+              <a:solidFill>
+                <a:schemeClr val="bg1"/>
+              </a:solidFill>
+              <a:round/>
+              <a:headEnd/>
+              <a:tailEnd/>
+            </a:ln>
+            <a:effectLst/>
+            <a:extLst>
+              <a:ext uri="{909E8E84-426E-40DD-AFC4-6F175D3DCCD1}">
+                <a14:hiddenFill xmlns:a14="http://schemas.microsoft.com/office/drawing/2010/main">
+                  <a:noFill/>
+                </a14:hiddenFill>
+              </a:ext>
+            </a:extLst>
+          </p:spPr>
+        </p:cxnSp>
+      </p:grpSp>
+      <p:sp>
+        <p:nvSpPr>
+          <p:cNvPr id="2" name="标题 1"/>
           <p:cNvSpPr>
             <a:spLocks noGrp="1"/>
           </p:cNvSpPr>
@@ -2174,54 +4712,62 @@
         </p:nvSpPr>
         <p:spPr>
           <a:xfrm>
-            <a:off x="839788" y="457200"/>
-            <a:ext cx="3932237" cy="1600200"/>
+            <a:off x="609601" y="273050"/>
+            <a:ext cx="4011084" cy="1162050"/>
+          </a:xfrm>
+          <a:prstGeom prst="rect">
+            <a:avLst/>
+          </a:prstGeom>
+        </p:spPr>
+        <p:txBody>
+          <a:bodyPr anchor="b"/>
+          <a:lstStyle>
+            <a:lvl1pPr algn="l">
+              <a:defRPr sz="2000" b="1">
+                <a:solidFill>
+                  <a:schemeClr val="bg1"/>
+                </a:solidFill>
+                <a:latin typeface="微软雅黑" panose="020B0503020204020204" pitchFamily="34" charset="-122"/>
+                <a:ea typeface="微软雅黑" panose="020B0503020204020204" pitchFamily="34" charset="-122"/>
+              </a:defRPr>
+            </a:lvl1pPr>
+          </a:lstStyle>
+          <a:p>
+            <a:r>
+              <a:rPr lang="zh-CN" altLang="en-US"/>
+              <a:t>单击此处编辑母版标题样式</a:t>
+            </a:r>
+            <a:endParaRPr lang="zh-CN" altLang="en-US" dirty="0"/>
+          </a:p>
+        </p:txBody>
+      </p:sp>
+      <p:sp>
+        <p:nvSpPr>
+          <p:cNvPr id="3" name="内容占位符 2"/>
+          <p:cNvSpPr>
+            <a:spLocks noGrp="1"/>
+          </p:cNvSpPr>
+          <p:nvPr>
+            <p:ph idx="1"/>
+          </p:nvPr>
+        </p:nvSpPr>
+        <p:spPr>
+          <a:xfrm>
+            <a:off x="4766733" y="273051"/>
+            <a:ext cx="6815667" cy="5853113"/>
           </a:xfrm>
         </p:spPr>
         <p:txBody>
-          <a:bodyPr anchor="b"/>
+          <a:bodyPr/>
           <a:lstStyle>
-            <a:lvl1pPr>
+            <a:lvl1pPr marL="342900" indent="-342900">
+              <a:buFont typeface="Wingdings" panose="05000000000000000000" pitchFamily="2" charset="2"/>
+              <a:buChar char="Ø"/>
               <a:defRPr sz="3200"/>
             </a:lvl1pPr>
-          </a:lstStyle>
-          <a:p>
-            <a:r>
-              <a:rPr lang="zh-CN" altLang="en-US"/>
-              <a:t>单击此处编辑母版标题样式</a:t>
-            </a:r>
-          </a:p>
-        </p:txBody>
-      </p:sp>
-      <p:sp>
-        <p:nvSpPr>
-          <p:cNvPr id="3" name="内容占位符 2">
-            <a:extLst>
-              <a:ext uri="{FF2B5EF4-FFF2-40B4-BE49-F238E27FC236}">
-                <a16:creationId xmlns:a16="http://schemas.microsoft.com/office/drawing/2014/main" id="{7652BED2-1043-47C9-ABBE-28B2F5ECF844}"/>
-              </a:ext>
-            </a:extLst>
-          </p:cNvPr>
-          <p:cNvSpPr>
-            <a:spLocks noGrp="1"/>
-          </p:cNvSpPr>
-          <p:nvPr>
-            <p:ph idx="1"/>
-          </p:nvPr>
-        </p:nvSpPr>
-        <p:spPr>
-          <a:xfrm>
-            <a:off x="5183188" y="987425"/>
-            <a:ext cx="6172200" cy="4873625"/>
-          </a:xfrm>
-        </p:spPr>
-        <p:txBody>
-          <a:bodyPr/>
-          <a:lstStyle>
-            <a:lvl1pPr>
-              <a:defRPr sz="3200"/>
-            </a:lvl1pPr>
-            <a:lvl2pPr>
+            <a:lvl2pPr marL="742950" indent="-285750">
+              <a:buFont typeface="Wingdings" panose="05000000000000000000" pitchFamily="2" charset="2"/>
+              <a:buChar char="n"/>
               <a:defRPr sz="2800"/>
             </a:lvl2pPr>
             <a:lvl3pPr>
@@ -2280,18 +4826,13 @@
               <a:rPr lang="zh-CN" altLang="en-US"/>
               <a:t>五级</a:t>
             </a:r>
-          </a:p>
-        </p:txBody>
-      </p:sp>
-      <p:sp>
-        <p:nvSpPr>
-          <p:cNvPr id="4" name="文本占位符 3">
-            <a:extLst>
-              <a:ext uri="{FF2B5EF4-FFF2-40B4-BE49-F238E27FC236}">
-                <a16:creationId xmlns:a16="http://schemas.microsoft.com/office/drawing/2014/main" id="{FBC2CDC3-84C0-4405-AD23-B9F4D045EB6F}"/>
-              </a:ext>
-            </a:extLst>
-          </p:cNvPr>
+            <a:endParaRPr lang="zh-CN" altLang="en-US" dirty="0"/>
+          </a:p>
+        </p:txBody>
+      </p:sp>
+      <p:sp>
+        <p:nvSpPr>
+          <p:cNvPr id="4" name="文本占位符 3"/>
           <p:cNvSpPr>
             <a:spLocks noGrp="1"/>
           </p:cNvSpPr>
@@ -2301,8 +4842,8 @@
         </p:nvSpPr>
         <p:spPr>
           <a:xfrm>
-            <a:off x="839788" y="2057400"/>
-            <a:ext cx="3932237" cy="3811588"/>
+            <a:off x="609601" y="1435101"/>
+            <a:ext cx="4011084" cy="4691063"/>
           </a:xfrm>
         </p:spPr>
         <p:txBody>
@@ -2310,39 +4851,43 @@
           <a:lstStyle>
             <a:lvl1pPr marL="0" indent="0">
               <a:buNone/>
-              <a:defRPr sz="1600"/>
+              <a:defRPr sz="1400">
+                <a:solidFill>
+                  <a:schemeClr val="bg1"/>
+                </a:solidFill>
+              </a:defRPr>
             </a:lvl1pPr>
             <a:lvl2pPr marL="457200" indent="0">
               <a:buNone/>
-              <a:defRPr sz="1400"/>
+              <a:defRPr sz="1200"/>
             </a:lvl2pPr>
             <a:lvl3pPr marL="914400" indent="0">
               <a:buNone/>
-              <a:defRPr sz="1200"/>
+              <a:defRPr sz="1000"/>
             </a:lvl3pPr>
             <a:lvl4pPr marL="1371600" indent="0">
               <a:buNone/>
-              <a:defRPr sz="1000"/>
+              <a:defRPr sz="900"/>
             </a:lvl4pPr>
             <a:lvl5pPr marL="1828800" indent="0">
               <a:buNone/>
-              <a:defRPr sz="1000"/>
+              <a:defRPr sz="900"/>
             </a:lvl5pPr>
             <a:lvl6pPr marL="2286000" indent="0">
               <a:buNone/>
-              <a:defRPr sz="1000"/>
+              <a:defRPr sz="900"/>
             </a:lvl6pPr>
             <a:lvl7pPr marL="2743200" indent="0">
               <a:buNone/>
-              <a:defRPr sz="1000"/>
+              <a:defRPr sz="900"/>
             </a:lvl7pPr>
             <a:lvl8pPr marL="3200400" indent="0">
               <a:buNone/>
-              <a:defRPr sz="1000"/>
+              <a:defRPr sz="900"/>
             </a:lvl8pPr>
             <a:lvl9pPr marL="3657600" indent="0">
               <a:buNone/>
-              <a:defRPr sz="1000"/>
+              <a:defRPr sz="900"/>
             </a:lvl9pPr>
           </a:lstStyle>
           <a:p>
@@ -2356,13 +4901,7 @@
       </p:sp>
       <p:sp>
         <p:nvSpPr>
-          <p:cNvPr id="5" name="日期占位符 4">
-            <a:extLst>
-              <a:ext uri="{FF2B5EF4-FFF2-40B4-BE49-F238E27FC236}">
-                <a16:creationId xmlns:a16="http://schemas.microsoft.com/office/drawing/2014/main" id="{91392B59-B1CA-40E6-BC59-94A3B0A56154}"/>
-              </a:ext>
-            </a:extLst>
-          </p:cNvPr>
+          <p:cNvPr id="5" name="日期占位符 4"/>
           <p:cNvSpPr>
             <a:spLocks noGrp="1"/>
           </p:cNvSpPr>
@@ -2377,7 +4916,7 @@
           <a:p>
             <a:fld id="{631EAFFE-823F-4DDC-BE73-DF0D66C78ADF}" type="datetimeFigureOut">
               <a:rPr lang="zh-CN" altLang="en-US" smtClean="0"/>
-              <a:t>2020/6/20</a:t>
+              <a:t>2020/7/11</a:t>
             </a:fld>
             <a:endParaRPr lang="zh-CN" altLang="en-US"/>
           </a:p>
@@ -2385,13 +4924,7 @@
       </p:sp>
       <p:sp>
         <p:nvSpPr>
-          <p:cNvPr id="6" name="页脚占位符 5">
-            <a:extLst>
-              <a:ext uri="{FF2B5EF4-FFF2-40B4-BE49-F238E27FC236}">
-                <a16:creationId xmlns:a16="http://schemas.microsoft.com/office/drawing/2014/main" id="{891DD082-CB1D-4440-8719-7F236586C7C7}"/>
-              </a:ext>
-            </a:extLst>
-          </p:cNvPr>
+          <p:cNvPr id="6" name="页脚占位符 5"/>
           <p:cNvSpPr>
             <a:spLocks noGrp="1"/>
           </p:cNvSpPr>
@@ -2410,13 +4943,7 @@
       </p:sp>
       <p:sp>
         <p:nvSpPr>
-          <p:cNvPr id="7" name="灯片编号占位符 6">
-            <a:extLst>
-              <a:ext uri="{FF2B5EF4-FFF2-40B4-BE49-F238E27FC236}">
-                <a16:creationId xmlns:a16="http://schemas.microsoft.com/office/drawing/2014/main" id="{69ED389E-5F4D-4056-A26F-C880D899D878}"/>
-              </a:ext>
-            </a:extLst>
-          </p:cNvPr>
+          <p:cNvPr id="7" name="灯片编号占位符 6"/>
           <p:cNvSpPr>
             <a:spLocks noGrp="1"/>
           </p:cNvSpPr>
@@ -2440,295 +4967,7 @@
     </p:spTree>
     <p:extLst>
       <p:ext uri="{BB962C8B-B14F-4D97-AF65-F5344CB8AC3E}">
-        <p14:creationId xmlns:p14="http://schemas.microsoft.com/office/powerpoint/2010/main" val="1950413065"/>
-      </p:ext>
-    </p:extLst>
-  </p:cSld>
-  <p:clrMapOvr>
-    <a:masterClrMapping/>
-  </p:clrMapOvr>
-</p:sldLayout>
-</file>
-
-<file path=ppt/slideLayouts/slideLayout9.xml><?xml version="1.0" encoding="utf-8"?>
-<p:sldLayout xmlns:a="http://schemas.openxmlformats.org/drawingml/2006/main" xmlns:r="http://schemas.openxmlformats.org/officeDocument/2006/relationships" xmlns:p="http://schemas.openxmlformats.org/presentationml/2006/main" type="picTx" preserve="1">
-  <p:cSld name="图片与标题">
-    <p:spTree>
-      <p:nvGrpSpPr>
-        <p:cNvPr id="1" name=""/>
-        <p:cNvGrpSpPr/>
-        <p:nvPr/>
-      </p:nvGrpSpPr>
-      <p:grpSpPr>
-        <a:xfrm>
-          <a:off x="0" y="0"/>
-          <a:ext cx="0" cy="0"/>
-          <a:chOff x="0" y="0"/>
-          <a:chExt cx="0" cy="0"/>
-        </a:xfrm>
-      </p:grpSpPr>
-      <p:sp>
-        <p:nvSpPr>
-          <p:cNvPr id="2" name="标题 1">
-            <a:extLst>
-              <a:ext uri="{FF2B5EF4-FFF2-40B4-BE49-F238E27FC236}">
-                <a16:creationId xmlns:a16="http://schemas.microsoft.com/office/drawing/2014/main" id="{9BEF5993-0AB7-4A7E-87E7-08C16167EEED}"/>
-              </a:ext>
-            </a:extLst>
-          </p:cNvPr>
-          <p:cNvSpPr>
-            <a:spLocks noGrp="1"/>
-          </p:cNvSpPr>
-          <p:nvPr>
-            <p:ph type="title"/>
-          </p:nvPr>
-        </p:nvSpPr>
-        <p:spPr>
-          <a:xfrm>
-            <a:off x="839788" y="457200"/>
-            <a:ext cx="3932237" cy="1600200"/>
-          </a:xfrm>
-        </p:spPr>
-        <p:txBody>
-          <a:bodyPr anchor="b"/>
-          <a:lstStyle>
-            <a:lvl1pPr>
-              <a:defRPr sz="3200"/>
-            </a:lvl1pPr>
-          </a:lstStyle>
-          <a:p>
-            <a:r>
-              <a:rPr lang="zh-CN" altLang="en-US"/>
-              <a:t>单击此处编辑母版标题样式</a:t>
-            </a:r>
-          </a:p>
-        </p:txBody>
-      </p:sp>
-      <p:sp>
-        <p:nvSpPr>
-          <p:cNvPr id="3" name="图片占位符 2">
-            <a:extLst>
-              <a:ext uri="{FF2B5EF4-FFF2-40B4-BE49-F238E27FC236}">
-                <a16:creationId xmlns:a16="http://schemas.microsoft.com/office/drawing/2014/main" id="{99ECFBD4-EBA9-4EC1-A458-6EE88F11891B}"/>
-              </a:ext>
-            </a:extLst>
-          </p:cNvPr>
-          <p:cNvSpPr>
-            <a:spLocks noGrp="1"/>
-          </p:cNvSpPr>
-          <p:nvPr>
-            <p:ph type="pic" idx="1"/>
-          </p:nvPr>
-        </p:nvSpPr>
-        <p:spPr>
-          <a:xfrm>
-            <a:off x="5183188" y="987425"/>
-            <a:ext cx="6172200" cy="4873625"/>
-          </a:xfrm>
-        </p:spPr>
-        <p:txBody>
-          <a:bodyPr/>
-          <a:lstStyle>
-            <a:lvl1pPr marL="0" indent="0">
-              <a:buNone/>
-              <a:defRPr sz="3200"/>
-            </a:lvl1pPr>
-            <a:lvl2pPr marL="457200" indent="0">
-              <a:buNone/>
-              <a:defRPr sz="2800"/>
-            </a:lvl2pPr>
-            <a:lvl3pPr marL="914400" indent="0">
-              <a:buNone/>
-              <a:defRPr sz="2400"/>
-            </a:lvl3pPr>
-            <a:lvl4pPr marL="1371600" indent="0">
-              <a:buNone/>
-              <a:defRPr sz="2000"/>
-            </a:lvl4pPr>
-            <a:lvl5pPr marL="1828800" indent="0">
-              <a:buNone/>
-              <a:defRPr sz="2000"/>
-            </a:lvl5pPr>
-            <a:lvl6pPr marL="2286000" indent="0">
-              <a:buNone/>
-              <a:defRPr sz="2000"/>
-            </a:lvl6pPr>
-            <a:lvl7pPr marL="2743200" indent="0">
-              <a:buNone/>
-              <a:defRPr sz="2000"/>
-            </a:lvl7pPr>
-            <a:lvl8pPr marL="3200400" indent="0">
-              <a:buNone/>
-              <a:defRPr sz="2000"/>
-            </a:lvl8pPr>
-            <a:lvl9pPr marL="3657600" indent="0">
-              <a:buNone/>
-              <a:defRPr sz="2000"/>
-            </a:lvl9pPr>
-          </a:lstStyle>
-          <a:p>
-            <a:endParaRPr lang="zh-CN" altLang="en-US"/>
-          </a:p>
-        </p:txBody>
-      </p:sp>
-      <p:sp>
-        <p:nvSpPr>
-          <p:cNvPr id="4" name="文本占位符 3">
-            <a:extLst>
-              <a:ext uri="{FF2B5EF4-FFF2-40B4-BE49-F238E27FC236}">
-                <a16:creationId xmlns:a16="http://schemas.microsoft.com/office/drawing/2014/main" id="{FFCCAD64-FB3C-4999-8BC0-42585E4B9FA2}"/>
-              </a:ext>
-            </a:extLst>
-          </p:cNvPr>
-          <p:cNvSpPr>
-            <a:spLocks noGrp="1"/>
-          </p:cNvSpPr>
-          <p:nvPr>
-            <p:ph type="body" sz="half" idx="2"/>
-          </p:nvPr>
-        </p:nvSpPr>
-        <p:spPr>
-          <a:xfrm>
-            <a:off x="839788" y="2057400"/>
-            <a:ext cx="3932237" cy="3811588"/>
-          </a:xfrm>
-        </p:spPr>
-        <p:txBody>
-          <a:bodyPr/>
-          <a:lstStyle>
-            <a:lvl1pPr marL="0" indent="0">
-              <a:buNone/>
-              <a:defRPr sz="1600"/>
-            </a:lvl1pPr>
-            <a:lvl2pPr marL="457200" indent="0">
-              <a:buNone/>
-              <a:defRPr sz="1400"/>
-            </a:lvl2pPr>
-            <a:lvl3pPr marL="914400" indent="0">
-              <a:buNone/>
-              <a:defRPr sz="1200"/>
-            </a:lvl3pPr>
-            <a:lvl4pPr marL="1371600" indent="0">
-              <a:buNone/>
-              <a:defRPr sz="1000"/>
-            </a:lvl4pPr>
-            <a:lvl5pPr marL="1828800" indent="0">
-              <a:buNone/>
-              <a:defRPr sz="1000"/>
-            </a:lvl5pPr>
-            <a:lvl6pPr marL="2286000" indent="0">
-              <a:buNone/>
-              <a:defRPr sz="1000"/>
-            </a:lvl6pPr>
-            <a:lvl7pPr marL="2743200" indent="0">
-              <a:buNone/>
-              <a:defRPr sz="1000"/>
-            </a:lvl7pPr>
-            <a:lvl8pPr marL="3200400" indent="0">
-              <a:buNone/>
-              <a:defRPr sz="1000"/>
-            </a:lvl8pPr>
-            <a:lvl9pPr marL="3657600" indent="0">
-              <a:buNone/>
-              <a:defRPr sz="1000"/>
-            </a:lvl9pPr>
-          </a:lstStyle>
-          <a:p>
-            <a:pPr lvl="0"/>
-            <a:r>
-              <a:rPr lang="zh-CN" altLang="en-US"/>
-              <a:t>单击此处编辑母版文本样式</a:t>
-            </a:r>
-          </a:p>
-        </p:txBody>
-      </p:sp>
-      <p:sp>
-        <p:nvSpPr>
-          <p:cNvPr id="5" name="日期占位符 4">
-            <a:extLst>
-              <a:ext uri="{FF2B5EF4-FFF2-40B4-BE49-F238E27FC236}">
-                <a16:creationId xmlns:a16="http://schemas.microsoft.com/office/drawing/2014/main" id="{71D6F324-30FB-4129-8734-7D1586606E7D}"/>
-              </a:ext>
-            </a:extLst>
-          </p:cNvPr>
-          <p:cNvSpPr>
-            <a:spLocks noGrp="1"/>
-          </p:cNvSpPr>
-          <p:nvPr>
-            <p:ph type="dt" sz="half" idx="10"/>
-          </p:nvPr>
-        </p:nvSpPr>
-        <p:spPr/>
-        <p:txBody>
-          <a:bodyPr/>
-          <a:lstStyle/>
-          <a:p>
-            <a:fld id="{631EAFFE-823F-4DDC-BE73-DF0D66C78ADF}" type="datetimeFigureOut">
-              <a:rPr lang="zh-CN" altLang="en-US" smtClean="0"/>
-              <a:t>2020/6/20</a:t>
-            </a:fld>
-            <a:endParaRPr lang="zh-CN" altLang="en-US"/>
-          </a:p>
-        </p:txBody>
-      </p:sp>
-      <p:sp>
-        <p:nvSpPr>
-          <p:cNvPr id="6" name="页脚占位符 5">
-            <a:extLst>
-              <a:ext uri="{FF2B5EF4-FFF2-40B4-BE49-F238E27FC236}">
-                <a16:creationId xmlns:a16="http://schemas.microsoft.com/office/drawing/2014/main" id="{D15F84E3-B80E-46AF-B4E4-9BD0464CA915}"/>
-              </a:ext>
-            </a:extLst>
-          </p:cNvPr>
-          <p:cNvSpPr>
-            <a:spLocks noGrp="1"/>
-          </p:cNvSpPr>
-          <p:nvPr>
-            <p:ph type="ftr" sz="quarter" idx="11"/>
-          </p:nvPr>
-        </p:nvSpPr>
-        <p:spPr/>
-        <p:txBody>
-          <a:bodyPr/>
-          <a:lstStyle/>
-          <a:p>
-            <a:endParaRPr lang="zh-CN" altLang="en-US"/>
-          </a:p>
-        </p:txBody>
-      </p:sp>
-      <p:sp>
-        <p:nvSpPr>
-          <p:cNvPr id="7" name="灯片编号占位符 6">
-            <a:extLst>
-              <a:ext uri="{FF2B5EF4-FFF2-40B4-BE49-F238E27FC236}">
-                <a16:creationId xmlns:a16="http://schemas.microsoft.com/office/drawing/2014/main" id="{8C4E48F9-910F-4BF0-B22D-B456FE6D762F}"/>
-              </a:ext>
-            </a:extLst>
-          </p:cNvPr>
-          <p:cNvSpPr>
-            <a:spLocks noGrp="1"/>
-          </p:cNvSpPr>
-          <p:nvPr>
-            <p:ph type="sldNum" sz="quarter" idx="12"/>
-          </p:nvPr>
-        </p:nvSpPr>
-        <p:spPr/>
-        <p:txBody>
-          <a:bodyPr/>
-          <a:lstStyle/>
-          <a:p>
-            <a:fld id="{397309FE-0FDE-45D2-A856-D799735D9B3D}" type="slidenum">
-              <a:rPr lang="zh-CN" altLang="en-US" smtClean="0"/>
-              <a:t>‹#›</a:t>
-            </a:fld>
-            <a:endParaRPr lang="zh-CN" altLang="en-US"/>
-          </a:p>
-        </p:txBody>
-      </p:sp>
-    </p:spTree>
-    <p:extLst>
-      <p:ext uri="{BB962C8B-B14F-4D97-AF65-F5344CB8AC3E}">
-        <p14:creationId xmlns:p14="http://schemas.microsoft.com/office/powerpoint/2010/main" val="2984747426"/>
+        <p14:creationId xmlns:p14="http://schemas.microsoft.com/office/powerpoint/2010/main" val="4194796953"/>
       </p:ext>
     </p:extLst>
   </p:cSld>
@@ -2762,13 +5001,7 @@
       </p:grpSpPr>
       <p:sp>
         <p:nvSpPr>
-          <p:cNvPr id="2" name="标题占位符 1">
-            <a:extLst>
-              <a:ext uri="{FF2B5EF4-FFF2-40B4-BE49-F238E27FC236}">
-                <a16:creationId xmlns:a16="http://schemas.microsoft.com/office/drawing/2014/main" id="{09AF159D-8AC6-4404-9FB1-C64D3C0DBF39}"/>
-              </a:ext>
-            </a:extLst>
-          </p:cNvPr>
+          <p:cNvPr id="2" name="标题占位符 1"/>
           <p:cNvSpPr>
             <a:spLocks noGrp="1"/>
           </p:cNvSpPr>
@@ -2778,8 +5011,8 @@
         </p:nvSpPr>
         <p:spPr>
           <a:xfrm>
-            <a:off x="838200" y="365125"/>
-            <a:ext cx="10515600" cy="1325563"/>
+            <a:off x="609600" y="274638"/>
+            <a:ext cx="10972800" cy="1143000"/>
           </a:xfrm>
           <a:prstGeom prst="rect">
             <a:avLst/>
@@ -2792,7 +5025,7 @@
           <a:lstStyle/>
           <a:p>
             <a:r>
-              <a:rPr lang="zh-CN" altLang="en-US"/>
+              <a:rPr lang="zh-CN" altLang="en-US" dirty="0"/>
               <a:t>单击此处编辑母版标题样式</a:t>
             </a:r>
           </a:p>
@@ -2800,13 +5033,7 @@
       </p:sp>
       <p:sp>
         <p:nvSpPr>
-          <p:cNvPr id="3" name="文本占位符 2">
-            <a:extLst>
-              <a:ext uri="{FF2B5EF4-FFF2-40B4-BE49-F238E27FC236}">
-                <a16:creationId xmlns:a16="http://schemas.microsoft.com/office/drawing/2014/main" id="{08B726D2-CA34-4638-B8BF-5250766BA79D}"/>
-              </a:ext>
-            </a:extLst>
-          </p:cNvPr>
+          <p:cNvPr id="3" name="文本占位符 2"/>
           <p:cNvSpPr>
             <a:spLocks noGrp="1"/>
           </p:cNvSpPr>
@@ -2816,8 +5043,8 @@
         </p:nvSpPr>
         <p:spPr>
           <a:xfrm>
-            <a:off x="838200" y="1825625"/>
-            <a:ext cx="10515600" cy="4351338"/>
+            <a:off x="609600" y="1600201"/>
+            <a:ext cx="10972800" cy="4525963"/>
           </a:xfrm>
           <a:prstGeom prst="rect">
             <a:avLst/>
@@ -2839,41 +5066,35 @@
             <a:pPr lvl="1"/>
             <a:r>
               <a:rPr lang="zh-CN" altLang="en-US"/>
-              <a:t>二级</a:t>
+              <a:t>第二级</a:t>
             </a:r>
           </a:p>
           <a:p>
             <a:pPr lvl="2"/>
             <a:r>
               <a:rPr lang="zh-CN" altLang="en-US"/>
-              <a:t>三级</a:t>
+              <a:t>第三级</a:t>
             </a:r>
           </a:p>
           <a:p>
             <a:pPr lvl="3"/>
             <a:r>
               <a:rPr lang="zh-CN" altLang="en-US"/>
-              <a:t>四级</a:t>
+              <a:t>第四级</a:t>
             </a:r>
           </a:p>
           <a:p>
             <a:pPr lvl="4"/>
             <a:r>
               <a:rPr lang="zh-CN" altLang="en-US"/>
-              <a:t>五级</a:t>
-            </a:r>
-          </a:p>
-        </p:txBody>
-      </p:sp>
-      <p:sp>
-        <p:nvSpPr>
-          <p:cNvPr id="4" name="日期占位符 3">
-            <a:extLst>
-              <a:ext uri="{FF2B5EF4-FFF2-40B4-BE49-F238E27FC236}">
-                <a16:creationId xmlns:a16="http://schemas.microsoft.com/office/drawing/2014/main" id="{E0F6B3D0-E2B9-4A3C-8CB6-F625E6F47CEB}"/>
-              </a:ext>
-            </a:extLst>
-          </p:cNvPr>
+              <a:t>第五级</a:t>
+            </a:r>
+          </a:p>
+        </p:txBody>
+      </p:sp>
+      <p:sp>
+        <p:nvSpPr>
+          <p:cNvPr id="4" name="日期占位符 3"/>
           <p:cNvSpPr>
             <a:spLocks noGrp="1"/>
           </p:cNvSpPr>
@@ -2883,8 +5104,8 @@
         </p:nvSpPr>
         <p:spPr>
           <a:xfrm>
-            <a:off x="838200" y="6356350"/>
-            <a:ext cx="2743200" cy="365125"/>
+            <a:off x="609600" y="6356351"/>
+            <a:ext cx="2844800" cy="365125"/>
           </a:xfrm>
           <a:prstGeom prst="rect">
             <a:avLst/>
@@ -2906,7 +5127,7 @@
           <a:p>
             <a:fld id="{631EAFFE-823F-4DDC-BE73-DF0D66C78ADF}" type="datetimeFigureOut">
               <a:rPr lang="zh-CN" altLang="en-US" smtClean="0"/>
-              <a:t>2020/6/20</a:t>
+              <a:t>2020/7/11</a:t>
             </a:fld>
             <a:endParaRPr lang="zh-CN" altLang="en-US"/>
           </a:p>
@@ -2914,13 +5135,7 @@
       </p:sp>
       <p:sp>
         <p:nvSpPr>
-          <p:cNvPr id="5" name="页脚占位符 4">
-            <a:extLst>
-              <a:ext uri="{FF2B5EF4-FFF2-40B4-BE49-F238E27FC236}">
-                <a16:creationId xmlns:a16="http://schemas.microsoft.com/office/drawing/2014/main" id="{EAFB22B1-4083-4C48-B1CC-687C2E8AB270}"/>
-              </a:ext>
-            </a:extLst>
-          </p:cNvPr>
+          <p:cNvPr id="5" name="页脚占位符 4"/>
           <p:cNvSpPr>
             <a:spLocks noGrp="1"/>
           </p:cNvSpPr>
@@ -2930,8 +5145,8 @@
         </p:nvSpPr>
         <p:spPr>
           <a:xfrm>
-            <a:off x="4038600" y="6356350"/>
-            <a:ext cx="4114800" cy="365125"/>
+            <a:off x="4165600" y="6356351"/>
+            <a:ext cx="3860800" cy="365125"/>
           </a:xfrm>
           <a:prstGeom prst="rect">
             <a:avLst/>
@@ -2957,13 +5172,7 @@
       </p:sp>
       <p:sp>
         <p:nvSpPr>
-          <p:cNvPr id="6" name="灯片编号占位符 5">
-            <a:extLst>
-              <a:ext uri="{FF2B5EF4-FFF2-40B4-BE49-F238E27FC236}">
-                <a16:creationId xmlns:a16="http://schemas.microsoft.com/office/drawing/2014/main" id="{0B98EDD8-19EF-43D1-AEBE-9286912E8551}"/>
-              </a:ext>
-            </a:extLst>
-          </p:cNvPr>
+          <p:cNvPr id="6" name="灯片编号占位符 5"/>
           <p:cNvSpPr>
             <a:spLocks noGrp="1"/>
           </p:cNvSpPr>
@@ -2973,8 +5182,8 @@
         </p:nvSpPr>
         <p:spPr>
           <a:xfrm>
-            <a:off x="8610600" y="6356350"/>
-            <a:ext cx="2743200" cy="365125"/>
+            <a:off x="8737600" y="6356351"/>
+            <a:ext cx="2844800" cy="365125"/>
           </a:xfrm>
           <a:prstGeom prst="rect">
             <a:avLst/>
@@ -3005,30 +5214,28 @@
     </p:spTree>
     <p:extLst>
       <p:ext uri="{BB962C8B-B14F-4D97-AF65-F5344CB8AC3E}">
-        <p14:creationId xmlns:p14="http://schemas.microsoft.com/office/powerpoint/2010/main" val="2513653657"/>
+        <p14:creationId xmlns:p14="http://schemas.microsoft.com/office/powerpoint/2010/main" val="340314337"/>
       </p:ext>
     </p:extLst>
   </p:cSld>
   <p:clrMap bg1="lt1" tx1="dk1" bg2="lt2" tx2="dk2" accent1="accent1" accent2="accent2" accent3="accent3" accent4="accent4" accent5="accent5" accent6="accent6" hlink="hlink" folHlink="folHlink"/>
   <p:sldLayoutIdLst>
-    <p:sldLayoutId id="2147483649" r:id="rId1"/>
-    <p:sldLayoutId id="2147483650" r:id="rId2"/>
-    <p:sldLayoutId id="2147483651" r:id="rId3"/>
-    <p:sldLayoutId id="2147483652" r:id="rId4"/>
-    <p:sldLayoutId id="2147483653" r:id="rId5"/>
-    <p:sldLayoutId id="2147483654" r:id="rId6"/>
-    <p:sldLayoutId id="2147483655" r:id="rId7"/>
-    <p:sldLayoutId id="2147483656" r:id="rId8"/>
-    <p:sldLayoutId id="2147483657" r:id="rId9"/>
-    <p:sldLayoutId id="2147483658" r:id="rId10"/>
-    <p:sldLayoutId id="2147483659" r:id="rId11"/>
+    <p:sldLayoutId id="2147483661" r:id="rId1"/>
+    <p:sldLayoutId id="2147483662" r:id="rId2"/>
+    <p:sldLayoutId id="2147483663" r:id="rId3"/>
+    <p:sldLayoutId id="2147483664" r:id="rId4"/>
+    <p:sldLayoutId id="2147483665" r:id="rId5"/>
+    <p:sldLayoutId id="2147483666" r:id="rId6"/>
+    <p:sldLayoutId id="2147483667" r:id="rId7"/>
+    <p:sldLayoutId id="2147483668" r:id="rId8"/>
+    <p:sldLayoutId id="2147483669" r:id="rId9"/>
+    <p:sldLayoutId id="2147483670" r:id="rId10"/>
+    <p:sldLayoutId id="2147483671" r:id="rId11"/>
+    <p:sldLayoutId id="2147483672" r:id="rId12"/>
   </p:sldLayoutIdLst>
   <p:txStyles>
     <p:titleStyle>
-      <a:lvl1pPr algn="l" defTabSz="914400" rtl="0" eaLnBrk="1" latinLnBrk="0" hangingPunct="1">
-        <a:lnSpc>
-          <a:spcPct val="90000"/>
-        </a:lnSpc>
+      <a:lvl1pPr algn="ctr" defTabSz="914400" rtl="0" eaLnBrk="1" latinLnBrk="0" hangingPunct="1">
         <a:spcBef>
           <a:spcPct val="0"/>
         </a:spcBef>
@@ -3044,15 +5251,27 @@
       </a:lvl1pPr>
     </p:titleStyle>
     <p:bodyStyle>
-      <a:lvl1pPr marL="228600" indent="-228600" algn="l" defTabSz="914400" rtl="0" eaLnBrk="1" latinLnBrk="0" hangingPunct="1">
-        <a:lnSpc>
-          <a:spcPct val="90000"/>
-        </a:lnSpc>
+      <a:lvl1pPr marL="342900" indent="-342900" algn="l" defTabSz="914400" rtl="0" eaLnBrk="1" latinLnBrk="0" hangingPunct="1">
         <a:spcBef>
-          <a:spcPts val="1000"/>
+          <a:spcPct val="20000"/>
         </a:spcBef>
-        <a:buFont typeface="Arial" panose="020B0604020202020204" pitchFamily="34" charset="0"/>
+        <a:buFont typeface="Arial" pitchFamily="34" charset="0"/>
         <a:buChar char="•"/>
+        <a:defRPr sz="3200" kern="1200">
+          <a:solidFill>
+            <a:schemeClr val="tx1"/>
+          </a:solidFill>
+          <a:latin typeface="+mn-lt"/>
+          <a:ea typeface="+mn-ea"/>
+          <a:cs typeface="+mn-cs"/>
+        </a:defRPr>
+      </a:lvl1pPr>
+      <a:lvl2pPr marL="742950" indent="-285750" algn="l" defTabSz="914400" rtl="0" eaLnBrk="1" latinLnBrk="0" hangingPunct="1">
+        <a:spcBef>
+          <a:spcPct val="20000"/>
+        </a:spcBef>
+        <a:buFont typeface="Arial" pitchFamily="34" charset="0"/>
+        <a:buChar char="–"/>
         <a:defRPr sz="2800" kern="1200">
           <a:solidFill>
             <a:schemeClr val="tx1"/>
@@ -3061,15 +5280,12 @@
           <a:ea typeface="+mn-ea"/>
           <a:cs typeface="+mn-cs"/>
         </a:defRPr>
-      </a:lvl1pPr>
-      <a:lvl2pPr marL="685800" indent="-228600" algn="l" defTabSz="914400" rtl="0" eaLnBrk="1" latinLnBrk="0" hangingPunct="1">
-        <a:lnSpc>
-          <a:spcPct val="90000"/>
-        </a:lnSpc>
+      </a:lvl2pPr>
+      <a:lvl3pPr marL="1143000" indent="-228600" algn="l" defTabSz="914400" rtl="0" eaLnBrk="1" latinLnBrk="0" hangingPunct="1">
         <a:spcBef>
-          <a:spcPts val="500"/>
+          <a:spcPct val="20000"/>
         </a:spcBef>
-        <a:buFont typeface="Arial" panose="020B0604020202020204" pitchFamily="34" charset="0"/>
+        <a:buFont typeface="Arial" pitchFamily="34" charset="0"/>
         <a:buChar char="•"/>
         <a:defRPr sz="2400" kern="1200">
           <a:solidFill>
@@ -3079,15 +5295,42 @@
           <a:ea typeface="+mn-ea"/>
           <a:cs typeface="+mn-cs"/>
         </a:defRPr>
-      </a:lvl2pPr>
-      <a:lvl3pPr marL="1143000" indent="-228600" algn="l" defTabSz="914400" rtl="0" eaLnBrk="1" latinLnBrk="0" hangingPunct="1">
-        <a:lnSpc>
-          <a:spcPct val="90000"/>
-        </a:lnSpc>
+      </a:lvl3pPr>
+      <a:lvl4pPr marL="1600200" indent="-228600" algn="l" defTabSz="914400" rtl="0" eaLnBrk="1" latinLnBrk="0" hangingPunct="1">
         <a:spcBef>
-          <a:spcPts val="500"/>
+          <a:spcPct val="20000"/>
         </a:spcBef>
-        <a:buFont typeface="Arial" panose="020B0604020202020204" pitchFamily="34" charset="0"/>
+        <a:buFont typeface="Arial" pitchFamily="34" charset="0"/>
+        <a:buChar char="–"/>
+        <a:defRPr sz="2000" kern="1200">
+          <a:solidFill>
+            <a:schemeClr val="tx1"/>
+          </a:solidFill>
+          <a:latin typeface="+mn-lt"/>
+          <a:ea typeface="+mn-ea"/>
+          <a:cs typeface="+mn-cs"/>
+        </a:defRPr>
+      </a:lvl4pPr>
+      <a:lvl5pPr marL="2057400" indent="-228600" algn="l" defTabSz="914400" rtl="0" eaLnBrk="1" latinLnBrk="0" hangingPunct="1">
+        <a:spcBef>
+          <a:spcPct val="20000"/>
+        </a:spcBef>
+        <a:buFont typeface="Arial" pitchFamily="34" charset="0"/>
+        <a:buChar char="»"/>
+        <a:defRPr sz="2000" kern="1200">
+          <a:solidFill>
+            <a:schemeClr val="tx1"/>
+          </a:solidFill>
+          <a:latin typeface="+mn-lt"/>
+          <a:ea typeface="+mn-ea"/>
+          <a:cs typeface="+mn-cs"/>
+        </a:defRPr>
+      </a:lvl5pPr>
+      <a:lvl6pPr marL="2514600" indent="-228600" algn="l" defTabSz="914400" rtl="0" eaLnBrk="1" latinLnBrk="0" hangingPunct="1">
+        <a:spcBef>
+          <a:spcPct val="20000"/>
+        </a:spcBef>
+        <a:buFont typeface="Arial" pitchFamily="34" charset="0"/>
         <a:buChar char="•"/>
         <a:defRPr sz="2000" kern="1200">
           <a:solidFill>
@@ -3097,71 +5340,14 @@
           <a:ea typeface="+mn-ea"/>
           <a:cs typeface="+mn-cs"/>
         </a:defRPr>
-      </a:lvl3pPr>
-      <a:lvl4pPr marL="1600200" indent="-228600" algn="l" defTabSz="914400" rtl="0" eaLnBrk="1" latinLnBrk="0" hangingPunct="1">
-        <a:lnSpc>
-          <a:spcPct val="90000"/>
-        </a:lnSpc>
-        <a:spcBef>
-          <a:spcPts val="500"/>
-        </a:spcBef>
-        <a:buFont typeface="Arial" panose="020B0604020202020204" pitchFamily="34" charset="0"/>
-        <a:buChar char="•"/>
-        <a:defRPr sz="1800" kern="1200">
-          <a:solidFill>
-            <a:schemeClr val="tx1"/>
-          </a:solidFill>
-          <a:latin typeface="+mn-lt"/>
-          <a:ea typeface="+mn-ea"/>
-          <a:cs typeface="+mn-cs"/>
-        </a:defRPr>
-      </a:lvl4pPr>
-      <a:lvl5pPr marL="2057400" indent="-228600" algn="l" defTabSz="914400" rtl="0" eaLnBrk="1" latinLnBrk="0" hangingPunct="1">
-        <a:lnSpc>
-          <a:spcPct val="90000"/>
-        </a:lnSpc>
-        <a:spcBef>
-          <a:spcPts val="500"/>
-        </a:spcBef>
-        <a:buFont typeface="Arial" panose="020B0604020202020204" pitchFamily="34" charset="0"/>
-        <a:buChar char="•"/>
-        <a:defRPr sz="1800" kern="1200">
-          <a:solidFill>
-            <a:schemeClr val="tx1"/>
-          </a:solidFill>
-          <a:latin typeface="+mn-lt"/>
-          <a:ea typeface="+mn-ea"/>
-          <a:cs typeface="+mn-cs"/>
-        </a:defRPr>
-      </a:lvl5pPr>
-      <a:lvl6pPr marL="2514600" indent="-228600" algn="l" defTabSz="914400" rtl="0" eaLnBrk="1" latinLnBrk="0" hangingPunct="1">
-        <a:lnSpc>
-          <a:spcPct val="90000"/>
-        </a:lnSpc>
-        <a:spcBef>
-          <a:spcPts val="500"/>
-        </a:spcBef>
-        <a:buFont typeface="Arial" panose="020B0604020202020204" pitchFamily="34" charset="0"/>
-        <a:buChar char="•"/>
-        <a:defRPr sz="1800" kern="1200">
-          <a:solidFill>
-            <a:schemeClr val="tx1"/>
-          </a:solidFill>
-          <a:latin typeface="+mn-lt"/>
-          <a:ea typeface="+mn-ea"/>
-          <a:cs typeface="+mn-cs"/>
-        </a:defRPr>
       </a:lvl6pPr>
       <a:lvl7pPr marL="2971800" indent="-228600" algn="l" defTabSz="914400" rtl="0" eaLnBrk="1" latinLnBrk="0" hangingPunct="1">
-        <a:lnSpc>
-          <a:spcPct val="90000"/>
-        </a:lnSpc>
         <a:spcBef>
-          <a:spcPts val="500"/>
+          <a:spcPct val="20000"/>
         </a:spcBef>
-        <a:buFont typeface="Arial" panose="020B0604020202020204" pitchFamily="34" charset="0"/>
+        <a:buFont typeface="Arial" pitchFamily="34" charset="0"/>
         <a:buChar char="•"/>
-        <a:defRPr sz="1800" kern="1200">
+        <a:defRPr sz="2000" kern="1200">
           <a:solidFill>
             <a:schemeClr val="tx1"/>
           </a:solidFill>
@@ -3171,15 +5357,12 @@
         </a:defRPr>
       </a:lvl7pPr>
       <a:lvl8pPr marL="3429000" indent="-228600" algn="l" defTabSz="914400" rtl="0" eaLnBrk="1" latinLnBrk="0" hangingPunct="1">
-        <a:lnSpc>
-          <a:spcPct val="90000"/>
-        </a:lnSpc>
         <a:spcBef>
-          <a:spcPts val="500"/>
+          <a:spcPct val="20000"/>
         </a:spcBef>
-        <a:buFont typeface="Arial" panose="020B0604020202020204" pitchFamily="34" charset="0"/>
+        <a:buFont typeface="Arial" pitchFamily="34" charset="0"/>
         <a:buChar char="•"/>
-        <a:defRPr sz="1800" kern="1200">
+        <a:defRPr sz="2000" kern="1200">
           <a:solidFill>
             <a:schemeClr val="tx1"/>
           </a:solidFill>
@@ -3189,15 +5372,12 @@
         </a:defRPr>
       </a:lvl8pPr>
       <a:lvl9pPr marL="3886200" indent="-228600" algn="l" defTabSz="914400" rtl="0" eaLnBrk="1" latinLnBrk="0" hangingPunct="1">
-        <a:lnSpc>
-          <a:spcPct val="90000"/>
-        </a:lnSpc>
         <a:spcBef>
-          <a:spcPts val="500"/>
+          <a:spcPct val="20000"/>
         </a:spcBef>
-        <a:buFont typeface="Arial" panose="020B0604020202020204" pitchFamily="34" charset="0"/>
+        <a:buFont typeface="Arial" pitchFamily="34" charset="0"/>
         <a:buChar char="•"/>
-        <a:defRPr sz="1800" kern="1200">
+        <a:defRPr sz="2000" kern="1200">
           <a:solidFill>
             <a:schemeClr val="tx1"/>
           </a:solidFill>
@@ -3370,7 +5550,9 @@
         </p:nvSpPr>
         <p:spPr/>
         <p:txBody>
-          <a:bodyPr/>
+          <a:bodyPr>
+            <a:normAutofit/>
+          </a:bodyPr>
           <a:lstStyle/>
           <a:p>
             <a:endParaRPr lang="zh-CN" altLang="en-US"/>
@@ -3688,7 +5870,7 @@
 </file>
 
 <file path=ppt/theme/theme1.xml><?xml version="1.0" encoding="utf-8"?>
-<a:theme xmlns:a="http://schemas.openxmlformats.org/drawingml/2006/main" name="Office 主题​​">
+<a:theme xmlns:a="http://schemas.openxmlformats.org/drawingml/2006/main" name="Office 主题">
   <a:themeElements>
     <a:clrScheme name="Office">
       <a:dk1>
@@ -3698,44 +5880,44 @@
         <a:sysClr val="window" lastClr="FFFFFF"/>
       </a:lt1>
       <a:dk2>
-        <a:srgbClr val="44546A"/>
+        <a:srgbClr val="1F497D"/>
       </a:dk2>
       <a:lt2>
-        <a:srgbClr val="E7E6E6"/>
+        <a:srgbClr val="EEECE1"/>
       </a:lt2>
       <a:accent1>
-        <a:srgbClr val="4472C4"/>
+        <a:srgbClr val="4F81BD"/>
       </a:accent1>
       <a:accent2>
-        <a:srgbClr val="ED7D31"/>
+        <a:srgbClr val="C0504D"/>
       </a:accent2>
       <a:accent3>
-        <a:srgbClr val="A5A5A5"/>
+        <a:srgbClr val="9BBB59"/>
       </a:accent3>
       <a:accent4>
-        <a:srgbClr val="FFC000"/>
+        <a:srgbClr val="8064A2"/>
       </a:accent4>
       <a:accent5>
-        <a:srgbClr val="5B9BD5"/>
+        <a:srgbClr val="4BACC6"/>
       </a:accent5>
       <a:accent6>
-        <a:srgbClr val="70AD47"/>
+        <a:srgbClr val="F79646"/>
       </a:accent6>
       <a:hlink>
-        <a:srgbClr val="0563C1"/>
+        <a:srgbClr val="0000FF"/>
       </a:hlink>
       <a:folHlink>
-        <a:srgbClr val="954F72"/>
+        <a:srgbClr val="800080"/>
       </a:folHlink>
     </a:clrScheme>
     <a:fontScheme name="Office">
       <a:majorFont>
-        <a:latin typeface="等线 Light" panose="020F0302020204030204"/>
+        <a:latin typeface="Calibri"/>
         <a:ea typeface=""/>
         <a:cs typeface=""/>
-        <a:font script="Jpan" typeface="游ゴシック Light"/>
+        <a:font script="Jpan" typeface="ＭＳ Ｐゴシック"/>
         <a:font script="Hang" typeface="맑은 고딕"/>
-        <a:font script="Hans" typeface="等线 Light"/>
+        <a:font script="Hans" typeface="宋体"/>
         <a:font script="Hant" typeface="新細明體"/>
         <a:font script="Arab" typeface="Times New Roman"/>
         <a:font script="Hebr" typeface="Times New Roman"/>
@@ -3762,32 +5944,14 @@
         <a:font script="Mong" typeface="Mongolian Baiti"/>
         <a:font script="Viet" typeface="Times New Roman"/>
         <a:font script="Uigh" typeface="Microsoft Uighur"/>
-        <a:font script="Geor" typeface="Sylfaen"/>
-        <a:font script="Armn" typeface="Arial"/>
-        <a:font script="Bugi" typeface="Leelawadee UI"/>
-        <a:font script="Bopo" typeface="Microsoft JhengHei"/>
-        <a:font script="Java" typeface="Javanese Text"/>
-        <a:font script="Lisu" typeface="Segoe UI"/>
-        <a:font script="Mymr" typeface="Myanmar Text"/>
-        <a:font script="Nkoo" typeface="Ebrima"/>
-        <a:font script="Olck" typeface="Nirmala UI"/>
-        <a:font script="Osma" typeface="Ebrima"/>
-        <a:font script="Phag" typeface="Phagspa"/>
-        <a:font script="Syrn" typeface="Estrangelo Edessa"/>
-        <a:font script="Syrj" typeface="Estrangelo Edessa"/>
-        <a:font script="Syre" typeface="Estrangelo Edessa"/>
-        <a:font script="Sora" typeface="Nirmala UI"/>
-        <a:font script="Tale" typeface="Microsoft Tai Le"/>
-        <a:font script="Talu" typeface="Microsoft New Tai Lue"/>
-        <a:font script="Tfng" typeface="Ebrima"/>
       </a:majorFont>
       <a:minorFont>
-        <a:latin typeface="等线" panose="020F0502020204030204"/>
+        <a:latin typeface="Calibri"/>
         <a:ea typeface=""/>
         <a:cs typeface=""/>
-        <a:font script="Jpan" typeface="游ゴシック"/>
+        <a:font script="Jpan" typeface="ＭＳ Ｐゴシック"/>
         <a:font script="Hang" typeface="맑은 고딕"/>
-        <a:font script="Hans" typeface="等线"/>
+        <a:font script="Hans" typeface="宋体"/>
         <a:font script="Hant" typeface="新細明體"/>
         <a:font script="Arab" typeface="Arial"/>
         <a:font script="Hebr" typeface="Arial"/>
@@ -3814,24 +5978,6 @@
         <a:font script="Mong" typeface="Mongolian Baiti"/>
         <a:font script="Viet" typeface="Arial"/>
         <a:font script="Uigh" typeface="Microsoft Uighur"/>
-        <a:font script="Geor" typeface="Sylfaen"/>
-        <a:font script="Armn" typeface="Arial"/>
-        <a:font script="Bugi" typeface="Leelawadee UI"/>
-        <a:font script="Bopo" typeface="Microsoft JhengHei"/>
-        <a:font script="Java" typeface="Javanese Text"/>
-        <a:font script="Lisu" typeface="Segoe UI"/>
-        <a:font script="Mymr" typeface="Myanmar Text"/>
-        <a:font script="Nkoo" typeface="Ebrima"/>
-        <a:font script="Olck" typeface="Nirmala UI"/>
-        <a:font script="Osma" typeface="Ebrima"/>
-        <a:font script="Phag" typeface="Phagspa"/>
-        <a:font script="Syrn" typeface="Estrangelo Edessa"/>
-        <a:font script="Syrj" typeface="Estrangelo Edessa"/>
-        <a:font script="Syre" typeface="Estrangelo Edessa"/>
-        <a:font script="Sora" typeface="Nirmala UI"/>
-        <a:font script="Tale" typeface="Microsoft Tai Le"/>
-        <a:font script="Talu" typeface="Microsoft New Tai Lue"/>
-        <a:font script="Tfng" typeface="Ebrima"/>
       </a:minorFont>
     </a:fontScheme>
     <a:fmtScheme name="Office">
@@ -3843,141 +5989,165 @@
           <a:gsLst>
             <a:gs pos="0">
               <a:schemeClr val="phClr">
-                <a:lumMod val="110000"/>
-                <a:satMod val="105000"/>
-                <a:tint val="67000"/>
+                <a:tint val="50000"/>
+                <a:satMod val="300000"/>
               </a:schemeClr>
             </a:gs>
-            <a:gs pos="50000">
+            <a:gs pos="35000">
               <a:schemeClr val="phClr">
-                <a:lumMod val="105000"/>
-                <a:satMod val="103000"/>
-                <a:tint val="73000"/>
+                <a:tint val="37000"/>
+                <a:satMod val="300000"/>
               </a:schemeClr>
             </a:gs>
             <a:gs pos="100000">
               <a:schemeClr val="phClr">
-                <a:lumMod val="105000"/>
-                <a:satMod val="109000"/>
-                <a:tint val="81000"/>
+                <a:tint val="15000"/>
+                <a:satMod val="350000"/>
               </a:schemeClr>
             </a:gs>
           </a:gsLst>
-          <a:lin ang="5400000" scaled="0"/>
+          <a:lin ang="16200000" scaled="1"/>
         </a:gradFill>
         <a:gradFill rotWithShape="1">
           <a:gsLst>
             <a:gs pos="0">
               <a:schemeClr val="phClr">
-                <a:satMod val="103000"/>
-                <a:lumMod val="102000"/>
-                <a:tint val="94000"/>
+                <a:shade val="51000"/>
+                <a:satMod val="130000"/>
               </a:schemeClr>
             </a:gs>
-            <a:gs pos="50000">
+            <a:gs pos="80000">
               <a:schemeClr val="phClr">
-                <a:satMod val="110000"/>
-                <a:lumMod val="100000"/>
-                <a:shade val="100000"/>
+                <a:shade val="93000"/>
+                <a:satMod val="130000"/>
               </a:schemeClr>
             </a:gs>
             <a:gs pos="100000">
               <a:schemeClr val="phClr">
-                <a:lumMod val="99000"/>
-                <a:satMod val="120000"/>
-                <a:shade val="78000"/>
+                <a:shade val="94000"/>
+                <a:satMod val="135000"/>
               </a:schemeClr>
             </a:gs>
           </a:gsLst>
-          <a:lin ang="5400000" scaled="0"/>
+          <a:lin ang="16200000" scaled="0"/>
         </a:gradFill>
       </a:fillStyleLst>
       <a:lnStyleLst>
-        <a:ln w="6350" cap="flat" cmpd="sng" algn="ctr">
+        <a:ln w="9525" cap="flat" cmpd="sng" algn="ctr">
+          <a:solidFill>
+            <a:schemeClr val="phClr">
+              <a:shade val="95000"/>
+              <a:satMod val="105000"/>
+            </a:schemeClr>
+          </a:solidFill>
+          <a:prstDash val="solid"/>
+        </a:ln>
+        <a:ln w="25400" cap="flat" cmpd="sng" algn="ctr">
           <a:solidFill>
             <a:schemeClr val="phClr"/>
           </a:solidFill>
           <a:prstDash val="solid"/>
-          <a:miter lim="800000"/>
         </a:ln>
-        <a:ln w="12700" cap="flat" cmpd="sng" algn="ctr">
+        <a:ln w="38100" cap="flat" cmpd="sng" algn="ctr">
           <a:solidFill>
             <a:schemeClr val="phClr"/>
           </a:solidFill>
           <a:prstDash val="solid"/>
-          <a:miter lim="800000"/>
-        </a:ln>
-        <a:ln w="19050" cap="flat" cmpd="sng" algn="ctr">
-          <a:solidFill>
-            <a:schemeClr val="phClr"/>
-          </a:solidFill>
-          <a:prstDash val="solid"/>
-          <a:miter lim="800000"/>
         </a:ln>
       </a:lnStyleLst>
       <a:effectStyleLst>
         <a:effectStyle>
-          <a:effectLst/>
-        </a:effectStyle>
-        <a:effectStyle>
-          <a:effectLst/>
+          <a:effectLst>
+            <a:outerShdw blurRad="40000" dist="20000" dir="5400000" rotWithShape="0">
+              <a:srgbClr val="000000">
+                <a:alpha val="38000"/>
+              </a:srgbClr>
+            </a:outerShdw>
+          </a:effectLst>
         </a:effectStyle>
         <a:effectStyle>
           <a:effectLst>
-            <a:outerShdw blurRad="57150" dist="19050" dir="5400000" algn="ctr" rotWithShape="0">
+            <a:outerShdw blurRad="40000" dist="23000" dir="5400000" rotWithShape="0">
               <a:srgbClr val="000000">
-                <a:alpha val="63000"/>
+                <a:alpha val="35000"/>
               </a:srgbClr>
             </a:outerShdw>
           </a:effectLst>
+        </a:effectStyle>
+        <a:effectStyle>
+          <a:effectLst>
+            <a:outerShdw blurRad="40000" dist="23000" dir="5400000" rotWithShape="0">
+              <a:srgbClr val="000000">
+                <a:alpha val="35000"/>
+              </a:srgbClr>
+            </a:outerShdw>
+          </a:effectLst>
+          <a:scene3d>
+            <a:camera prst="orthographicFront">
+              <a:rot lat="0" lon="0" rev="0"/>
+            </a:camera>
+            <a:lightRig rig="threePt" dir="t">
+              <a:rot lat="0" lon="0" rev="1200000"/>
+            </a:lightRig>
+          </a:scene3d>
+          <a:sp3d>
+            <a:bevelT w="63500" h="25400"/>
+          </a:sp3d>
         </a:effectStyle>
       </a:effectStyleLst>
       <a:bgFillStyleLst>
         <a:solidFill>
           <a:schemeClr val="phClr"/>
         </a:solidFill>
-        <a:solidFill>
-          <a:schemeClr val="phClr">
-            <a:tint val="95000"/>
-            <a:satMod val="170000"/>
-          </a:schemeClr>
-        </a:solidFill>
         <a:gradFill rotWithShape="1">
           <a:gsLst>
             <a:gs pos="0">
               <a:schemeClr val="phClr">
-                <a:tint val="93000"/>
-                <a:satMod val="150000"/>
-                <a:shade val="98000"/>
-                <a:lumMod val="102000"/>
+                <a:tint val="40000"/>
+                <a:satMod val="350000"/>
               </a:schemeClr>
             </a:gs>
-            <a:gs pos="50000">
+            <a:gs pos="40000">
               <a:schemeClr val="phClr">
-                <a:tint val="98000"/>
-                <a:satMod val="130000"/>
-                <a:shade val="90000"/>
-                <a:lumMod val="103000"/>
+                <a:tint val="45000"/>
+                <a:shade val="99000"/>
+                <a:satMod val="350000"/>
               </a:schemeClr>
             </a:gs>
             <a:gs pos="100000">
               <a:schemeClr val="phClr">
-                <a:shade val="63000"/>
-                <a:satMod val="120000"/>
+                <a:shade val="20000"/>
+                <a:satMod val="255000"/>
               </a:schemeClr>
             </a:gs>
           </a:gsLst>
-          <a:lin ang="5400000" scaled="0"/>
+          <a:path path="circle">
+            <a:fillToRect l="50000" t="-80000" r="50000" b="180000"/>
+          </a:path>
+        </a:gradFill>
+        <a:gradFill rotWithShape="1">
+          <a:gsLst>
+            <a:gs pos="0">
+              <a:schemeClr val="phClr">
+                <a:tint val="80000"/>
+                <a:satMod val="300000"/>
+              </a:schemeClr>
+            </a:gs>
+            <a:gs pos="100000">
+              <a:schemeClr val="phClr">
+                <a:shade val="30000"/>
+                <a:satMod val="200000"/>
+              </a:schemeClr>
+            </a:gs>
+          </a:gsLst>
+          <a:path path="circle">
+            <a:fillToRect l="50000" t="50000" r="50000" b="50000"/>
+          </a:path>
         </a:gradFill>
       </a:bgFillStyleLst>
     </a:fmtScheme>
   </a:themeElements>
   <a:objectDefaults/>
   <a:extraClrSchemeLst/>
-  <a:extLst>
-    <a:ext uri="{05A4C25C-085E-4340-85A3-A5531E510DB2}">
-      <thm15:themeFamily xmlns:thm15="http://schemas.microsoft.com/office/thememl/2012/main" name="Office Theme" id="{62F939B6-93AF-4DB8-9C6B-D6C7DFDC589F}" vid="{4A3C46E8-61CC-4603-A589-7422A47A8E4A}"/>
-    </a:ext>
-  </a:extLst>
 </a:theme>
 </file>